--- a/livrables/presentation_p7.pptx
+++ b/livrables/presentation_p7.pptx
@@ -11,9 +11,15 @@
     <p:sldId id="259" r:id="rId5"/>
     <p:sldId id="260" r:id="rId6"/>
     <p:sldId id="261" r:id="rId7"/>
-    <p:sldId id="262" r:id="rId8"/>
-    <p:sldId id="263" r:id="rId9"/>
-    <p:sldId id="265" r:id="rId10"/>
+    <p:sldId id="267" r:id="rId8"/>
+    <p:sldId id="268" r:id="rId9"/>
+    <p:sldId id="269" r:id="rId10"/>
+    <p:sldId id="270" r:id="rId11"/>
+    <p:sldId id="271" r:id="rId12"/>
+    <p:sldId id="262" r:id="rId13"/>
+    <p:sldId id="263" r:id="rId14"/>
+    <p:sldId id="265" r:id="rId15"/>
+    <p:sldId id="266" r:id="rId16"/>
   </p:sldIdLst>
   <p:sldSz cx="12192000" cy="6858000"/>
   <p:notesSz cx="6858000" cy="9144000"/>
@@ -1110,13 +1116,13 @@
         <a:lstStyle/>
         <a:p>
           <a:r>
-            <a:rPr lang="fr-FR">
+            <a:rPr lang="fr-FR" dirty="0">
               <a:latin typeface="JasmineUPC" panose="02020603050405020304" pitchFamily="18" charset="-34"/>
               <a:cs typeface="JasmineUPC" panose="02020603050405020304" pitchFamily="18" charset="-34"/>
             </a:rPr>
             <a:t>II. Contenu du projet</a:t>
           </a:r>
-          <a:endParaRPr lang="en-US">
+          <a:endParaRPr lang="en-US" dirty="0">
             <a:latin typeface="JasmineUPC" panose="02020603050405020304" pitchFamily="18" charset="-34"/>
             <a:cs typeface="JasmineUPC" panose="02020603050405020304" pitchFamily="18" charset="-34"/>
           </a:endParaRPr>
@@ -1208,13 +1214,13 @@
         <a:lstStyle/>
         <a:p>
           <a:r>
-            <a:rPr lang="fr-FR">
+            <a:rPr lang="fr-FR" dirty="0">
               <a:latin typeface="JasmineUPC" panose="02020603050405020304" pitchFamily="18" charset="-34"/>
               <a:cs typeface="JasmineUPC" panose="02020603050405020304" pitchFamily="18" charset="-34"/>
             </a:rPr>
             <a:t>IV. Choix des algorithmes</a:t>
           </a:r>
-          <a:endParaRPr lang="en-US">
+          <a:endParaRPr lang="en-US" dirty="0">
             <a:latin typeface="JasmineUPC" panose="02020603050405020304" pitchFamily="18" charset="-34"/>
             <a:cs typeface="JasmineUPC" panose="02020603050405020304" pitchFamily="18" charset="-34"/>
           </a:endParaRPr>
@@ -1257,13 +1263,13 @@
         <a:lstStyle/>
         <a:p>
           <a:r>
-            <a:rPr lang="fr-FR">
+            <a:rPr lang="fr-FR" dirty="0">
               <a:latin typeface="JasmineUPC" panose="02020603050405020304" pitchFamily="18" charset="-34"/>
               <a:cs typeface="JasmineUPC" panose="02020603050405020304" pitchFamily="18" charset="-34"/>
             </a:rPr>
             <a:t>V. Difficultés rencontrées et solutions trouvées</a:t>
           </a:r>
-          <a:endParaRPr lang="en-US">
+          <a:endParaRPr lang="en-US" dirty="0">
             <a:latin typeface="JasmineUPC" panose="02020603050405020304" pitchFamily="18" charset="-34"/>
             <a:cs typeface="JasmineUPC" panose="02020603050405020304" pitchFamily="18" charset="-34"/>
           </a:endParaRPr>
@@ -1306,13 +1312,13 @@
         <a:lstStyle/>
         <a:p>
           <a:r>
-            <a:rPr lang="fr-FR">
+            <a:rPr lang="fr-FR" dirty="0">
               <a:latin typeface="JasmineUPC" panose="02020603050405020304" pitchFamily="18" charset="-34"/>
               <a:cs typeface="JasmineUPC" panose="02020603050405020304" pitchFamily="18" charset="-34"/>
             </a:rPr>
             <a:t>VI. Améliorations possibles</a:t>
           </a:r>
-          <a:endParaRPr lang="en-US">
+          <a:endParaRPr lang="en-US" dirty="0">
             <a:latin typeface="JasmineUPC" panose="02020603050405020304" pitchFamily="18" charset="-34"/>
             <a:cs typeface="JasmineUPC" panose="02020603050405020304" pitchFamily="18" charset="-34"/>
           </a:endParaRPr>
@@ -1831,13 +1837,13 @@
             <a:buNone/>
           </a:pPr>
           <a:r>
-            <a:rPr lang="fr-FR" sz="3300" kern="1200">
+            <a:rPr lang="fr-FR" sz="3300" kern="1200" dirty="0">
               <a:latin typeface="JasmineUPC" panose="02020603050405020304" pitchFamily="18" charset="-34"/>
               <a:cs typeface="JasmineUPC" panose="02020603050405020304" pitchFamily="18" charset="-34"/>
             </a:rPr>
             <a:t>II. Contenu du projet</a:t>
           </a:r>
-          <a:endParaRPr lang="en-US" sz="3300" kern="1200">
+          <a:endParaRPr lang="en-US" sz="3300" kern="1200" dirty="0">
             <a:latin typeface="JasmineUPC" panose="02020603050405020304" pitchFamily="18" charset="-34"/>
             <a:cs typeface="JasmineUPC" panose="02020603050405020304" pitchFamily="18" charset="-34"/>
           </a:endParaRPr>
@@ -2175,13 +2181,13 @@
             <a:buNone/>
           </a:pPr>
           <a:r>
-            <a:rPr lang="fr-FR" sz="3300" kern="1200">
+            <a:rPr lang="fr-FR" sz="3300" kern="1200" dirty="0">
               <a:latin typeface="JasmineUPC" panose="02020603050405020304" pitchFamily="18" charset="-34"/>
               <a:cs typeface="JasmineUPC" panose="02020603050405020304" pitchFamily="18" charset="-34"/>
             </a:rPr>
             <a:t>IV. Choix des algorithmes</a:t>
           </a:r>
-          <a:endParaRPr lang="en-US" sz="3300" kern="1200">
+          <a:endParaRPr lang="en-US" sz="3300" kern="1200" dirty="0">
             <a:latin typeface="JasmineUPC" panose="02020603050405020304" pitchFamily="18" charset="-34"/>
             <a:cs typeface="JasmineUPC" panose="02020603050405020304" pitchFamily="18" charset="-34"/>
           </a:endParaRPr>
@@ -2344,13 +2350,13 @@
             <a:buNone/>
           </a:pPr>
           <a:r>
-            <a:rPr lang="fr-FR" sz="3300" kern="1200">
+            <a:rPr lang="fr-FR" sz="3300" kern="1200" dirty="0">
               <a:latin typeface="JasmineUPC" panose="02020603050405020304" pitchFamily="18" charset="-34"/>
               <a:cs typeface="JasmineUPC" panose="02020603050405020304" pitchFamily="18" charset="-34"/>
             </a:rPr>
             <a:t>V. Difficultés rencontrées et solutions trouvées</a:t>
           </a:r>
-          <a:endParaRPr lang="en-US" sz="3300" kern="1200">
+          <a:endParaRPr lang="en-US" sz="3300" kern="1200" dirty="0">
             <a:latin typeface="JasmineUPC" panose="02020603050405020304" pitchFamily="18" charset="-34"/>
             <a:cs typeface="JasmineUPC" panose="02020603050405020304" pitchFamily="18" charset="-34"/>
           </a:endParaRPr>
@@ -2429,13 +2435,13 @@
             <a:buNone/>
           </a:pPr>
           <a:r>
-            <a:rPr lang="fr-FR" sz="3300" kern="1200">
+            <a:rPr lang="fr-FR" sz="3300" kern="1200" dirty="0">
               <a:latin typeface="JasmineUPC" panose="02020603050405020304" pitchFamily="18" charset="-34"/>
               <a:cs typeface="JasmineUPC" panose="02020603050405020304" pitchFamily="18" charset="-34"/>
             </a:rPr>
             <a:t>VI. Améliorations possibles</a:t>
           </a:r>
-          <a:endParaRPr lang="en-US" sz="3300" kern="1200">
+          <a:endParaRPr lang="en-US" sz="3300" kern="1200" dirty="0">
             <a:latin typeface="JasmineUPC" panose="02020603050405020304" pitchFamily="18" charset="-34"/>
             <a:cs typeface="JasmineUPC" panose="02020603050405020304" pitchFamily="18" charset="-34"/>
           </a:endParaRPr>
@@ -3823,7 +3829,7 @@
           <a:p>
             <a:fld id="{3FA2BC0F-0EBE-C040-8125-390D1D6C3174}" type="datetimeFigureOut">
               <a:rPr lang="fr-FR" smtClean="0"/>
-              <a:t>30/04/2019</a:t>
+              <a:t>15/05/2019</a:t>
             </a:fld>
             <a:endParaRPr lang="fr-FR"/>
           </a:p>
@@ -4021,7 +4027,7 @@
           <a:p>
             <a:fld id="{3FA2BC0F-0EBE-C040-8125-390D1D6C3174}" type="datetimeFigureOut">
               <a:rPr lang="fr-FR" smtClean="0"/>
-              <a:t>30/04/2019</a:t>
+              <a:t>15/05/2019</a:t>
             </a:fld>
             <a:endParaRPr lang="fr-FR"/>
           </a:p>
@@ -4229,7 +4235,7 @@
           <a:p>
             <a:fld id="{3FA2BC0F-0EBE-C040-8125-390D1D6C3174}" type="datetimeFigureOut">
               <a:rPr lang="fr-FR" smtClean="0"/>
-              <a:t>30/04/2019</a:t>
+              <a:t>15/05/2019</a:t>
             </a:fld>
             <a:endParaRPr lang="fr-FR"/>
           </a:p>
@@ -4427,7 +4433,7 @@
           <a:p>
             <a:fld id="{3FA2BC0F-0EBE-C040-8125-390D1D6C3174}" type="datetimeFigureOut">
               <a:rPr lang="fr-FR" smtClean="0"/>
-              <a:t>30/04/2019</a:t>
+              <a:t>15/05/2019</a:t>
             </a:fld>
             <a:endParaRPr lang="fr-FR"/>
           </a:p>
@@ -4702,7 +4708,7 @@
           <a:p>
             <a:fld id="{3FA2BC0F-0EBE-C040-8125-390D1D6C3174}" type="datetimeFigureOut">
               <a:rPr lang="fr-FR" smtClean="0"/>
-              <a:t>30/04/2019</a:t>
+              <a:t>15/05/2019</a:t>
             </a:fld>
             <a:endParaRPr lang="fr-FR"/>
           </a:p>
@@ -4967,7 +4973,7 @@
           <a:p>
             <a:fld id="{3FA2BC0F-0EBE-C040-8125-390D1D6C3174}" type="datetimeFigureOut">
               <a:rPr lang="fr-FR" smtClean="0"/>
-              <a:t>30/04/2019</a:t>
+              <a:t>15/05/2019</a:t>
             </a:fld>
             <a:endParaRPr lang="fr-FR"/>
           </a:p>
@@ -5379,7 +5385,7 @@
           <a:p>
             <a:fld id="{3FA2BC0F-0EBE-C040-8125-390D1D6C3174}" type="datetimeFigureOut">
               <a:rPr lang="fr-FR" smtClean="0"/>
-              <a:t>30/04/2019</a:t>
+              <a:t>15/05/2019</a:t>
             </a:fld>
             <a:endParaRPr lang="fr-FR"/>
           </a:p>
@@ -5520,7 +5526,7 @@
           <a:p>
             <a:fld id="{3FA2BC0F-0EBE-C040-8125-390D1D6C3174}" type="datetimeFigureOut">
               <a:rPr lang="fr-FR" smtClean="0"/>
-              <a:t>30/04/2019</a:t>
+              <a:t>15/05/2019</a:t>
             </a:fld>
             <a:endParaRPr lang="fr-FR"/>
           </a:p>
@@ -5633,7 +5639,7 @@
           <a:p>
             <a:fld id="{3FA2BC0F-0EBE-C040-8125-390D1D6C3174}" type="datetimeFigureOut">
               <a:rPr lang="fr-FR" smtClean="0"/>
-              <a:t>30/04/2019</a:t>
+              <a:t>15/05/2019</a:t>
             </a:fld>
             <a:endParaRPr lang="fr-FR"/>
           </a:p>
@@ -5944,7 +5950,7 @@
           <a:p>
             <a:fld id="{3FA2BC0F-0EBE-C040-8125-390D1D6C3174}" type="datetimeFigureOut">
               <a:rPr lang="fr-FR" smtClean="0"/>
-              <a:t>30/04/2019</a:t>
+              <a:t>15/05/2019</a:t>
             </a:fld>
             <a:endParaRPr lang="fr-FR"/>
           </a:p>
@@ -6232,7 +6238,7 @@
           <a:p>
             <a:fld id="{3FA2BC0F-0EBE-C040-8125-390D1D6C3174}" type="datetimeFigureOut">
               <a:rPr lang="fr-FR" smtClean="0"/>
-              <a:t>30/04/2019</a:t>
+              <a:t>15/05/2019</a:t>
             </a:fld>
             <a:endParaRPr lang="fr-FR"/>
           </a:p>
@@ -6473,7 +6479,7 @@
           <a:p>
             <a:fld id="{3FA2BC0F-0EBE-C040-8125-390D1D6C3174}" type="datetimeFigureOut">
               <a:rPr lang="fr-FR" smtClean="0"/>
-              <a:t>30/04/2019</a:t>
+              <a:t>15/05/2019</a:t>
             </a:fld>
             <a:endParaRPr lang="fr-FR"/>
           </a:p>
@@ -7436,6 +7442,634 @@
 </p:sld>
 </file>
 
+<file path=ppt/slides/slide10.xml><?xml version="1.0" encoding="utf-8"?>
+<p:sld xmlns:a="http://schemas.openxmlformats.org/drawingml/2006/main" xmlns:r="http://schemas.openxmlformats.org/officeDocument/2006/relationships" xmlns:p="http://schemas.openxmlformats.org/presentationml/2006/main">
+  <p:cSld>
+    <p:spTree>
+      <p:nvGrpSpPr>
+        <p:cNvPr id="1" name=""/>
+        <p:cNvGrpSpPr/>
+        <p:nvPr/>
+      </p:nvGrpSpPr>
+      <p:grpSpPr>
+        <a:xfrm>
+          <a:off x="0" y="0"/>
+          <a:ext cx="0" cy="0"/>
+          <a:chOff x="0" y="0"/>
+          <a:chExt cx="0" cy="0"/>
+        </a:xfrm>
+      </p:grpSpPr>
+      <p:sp>
+        <p:nvSpPr>
+          <p:cNvPr id="2" name="Titre 1">
+            <a:extLst>
+              <a:ext uri="{FF2B5EF4-FFF2-40B4-BE49-F238E27FC236}">
+                <a16:creationId xmlns:a16="http://schemas.microsoft.com/office/drawing/2014/main" id="{1E6C88BF-6B2A-B24D-8A9E-7EED4DC14672}"/>
+              </a:ext>
+            </a:extLst>
+          </p:cNvPr>
+          <p:cNvSpPr>
+            <a:spLocks noGrp="1"/>
+          </p:cNvSpPr>
+          <p:nvPr>
+            <p:ph type="title"/>
+          </p:nvPr>
+        </p:nvSpPr>
+        <p:spPr/>
+        <p:txBody>
+          <a:bodyPr/>
+          <a:lstStyle/>
+          <a:p>
+            <a:endParaRPr lang="fr-FR"/>
+          </a:p>
+        </p:txBody>
+      </p:sp>
+      <p:sp>
+        <p:nvSpPr>
+          <p:cNvPr id="3" name="Espace réservé du contenu 2">
+            <a:extLst>
+              <a:ext uri="{FF2B5EF4-FFF2-40B4-BE49-F238E27FC236}">
+                <a16:creationId xmlns:a16="http://schemas.microsoft.com/office/drawing/2014/main" id="{3F9F5B03-06B3-1447-B259-F2D36AD32E4B}"/>
+              </a:ext>
+            </a:extLst>
+          </p:cNvPr>
+          <p:cNvSpPr>
+            <a:spLocks noGrp="1"/>
+          </p:cNvSpPr>
+          <p:nvPr>
+            <p:ph idx="1"/>
+          </p:nvPr>
+        </p:nvSpPr>
+        <p:spPr/>
+        <p:txBody>
+          <a:bodyPr/>
+          <a:lstStyle/>
+          <a:p>
+            <a:endParaRPr lang="fr-FR"/>
+          </a:p>
+        </p:txBody>
+      </p:sp>
+    </p:spTree>
+    <p:extLst>
+      <p:ext uri="{BB962C8B-B14F-4D97-AF65-F5344CB8AC3E}">
+        <p14:creationId xmlns:p14="http://schemas.microsoft.com/office/powerpoint/2010/main" val="241464881"/>
+      </p:ext>
+    </p:extLst>
+  </p:cSld>
+  <p:clrMapOvr>
+    <a:masterClrMapping/>
+  </p:clrMapOvr>
+</p:sld>
+</file>
+
+<file path=ppt/slides/slide11.xml><?xml version="1.0" encoding="utf-8"?>
+<p:sld xmlns:a="http://schemas.openxmlformats.org/drawingml/2006/main" xmlns:r="http://schemas.openxmlformats.org/officeDocument/2006/relationships" xmlns:p="http://schemas.openxmlformats.org/presentationml/2006/main">
+  <p:cSld>
+    <p:spTree>
+      <p:nvGrpSpPr>
+        <p:cNvPr id="1" name=""/>
+        <p:cNvGrpSpPr/>
+        <p:nvPr/>
+      </p:nvGrpSpPr>
+      <p:grpSpPr>
+        <a:xfrm>
+          <a:off x="0" y="0"/>
+          <a:ext cx="0" cy="0"/>
+          <a:chOff x="0" y="0"/>
+          <a:chExt cx="0" cy="0"/>
+        </a:xfrm>
+      </p:grpSpPr>
+      <p:sp>
+        <p:nvSpPr>
+          <p:cNvPr id="2" name="Titre 1">
+            <a:extLst>
+              <a:ext uri="{FF2B5EF4-FFF2-40B4-BE49-F238E27FC236}">
+                <a16:creationId xmlns:a16="http://schemas.microsoft.com/office/drawing/2014/main" id="{065D7709-4848-CA41-943D-907E952D3732}"/>
+              </a:ext>
+            </a:extLst>
+          </p:cNvPr>
+          <p:cNvSpPr>
+            <a:spLocks noGrp="1"/>
+          </p:cNvSpPr>
+          <p:nvPr>
+            <p:ph type="title"/>
+          </p:nvPr>
+        </p:nvSpPr>
+        <p:spPr/>
+        <p:txBody>
+          <a:bodyPr/>
+          <a:lstStyle/>
+          <a:p>
+            <a:pPr algn="ctr"/>
+            <a:r>
+              <a:rPr lang="fr-FR" dirty="0">
+                <a:latin typeface="JasmineUPC" panose="02020603050405020304" pitchFamily="18" charset="-34"/>
+                <a:cs typeface="JasmineUPC" panose="02020603050405020304" pitchFamily="18" charset="-34"/>
+              </a:rPr>
+              <a:t>V. Difficultés rencontrées et solutions trouvées</a:t>
+            </a:r>
+            <a:br>
+              <a:rPr lang="en-US" dirty="0">
+                <a:latin typeface="JasmineUPC" panose="02020603050405020304" pitchFamily="18" charset="-34"/>
+                <a:cs typeface="JasmineUPC" panose="02020603050405020304" pitchFamily="18" charset="-34"/>
+              </a:rPr>
+            </a:br>
+            <a:endParaRPr lang="fr-FR" dirty="0"/>
+          </a:p>
+        </p:txBody>
+      </p:sp>
+      <p:sp>
+        <p:nvSpPr>
+          <p:cNvPr id="3" name="Espace réservé du contenu 2">
+            <a:extLst>
+              <a:ext uri="{FF2B5EF4-FFF2-40B4-BE49-F238E27FC236}">
+                <a16:creationId xmlns:a16="http://schemas.microsoft.com/office/drawing/2014/main" id="{BA01A33C-6A43-AD49-BF4F-1581C9D3D38A}"/>
+              </a:ext>
+            </a:extLst>
+          </p:cNvPr>
+          <p:cNvSpPr>
+            <a:spLocks noGrp="1"/>
+          </p:cNvSpPr>
+          <p:nvPr>
+            <p:ph idx="1"/>
+          </p:nvPr>
+        </p:nvSpPr>
+        <p:spPr/>
+        <p:txBody>
+          <a:bodyPr/>
+          <a:lstStyle/>
+          <a:p>
+            <a:endParaRPr lang="fr-FR"/>
+          </a:p>
+        </p:txBody>
+      </p:sp>
+    </p:spTree>
+    <p:extLst>
+      <p:ext uri="{BB962C8B-B14F-4D97-AF65-F5344CB8AC3E}">
+        <p14:creationId xmlns:p14="http://schemas.microsoft.com/office/powerpoint/2010/main" val="2009891409"/>
+      </p:ext>
+    </p:extLst>
+  </p:cSld>
+  <p:clrMapOvr>
+    <a:masterClrMapping/>
+  </p:clrMapOvr>
+</p:sld>
+</file>
+
+<file path=ppt/slides/slide12.xml><?xml version="1.0" encoding="utf-8"?>
+<p:sld xmlns:a="http://schemas.openxmlformats.org/drawingml/2006/main" xmlns:r="http://schemas.openxmlformats.org/officeDocument/2006/relationships" xmlns:p="http://schemas.openxmlformats.org/presentationml/2006/main">
+  <p:cSld>
+    <p:spTree>
+      <p:nvGrpSpPr>
+        <p:cNvPr id="1" name=""/>
+        <p:cNvGrpSpPr/>
+        <p:nvPr/>
+      </p:nvGrpSpPr>
+      <p:grpSpPr>
+        <a:xfrm>
+          <a:off x="0" y="0"/>
+          <a:ext cx="0" cy="0"/>
+          <a:chOff x="0" y="0"/>
+          <a:chExt cx="0" cy="0"/>
+        </a:xfrm>
+      </p:grpSpPr>
+      <p:sp>
+        <p:nvSpPr>
+          <p:cNvPr id="2" name="Titre 1">
+            <a:extLst>
+              <a:ext uri="{FF2B5EF4-FFF2-40B4-BE49-F238E27FC236}">
+                <a16:creationId xmlns:a16="http://schemas.microsoft.com/office/drawing/2014/main" id="{5D970A47-5152-1841-9EBB-14CE7A64A343}"/>
+              </a:ext>
+            </a:extLst>
+          </p:cNvPr>
+          <p:cNvSpPr>
+            <a:spLocks noGrp="1"/>
+          </p:cNvSpPr>
+          <p:nvPr>
+            <p:ph type="title"/>
+          </p:nvPr>
+        </p:nvSpPr>
+        <p:spPr/>
+        <p:txBody>
+          <a:bodyPr/>
+          <a:lstStyle/>
+          <a:p>
+            <a:r>
+              <a:rPr lang="fr-FR" dirty="0"/>
+              <a:t>erreurs</a:t>
+            </a:r>
+          </a:p>
+        </p:txBody>
+      </p:sp>
+      <p:sp>
+        <p:nvSpPr>
+          <p:cNvPr id="3" name="Espace réservé du contenu 2">
+            <a:extLst>
+              <a:ext uri="{FF2B5EF4-FFF2-40B4-BE49-F238E27FC236}">
+                <a16:creationId xmlns:a16="http://schemas.microsoft.com/office/drawing/2014/main" id="{774887BC-91F9-CF4F-A395-72BE259F075F}"/>
+              </a:ext>
+            </a:extLst>
+          </p:cNvPr>
+          <p:cNvSpPr>
+            <a:spLocks noGrp="1"/>
+          </p:cNvSpPr>
+          <p:nvPr>
+            <p:ph idx="1"/>
+          </p:nvPr>
+        </p:nvSpPr>
+        <p:spPr/>
+        <p:txBody>
+          <a:bodyPr/>
+          <a:lstStyle/>
+          <a:p>
+            <a:pPr marL="0" indent="0">
+              <a:buNone/>
+            </a:pPr>
+            <a:r>
+              <a:rPr lang="en" dirty="0"/>
+              <a:t>{ </a:t>
+            </a:r>
+          </a:p>
+          <a:p>
+            <a:pPr marL="0" indent="0">
+              <a:buNone/>
+            </a:pPr>
+            <a:r>
+              <a:rPr lang="en" dirty="0"/>
+              <a:t>"</a:t>
+            </a:r>
+            <a:r>
+              <a:rPr lang="en" dirty="0" err="1"/>
+              <a:t>error_message</a:t>
+            </a:r>
+            <a:r>
+              <a:rPr lang="en" dirty="0"/>
+              <a:t>" : "You have exceeded your daily request quota for this API. If you did not set a custom daily request quota, verify your project has an active billing account: http://</a:t>
+            </a:r>
+            <a:r>
+              <a:rPr lang="en" dirty="0" err="1"/>
+              <a:t>g.co</a:t>
+            </a:r>
+            <a:r>
+              <a:rPr lang="en" dirty="0"/>
+              <a:t>/dev/maps-no-account", </a:t>
+            </a:r>
+          </a:p>
+          <a:p>
+            <a:pPr marL="0" indent="0">
+              <a:buNone/>
+            </a:pPr>
+            <a:r>
+              <a:rPr lang="en" dirty="0"/>
+              <a:t>"results" : [], </a:t>
+            </a:r>
+          </a:p>
+          <a:p>
+            <a:pPr marL="0" indent="0">
+              <a:buNone/>
+            </a:pPr>
+            <a:r>
+              <a:rPr lang="en" dirty="0"/>
+              <a:t>"status" : "OVER_QUERY_LIMIT" </a:t>
+            </a:r>
+          </a:p>
+          <a:p>
+            <a:pPr marL="0" indent="0">
+              <a:buNone/>
+            </a:pPr>
+            <a:r>
+              <a:rPr lang="en" dirty="0"/>
+              <a:t>}</a:t>
+            </a:r>
+            <a:endParaRPr lang="fr-FR" dirty="0"/>
+          </a:p>
+        </p:txBody>
+      </p:sp>
+    </p:spTree>
+    <p:extLst>
+      <p:ext uri="{BB962C8B-B14F-4D97-AF65-F5344CB8AC3E}">
+        <p14:creationId xmlns:p14="http://schemas.microsoft.com/office/powerpoint/2010/main" val="2973082782"/>
+      </p:ext>
+    </p:extLst>
+  </p:cSld>
+  <p:clrMapOvr>
+    <a:masterClrMapping/>
+  </p:clrMapOvr>
+</p:sld>
+</file>
+
+<file path=ppt/slides/slide13.xml><?xml version="1.0" encoding="utf-8"?>
+<p:sld xmlns:a="http://schemas.openxmlformats.org/drawingml/2006/main" xmlns:r="http://schemas.openxmlformats.org/officeDocument/2006/relationships" xmlns:p="http://schemas.openxmlformats.org/presentationml/2006/main">
+  <p:cSld>
+    <p:spTree>
+      <p:nvGrpSpPr>
+        <p:cNvPr id="1" name=""/>
+        <p:cNvGrpSpPr/>
+        <p:nvPr/>
+      </p:nvGrpSpPr>
+      <p:grpSpPr>
+        <a:xfrm>
+          <a:off x="0" y="0"/>
+          <a:ext cx="0" cy="0"/>
+          <a:chOff x="0" y="0"/>
+          <a:chExt cx="0" cy="0"/>
+        </a:xfrm>
+      </p:grpSpPr>
+      <p:sp>
+        <p:nvSpPr>
+          <p:cNvPr id="2" name="Titre 1">
+            <a:extLst>
+              <a:ext uri="{FF2B5EF4-FFF2-40B4-BE49-F238E27FC236}">
+                <a16:creationId xmlns:a16="http://schemas.microsoft.com/office/drawing/2014/main" id="{91615E33-11D4-1A47-9932-770599BB3858}"/>
+              </a:ext>
+            </a:extLst>
+          </p:cNvPr>
+          <p:cNvSpPr>
+            <a:spLocks noGrp="1"/>
+          </p:cNvSpPr>
+          <p:nvPr>
+            <p:ph type="title"/>
+          </p:nvPr>
+        </p:nvSpPr>
+        <p:spPr/>
+        <p:txBody>
+          <a:bodyPr/>
+          <a:lstStyle/>
+          <a:p>
+            <a:endParaRPr lang="fr-FR"/>
+          </a:p>
+        </p:txBody>
+      </p:sp>
+      <p:sp>
+        <p:nvSpPr>
+          <p:cNvPr id="3" name="Espace réservé du contenu 2">
+            <a:extLst>
+              <a:ext uri="{FF2B5EF4-FFF2-40B4-BE49-F238E27FC236}">
+                <a16:creationId xmlns:a16="http://schemas.microsoft.com/office/drawing/2014/main" id="{878EC987-267A-0444-BB6E-C0CD81D24C58}"/>
+              </a:ext>
+            </a:extLst>
+          </p:cNvPr>
+          <p:cNvSpPr>
+            <a:spLocks noGrp="1"/>
+          </p:cNvSpPr>
+          <p:nvPr>
+            <p:ph idx="1"/>
+          </p:nvPr>
+        </p:nvSpPr>
+        <p:spPr/>
+        <p:txBody>
+          <a:bodyPr/>
+          <a:lstStyle/>
+          <a:p>
+            <a:r>
+              <a:rPr lang="fr-FR" dirty="0">
+                <a:solidFill>
+                  <a:srgbClr val="7030A0"/>
+                </a:solidFill>
+              </a:rPr>
+              <a:t>macbook-pro-de-maxime-2:PROJET 7_OC </a:t>
+            </a:r>
+            <a:r>
+              <a:rPr lang="fr-FR" dirty="0" err="1">
+                <a:solidFill>
+                  <a:srgbClr val="7030A0"/>
+                </a:solidFill>
+              </a:rPr>
+              <a:t>flask</a:t>
+            </a:r>
+            <a:r>
+              <a:rPr lang="fr-FR" dirty="0">
+                <a:solidFill>
+                  <a:srgbClr val="7030A0"/>
+                </a:solidFill>
+              </a:rPr>
+              <a:t> </a:t>
+            </a:r>
+            <a:r>
+              <a:rPr lang="fr-FR" dirty="0" err="1">
+                <a:solidFill>
+                  <a:srgbClr val="7030A0"/>
+                </a:solidFill>
+              </a:rPr>
+              <a:t>maximejacquette</a:t>
+            </a:r>
+            <a:r>
+              <a:rPr lang="fr-FR" dirty="0">
+                <a:solidFill>
+                  <a:srgbClr val="7030A0"/>
+                </a:solidFill>
+              </a:rPr>
+              <a:t>$ </a:t>
+            </a:r>
+            <a:r>
+              <a:rPr lang="fr-FR" dirty="0">
+                <a:solidFill>
+                  <a:srgbClr val="C00000"/>
+                </a:solidFill>
+              </a:rPr>
+              <a:t>python -m </a:t>
+            </a:r>
+            <a:r>
+              <a:rPr lang="fr-FR" dirty="0" err="1">
+                <a:solidFill>
+                  <a:srgbClr val="C00000"/>
+                </a:solidFill>
+              </a:rPr>
+              <a:t>tests.test</a:t>
+            </a:r>
+            <a:endParaRPr lang="fr-FR" dirty="0">
+              <a:solidFill>
+                <a:srgbClr val="C00000"/>
+              </a:solidFill>
+            </a:endParaRPr>
+          </a:p>
+        </p:txBody>
+      </p:sp>
+    </p:spTree>
+    <p:extLst>
+      <p:ext uri="{BB962C8B-B14F-4D97-AF65-F5344CB8AC3E}">
+        <p14:creationId xmlns:p14="http://schemas.microsoft.com/office/powerpoint/2010/main" val="2447417796"/>
+      </p:ext>
+    </p:extLst>
+  </p:cSld>
+  <p:clrMapOvr>
+    <a:masterClrMapping/>
+  </p:clrMapOvr>
+</p:sld>
+</file>
+
+<file path=ppt/slides/slide14.xml><?xml version="1.0" encoding="utf-8"?>
+<p:sld xmlns:a="http://schemas.openxmlformats.org/drawingml/2006/main" xmlns:r="http://schemas.openxmlformats.org/officeDocument/2006/relationships" xmlns:p="http://schemas.openxmlformats.org/presentationml/2006/main">
+  <p:cSld>
+    <p:spTree>
+      <p:nvGrpSpPr>
+        <p:cNvPr id="1" name=""/>
+        <p:cNvGrpSpPr/>
+        <p:nvPr/>
+      </p:nvGrpSpPr>
+      <p:grpSpPr>
+        <a:xfrm>
+          <a:off x="0" y="0"/>
+          <a:ext cx="0" cy="0"/>
+          <a:chOff x="0" y="0"/>
+          <a:chExt cx="0" cy="0"/>
+        </a:xfrm>
+      </p:grpSpPr>
+      <p:sp>
+        <p:nvSpPr>
+          <p:cNvPr id="2" name="Titre 1">
+            <a:extLst>
+              <a:ext uri="{FF2B5EF4-FFF2-40B4-BE49-F238E27FC236}">
+                <a16:creationId xmlns:a16="http://schemas.microsoft.com/office/drawing/2014/main" id="{947C3773-4B71-9244-B735-1754CF6A1013}"/>
+              </a:ext>
+            </a:extLst>
+          </p:cNvPr>
+          <p:cNvSpPr>
+            <a:spLocks noGrp="1"/>
+          </p:cNvSpPr>
+          <p:nvPr>
+            <p:ph type="title"/>
+          </p:nvPr>
+        </p:nvSpPr>
+        <p:spPr/>
+        <p:txBody>
+          <a:bodyPr/>
+          <a:lstStyle/>
+          <a:p>
+            <a:endParaRPr lang="fr-FR"/>
+          </a:p>
+        </p:txBody>
+      </p:sp>
+      <p:pic>
+        <p:nvPicPr>
+          <p:cNvPr id="9" name="Espace réservé du contenu 8" descr="Une image contenant capture d’écran&#10;&#10;Description générée automatiquement">
+            <a:extLst>
+              <a:ext uri="{FF2B5EF4-FFF2-40B4-BE49-F238E27FC236}">
+                <a16:creationId xmlns:a16="http://schemas.microsoft.com/office/drawing/2014/main" id="{EBBBE34D-05EE-F04A-BED2-32A26FF0CADA}"/>
+              </a:ext>
+            </a:extLst>
+          </p:cNvPr>
+          <p:cNvPicPr>
+            <a:picLocks noGrp="1" noChangeAspect="1"/>
+          </p:cNvPicPr>
+          <p:nvPr>
+            <p:ph idx="1"/>
+          </p:nvPr>
+        </p:nvPicPr>
+        <p:blipFill>
+          <a:blip r:embed="rId2"/>
+          <a:stretch>
+            <a:fillRect/>
+          </a:stretch>
+        </p:blipFill>
+        <p:spPr>
+          <a:xfrm>
+            <a:off x="2591104" y="1825625"/>
+            <a:ext cx="7009792" cy="4351338"/>
+          </a:xfrm>
+        </p:spPr>
+      </p:pic>
+    </p:spTree>
+    <p:extLst>
+      <p:ext uri="{BB962C8B-B14F-4D97-AF65-F5344CB8AC3E}">
+        <p14:creationId xmlns:p14="http://schemas.microsoft.com/office/powerpoint/2010/main" val="3536890200"/>
+      </p:ext>
+    </p:extLst>
+  </p:cSld>
+  <p:clrMapOvr>
+    <a:masterClrMapping/>
+  </p:clrMapOvr>
+</p:sld>
+</file>
+
+<file path=ppt/slides/slide15.xml><?xml version="1.0" encoding="utf-8"?>
+<p:sld xmlns:a="http://schemas.openxmlformats.org/drawingml/2006/main" xmlns:r="http://schemas.openxmlformats.org/officeDocument/2006/relationships" xmlns:p="http://schemas.openxmlformats.org/presentationml/2006/main">
+  <p:cSld>
+    <p:spTree>
+      <p:nvGrpSpPr>
+        <p:cNvPr id="1" name=""/>
+        <p:cNvGrpSpPr/>
+        <p:nvPr/>
+      </p:nvGrpSpPr>
+      <p:grpSpPr>
+        <a:xfrm>
+          <a:off x="0" y="0"/>
+          <a:ext cx="0" cy="0"/>
+          <a:chOff x="0" y="0"/>
+          <a:chExt cx="0" cy="0"/>
+        </a:xfrm>
+      </p:grpSpPr>
+      <p:sp>
+        <p:nvSpPr>
+          <p:cNvPr id="2" name="Titre 1">
+            <a:extLst>
+              <a:ext uri="{FF2B5EF4-FFF2-40B4-BE49-F238E27FC236}">
+                <a16:creationId xmlns:a16="http://schemas.microsoft.com/office/drawing/2014/main" id="{AC1CB064-D229-7248-BBD2-639F886F52E4}"/>
+              </a:ext>
+            </a:extLst>
+          </p:cNvPr>
+          <p:cNvSpPr>
+            <a:spLocks noGrp="1"/>
+          </p:cNvSpPr>
+          <p:nvPr>
+            <p:ph type="title"/>
+          </p:nvPr>
+        </p:nvSpPr>
+        <p:spPr/>
+        <p:txBody>
+          <a:bodyPr/>
+          <a:lstStyle/>
+          <a:p>
+            <a:pPr algn="ctr"/>
+            <a:r>
+              <a:rPr lang="fr-FR" dirty="0">
+                <a:latin typeface="JasmineUPC" panose="02020603050405020304" pitchFamily="18" charset="-34"/>
+                <a:cs typeface="JasmineUPC" panose="02020603050405020304" pitchFamily="18" charset="-34"/>
+              </a:rPr>
+              <a:t>VI. Améliorations possibles</a:t>
+            </a:r>
+            <a:endParaRPr lang="fr-FR" dirty="0"/>
+          </a:p>
+        </p:txBody>
+      </p:sp>
+      <p:sp>
+        <p:nvSpPr>
+          <p:cNvPr id="3" name="Espace réservé du contenu 2">
+            <a:extLst>
+              <a:ext uri="{FF2B5EF4-FFF2-40B4-BE49-F238E27FC236}">
+                <a16:creationId xmlns:a16="http://schemas.microsoft.com/office/drawing/2014/main" id="{6F41879D-18C9-1D4B-B2B4-A2C738F9935F}"/>
+              </a:ext>
+            </a:extLst>
+          </p:cNvPr>
+          <p:cNvSpPr>
+            <a:spLocks noGrp="1"/>
+          </p:cNvSpPr>
+          <p:nvPr>
+            <p:ph idx="1"/>
+          </p:nvPr>
+        </p:nvSpPr>
+        <p:spPr/>
+        <p:txBody>
+          <a:bodyPr/>
+          <a:lstStyle/>
+          <a:p>
+            <a:endParaRPr lang="fr-FR"/>
+          </a:p>
+        </p:txBody>
+      </p:sp>
+    </p:spTree>
+    <p:extLst>
+      <p:ext uri="{BB962C8B-B14F-4D97-AF65-F5344CB8AC3E}">
+        <p14:creationId xmlns:p14="http://schemas.microsoft.com/office/powerpoint/2010/main" val="1315764835"/>
+      </p:ext>
+    </p:extLst>
+  </p:cSld>
+  <p:clrMapOvr>
+    <a:masterClrMapping/>
+  </p:clrMapOvr>
+</p:sld>
+</file>
+
 <file path=ppt/slides/slide2.xml><?xml version="1.0" encoding="utf-8"?>
 <p:sld xmlns:a="http://schemas.openxmlformats.org/drawingml/2006/main" xmlns:r="http://schemas.openxmlformats.org/officeDocument/2006/relationships" xmlns:p="http://schemas.openxmlformats.org/presentationml/2006/main">
   <p:cSld>
@@ -7804,7 +8438,7 @@
           <a:bodyPr/>
           <a:lstStyle/>
           <a:p>
-            <a:endParaRPr lang="fr-FR"/>
+            <a:endParaRPr lang="fr-FR" dirty="0"/>
           </a:p>
         </p:txBody>
       </p:sp>
@@ -7939,7 +8573,15 @@
           <a:bodyPr/>
           <a:lstStyle/>
           <a:p>
-            <a:endParaRPr lang="fr-FR"/>
+            <a:pPr algn="ctr"/>
+            <a:r>
+              <a:rPr lang="fr-FR" dirty="0">
+                <a:latin typeface="JasmineUPC" panose="02020603050405020304" pitchFamily="18" charset="-34"/>
+                <a:cs typeface="JasmineUPC" panose="02020603050405020304" pitchFamily="18" charset="-34"/>
+              </a:rPr>
+              <a:t>II. Contenu du projet</a:t>
+            </a:r>
+            <a:endParaRPr lang="fr-FR" dirty="0"/>
           </a:p>
         </p:txBody>
       </p:sp>
@@ -7961,10 +8603,141 @@
         </p:nvSpPr>
         <p:spPr/>
         <p:txBody>
-          <a:bodyPr/>
+          <a:bodyPr>
+            <a:normAutofit/>
+          </a:bodyPr>
           <a:lstStyle/>
           <a:p>
-            <a:endParaRPr lang="fr-FR"/>
+            <a:r>
+              <a:rPr lang="fr-FR" sz="2000" dirty="0" err="1"/>
+              <a:t>run.py</a:t>
+            </a:r>
+            <a:r>
+              <a:rPr lang="fr-FR" sz="2000" dirty="0"/>
+              <a:t> </a:t>
+            </a:r>
+          </a:p>
+          <a:p>
+            <a:r>
+              <a:rPr lang="fr-FR" sz="2000" dirty="0"/>
+              <a:t>▾ bin/ </a:t>
+            </a:r>
+          </a:p>
+          <a:p>
+            <a:r>
+              <a:rPr lang="fr-FR" sz="2000" dirty="0"/>
+              <a:t>▾ </a:t>
+            </a:r>
+            <a:r>
+              <a:rPr lang="fr-FR" sz="2000" dirty="0" err="1"/>
+              <a:t>bookshelf</a:t>
+            </a:r>
+            <a:r>
+              <a:rPr lang="fr-FR" sz="2000" dirty="0"/>
+              <a:t>/ </a:t>
+            </a:r>
+          </a:p>
+          <a:p>
+            <a:r>
+              <a:rPr lang="fr-FR" sz="2000" dirty="0"/>
+              <a:t>__</a:t>
+            </a:r>
+            <a:r>
+              <a:rPr lang="fr-FR" sz="2000" dirty="0" err="1"/>
+              <a:t>init</a:t>
+            </a:r>
+            <a:r>
+              <a:rPr lang="fr-FR" sz="2000" dirty="0"/>
+              <a:t>__.</a:t>
+            </a:r>
+            <a:r>
+              <a:rPr lang="fr-FR" sz="2000" dirty="0" err="1"/>
+              <a:t>py</a:t>
+            </a:r>
+            <a:r>
+              <a:rPr lang="fr-FR" sz="2000" dirty="0"/>
+              <a:t> </a:t>
+            </a:r>
+          </a:p>
+          <a:p>
+            <a:r>
+              <a:rPr lang="fr-FR" sz="2000" dirty="0"/>
+              <a:t>▾ admin/ </a:t>
+            </a:r>
+          </a:p>
+          <a:p>
+            <a:r>
+              <a:rPr lang="fr-FR" sz="2000" dirty="0" err="1"/>
+              <a:t>controllers.py</a:t>
+            </a:r>
+            <a:r>
+              <a:rPr lang="fr-FR" sz="2000" dirty="0"/>
+              <a:t> </a:t>
+            </a:r>
+          </a:p>
+          <a:p>
+            <a:r>
+              <a:rPr lang="fr-FR" sz="2000" dirty="0"/>
+              <a:t>__</a:t>
+            </a:r>
+            <a:r>
+              <a:rPr lang="fr-FR" sz="2000" dirty="0" err="1"/>
+              <a:t>init</a:t>
+            </a:r>
+            <a:r>
+              <a:rPr lang="fr-FR" sz="2000" dirty="0"/>
+              <a:t>__.</a:t>
+            </a:r>
+            <a:r>
+              <a:rPr lang="fr-FR" sz="2000" dirty="0" err="1"/>
+              <a:t>py</a:t>
+            </a:r>
+            <a:r>
+              <a:rPr lang="fr-FR" sz="2000" dirty="0"/>
+              <a:t> </a:t>
+            </a:r>
+          </a:p>
+          <a:p>
+            <a:r>
+              <a:rPr lang="fr-FR" sz="2000" dirty="0"/>
+              <a:t>▾ main/ </a:t>
+            </a:r>
+            <a:r>
+              <a:rPr lang="fr-FR" sz="2000" dirty="0" err="1"/>
+              <a:t>controllers.py</a:t>
+            </a:r>
+            <a:r>
+              <a:rPr lang="fr-FR" sz="2000" dirty="0"/>
+              <a:t> __</a:t>
+            </a:r>
+            <a:r>
+              <a:rPr lang="fr-FR" sz="2000" dirty="0" err="1"/>
+              <a:t>init</a:t>
+            </a:r>
+            <a:r>
+              <a:rPr lang="fr-FR" sz="2000" dirty="0"/>
+              <a:t>__.</a:t>
+            </a:r>
+            <a:r>
+              <a:rPr lang="fr-FR" sz="2000" dirty="0" err="1"/>
+              <a:t>py</a:t>
+            </a:r>
+            <a:r>
+              <a:rPr lang="fr-FR" sz="2000" dirty="0"/>
+              <a:t> </a:t>
+            </a:r>
+          </a:p>
+          <a:p>
+            <a:r>
+              <a:rPr lang="fr-FR" sz="2000" dirty="0"/>
+              <a:t>▾ docs/ </a:t>
+            </a:r>
+          </a:p>
+          <a:p>
+            <a:r>
+              <a:rPr lang="fr-FR" sz="2000" dirty="0"/>
+              <a:t>▾ tests/</a:t>
+            </a:r>
           </a:p>
         </p:txBody>
       </p:sp>
@@ -8083,7 +8856,7 @@
           <p:cNvPr id="2" name="Titre 1">
             <a:extLst>
               <a:ext uri="{FF2B5EF4-FFF2-40B4-BE49-F238E27FC236}">
-                <a16:creationId xmlns:a16="http://schemas.microsoft.com/office/drawing/2014/main" id="{5D970A47-5152-1841-9EBB-14CE7A64A343}"/>
+                <a16:creationId xmlns:a16="http://schemas.microsoft.com/office/drawing/2014/main" id="{FA1493DF-B714-2E4C-9B69-A171D158AF3B}"/>
               </a:ext>
             </a:extLst>
           </p:cNvPr>
@@ -8099,10 +8872,15 @@
           <a:bodyPr/>
           <a:lstStyle/>
           <a:p>
-            <a:r>
-              <a:rPr lang="fr-FR" dirty="0"/>
-              <a:t>erreurs</a:t>
-            </a:r>
+            <a:pPr algn="ctr"/>
+            <a:r>
+              <a:rPr lang="fr-FR" dirty="0">
+                <a:latin typeface="JasmineUPC" panose="02020603050405020304" pitchFamily="18" charset="-34"/>
+                <a:cs typeface="JasmineUPC" panose="02020603050405020304" pitchFamily="18" charset="-34"/>
+              </a:rPr>
+              <a:t>III. Approche choisie</a:t>
+            </a:r>
+            <a:endParaRPr lang="fr-FR" dirty="0"/>
           </a:p>
         </p:txBody>
       </p:sp>
@@ -8111,7 +8889,7 @@
           <p:cNvPr id="3" name="Espace réservé du contenu 2">
             <a:extLst>
               <a:ext uri="{FF2B5EF4-FFF2-40B4-BE49-F238E27FC236}">
-                <a16:creationId xmlns:a16="http://schemas.microsoft.com/office/drawing/2014/main" id="{774887BC-91F9-CF4F-A395-72BE259F075F}"/>
+                <a16:creationId xmlns:a16="http://schemas.microsoft.com/office/drawing/2014/main" id="{4A0E2340-3A45-BD45-9B58-5472AB34F036}"/>
               </a:ext>
             </a:extLst>
           </p:cNvPr>
@@ -8127,73 +8905,14 @@
           <a:bodyPr/>
           <a:lstStyle/>
           <a:p>
-            <a:pPr marL="0" indent="0">
-              <a:buNone/>
-            </a:pPr>
-            <a:r>
-              <a:rPr lang="en" dirty="0"/>
-              <a:t>{ </a:t>
-            </a:r>
-          </a:p>
-          <a:p>
-            <a:pPr marL="0" indent="0">
-              <a:buNone/>
-            </a:pPr>
-            <a:r>
-              <a:rPr lang="en" dirty="0"/>
-              <a:t>"</a:t>
-            </a:r>
-            <a:r>
-              <a:rPr lang="en" dirty="0" err="1"/>
-              <a:t>error_message</a:t>
-            </a:r>
-            <a:r>
-              <a:rPr lang="en" dirty="0"/>
-              <a:t>" : "You have exceeded your daily request quota for this API. If you did not set a custom daily request quota, verify your project has an active billing account: http://</a:t>
-            </a:r>
-            <a:r>
-              <a:rPr lang="en" dirty="0" err="1"/>
-              <a:t>g.co</a:t>
-            </a:r>
-            <a:r>
-              <a:rPr lang="en" dirty="0"/>
-              <a:t>/dev/maps-no-account", </a:t>
-            </a:r>
-          </a:p>
-          <a:p>
-            <a:pPr marL="0" indent="0">
-              <a:buNone/>
-            </a:pPr>
-            <a:r>
-              <a:rPr lang="en" dirty="0"/>
-              <a:t>"results" : [], </a:t>
-            </a:r>
-          </a:p>
-          <a:p>
-            <a:pPr marL="0" indent="0">
-              <a:buNone/>
-            </a:pPr>
-            <a:r>
-              <a:rPr lang="en" dirty="0"/>
-              <a:t>"status" : "OVER_QUERY_LIMIT" </a:t>
-            </a:r>
-          </a:p>
-          <a:p>
-            <a:pPr marL="0" indent="0">
-              <a:buNone/>
-            </a:pPr>
-            <a:r>
-              <a:rPr lang="en" dirty="0"/>
-              <a:t>}</a:t>
-            </a:r>
-            <a:endParaRPr lang="fr-FR" dirty="0"/>
+            <a:endParaRPr lang="fr-FR"/>
           </a:p>
         </p:txBody>
       </p:sp>
     </p:spTree>
     <p:extLst>
       <p:ext uri="{BB962C8B-B14F-4D97-AF65-F5344CB8AC3E}">
-        <p14:creationId xmlns:p14="http://schemas.microsoft.com/office/powerpoint/2010/main" val="2973082782"/>
+        <p14:creationId xmlns:p14="http://schemas.microsoft.com/office/powerpoint/2010/main" val="1178302100"/>
       </p:ext>
     </p:extLst>
   </p:cSld>
@@ -8225,7 +8944,7 @@
           <p:cNvPr id="2" name="Titre 1">
             <a:extLst>
               <a:ext uri="{FF2B5EF4-FFF2-40B4-BE49-F238E27FC236}">
-                <a16:creationId xmlns:a16="http://schemas.microsoft.com/office/drawing/2014/main" id="{91615E33-11D4-1A47-9932-770599BB3858}"/>
+                <a16:creationId xmlns:a16="http://schemas.microsoft.com/office/drawing/2014/main" id="{3E4BF6CB-CBBD-4941-AAB0-F1C15A04FA39}"/>
               </a:ext>
             </a:extLst>
           </p:cNvPr>
@@ -8250,7 +8969,7 @@
           <p:cNvPr id="3" name="Espace réservé du contenu 2">
             <a:extLst>
               <a:ext uri="{FF2B5EF4-FFF2-40B4-BE49-F238E27FC236}">
-                <a16:creationId xmlns:a16="http://schemas.microsoft.com/office/drawing/2014/main" id="{878EC987-267A-0444-BB6E-C0CD81D24C58}"/>
+                <a16:creationId xmlns:a16="http://schemas.microsoft.com/office/drawing/2014/main" id="{81711905-5254-B346-974E-10A11F048954}"/>
               </a:ext>
             </a:extLst>
           </p:cNvPr>
@@ -8266,74 +8985,14 @@
           <a:bodyPr/>
           <a:lstStyle/>
           <a:p>
-            <a:r>
-              <a:rPr lang="fr-FR" dirty="0">
-                <a:solidFill>
-                  <a:srgbClr val="7030A0"/>
-                </a:solidFill>
-              </a:rPr>
-              <a:t>macbook-pro-de-maxime-2:PROJET 7_OC </a:t>
-            </a:r>
-            <a:r>
-              <a:rPr lang="fr-FR" dirty="0" err="1">
-                <a:solidFill>
-                  <a:srgbClr val="7030A0"/>
-                </a:solidFill>
-              </a:rPr>
-              <a:t>flask</a:t>
-            </a:r>
-            <a:r>
-              <a:rPr lang="fr-FR" dirty="0">
-                <a:solidFill>
-                  <a:srgbClr val="7030A0"/>
-                </a:solidFill>
-              </a:rPr>
-              <a:t> </a:t>
-            </a:r>
-            <a:r>
-              <a:rPr lang="fr-FR" dirty="0" err="1">
-                <a:solidFill>
-                  <a:srgbClr val="7030A0"/>
-                </a:solidFill>
-              </a:rPr>
-              <a:t>maximejacquette</a:t>
-            </a:r>
-            <a:r>
-              <a:rPr lang="fr-FR" dirty="0">
-                <a:solidFill>
-                  <a:srgbClr val="7030A0"/>
-                </a:solidFill>
-              </a:rPr>
-              <a:t>$ </a:t>
-            </a:r>
-            <a:r>
-              <a:rPr lang="fr-FR" dirty="0">
-                <a:solidFill>
-                  <a:srgbClr val="C00000"/>
-                </a:solidFill>
-              </a:rPr>
-              <a:t>python -m </a:t>
-            </a:r>
-            <a:r>
-              <a:rPr lang="fr-FR" dirty="0" err="1">
-                <a:solidFill>
-                  <a:srgbClr val="C00000"/>
-                </a:solidFill>
-              </a:rPr>
-              <a:t>tests.test</a:t>
-            </a:r>
-            <a:endParaRPr lang="fr-FR" dirty="0">
-              <a:solidFill>
-                <a:srgbClr val="C00000"/>
-              </a:solidFill>
-            </a:endParaRPr>
+            <a:endParaRPr lang="fr-FR"/>
           </a:p>
         </p:txBody>
       </p:sp>
     </p:spTree>
     <p:extLst>
       <p:ext uri="{BB962C8B-B14F-4D97-AF65-F5344CB8AC3E}">
-        <p14:creationId xmlns:p14="http://schemas.microsoft.com/office/powerpoint/2010/main" val="2447417796"/>
+        <p14:creationId xmlns:p14="http://schemas.microsoft.com/office/powerpoint/2010/main" val="2979564464"/>
       </p:ext>
     </p:extLst>
   </p:cSld>
@@ -8365,7 +9024,7 @@
           <p:cNvPr id="2" name="Titre 1">
             <a:extLst>
               <a:ext uri="{FF2B5EF4-FFF2-40B4-BE49-F238E27FC236}">
-                <a16:creationId xmlns:a16="http://schemas.microsoft.com/office/drawing/2014/main" id="{947C3773-4B71-9244-B735-1754CF6A1013}"/>
+                <a16:creationId xmlns:a16="http://schemas.microsoft.com/office/drawing/2014/main" id="{29C9C2C8-2ADA-AE4D-B4E1-FBC22FAE8EDB}"/>
               </a:ext>
             </a:extLst>
           </p:cNvPr>
@@ -8381,7 +9040,15 @@
           <a:bodyPr/>
           <a:lstStyle/>
           <a:p>
-            <a:endParaRPr lang="fr-FR"/>
+            <a:pPr algn="ctr"/>
+            <a:r>
+              <a:rPr lang="fr-FR" dirty="0">
+                <a:latin typeface="JasmineUPC" panose="02020603050405020304" pitchFamily="18" charset="-34"/>
+                <a:cs typeface="JasmineUPC" panose="02020603050405020304" pitchFamily="18" charset="-34"/>
+              </a:rPr>
+              <a:t>IV. Choix des algorithmes</a:t>
+            </a:r>
+            <a:endParaRPr lang="fr-FR" dirty="0"/>
           </a:p>
         </p:txBody>
       </p:sp>
@@ -8390,7 +9057,7 @@
           <p:cNvPr id="3" name="Espace réservé du contenu 2">
             <a:extLst>
               <a:ext uri="{FF2B5EF4-FFF2-40B4-BE49-F238E27FC236}">
-                <a16:creationId xmlns:a16="http://schemas.microsoft.com/office/drawing/2014/main" id="{DD87CAA3-CADF-E94B-B120-940615E77869}"/>
+                <a16:creationId xmlns:a16="http://schemas.microsoft.com/office/drawing/2014/main" id="{EBBD08C6-175C-8C48-B6A1-923603EC9E87}"/>
               </a:ext>
             </a:extLst>
           </p:cNvPr>
@@ -8413,7 +9080,7 @@
     </p:spTree>
     <p:extLst>
       <p:ext uri="{BB962C8B-B14F-4D97-AF65-F5344CB8AC3E}">
-        <p14:creationId xmlns:p14="http://schemas.microsoft.com/office/powerpoint/2010/main" val="3536890200"/>
+        <p14:creationId xmlns:p14="http://schemas.microsoft.com/office/powerpoint/2010/main" val="855161666"/>
       </p:ext>
     </p:extLst>
   </p:cSld>

--- a/livrables/presentation_p7.pptx
+++ b/livrables/presentation_p7.pptx
@@ -8,18 +8,14 @@
     <p:sldId id="257" r:id="rId2"/>
     <p:sldId id="264" r:id="rId3"/>
     <p:sldId id="258" r:id="rId4"/>
-    <p:sldId id="259" r:id="rId5"/>
-    <p:sldId id="260" r:id="rId6"/>
-    <p:sldId id="261" r:id="rId7"/>
-    <p:sldId id="267" r:id="rId8"/>
-    <p:sldId id="268" r:id="rId9"/>
-    <p:sldId id="269" r:id="rId10"/>
-    <p:sldId id="270" r:id="rId11"/>
-    <p:sldId id="271" r:id="rId12"/>
-    <p:sldId id="262" r:id="rId13"/>
-    <p:sldId id="263" r:id="rId14"/>
-    <p:sldId id="265" r:id="rId15"/>
-    <p:sldId id="266" r:id="rId16"/>
+    <p:sldId id="260" r:id="rId5"/>
+    <p:sldId id="267" r:id="rId6"/>
+    <p:sldId id="268" r:id="rId7"/>
+    <p:sldId id="269" r:id="rId8"/>
+    <p:sldId id="271" r:id="rId9"/>
+    <p:sldId id="263" r:id="rId10"/>
+    <p:sldId id="265" r:id="rId11"/>
+    <p:sldId id="266" r:id="rId12"/>
   </p:sldIdLst>
   <p:sldSz cx="12192000" cy="6858000"/>
   <p:notesSz cx="6858000" cy="9144000"/>
@@ -3829,7 +3825,7 @@
           <a:p>
             <a:fld id="{3FA2BC0F-0EBE-C040-8125-390D1D6C3174}" type="datetimeFigureOut">
               <a:rPr lang="fr-FR" smtClean="0"/>
-              <a:t>15/05/2019</a:t>
+              <a:t>24/05/2019</a:t>
             </a:fld>
             <a:endParaRPr lang="fr-FR"/>
           </a:p>
@@ -4027,7 +4023,7 @@
           <a:p>
             <a:fld id="{3FA2BC0F-0EBE-C040-8125-390D1D6C3174}" type="datetimeFigureOut">
               <a:rPr lang="fr-FR" smtClean="0"/>
-              <a:t>15/05/2019</a:t>
+              <a:t>24/05/2019</a:t>
             </a:fld>
             <a:endParaRPr lang="fr-FR"/>
           </a:p>
@@ -4235,7 +4231,7 @@
           <a:p>
             <a:fld id="{3FA2BC0F-0EBE-C040-8125-390D1D6C3174}" type="datetimeFigureOut">
               <a:rPr lang="fr-FR" smtClean="0"/>
-              <a:t>15/05/2019</a:t>
+              <a:t>24/05/2019</a:t>
             </a:fld>
             <a:endParaRPr lang="fr-FR"/>
           </a:p>
@@ -4433,7 +4429,7 @@
           <a:p>
             <a:fld id="{3FA2BC0F-0EBE-C040-8125-390D1D6C3174}" type="datetimeFigureOut">
               <a:rPr lang="fr-FR" smtClean="0"/>
-              <a:t>15/05/2019</a:t>
+              <a:t>24/05/2019</a:t>
             </a:fld>
             <a:endParaRPr lang="fr-FR"/>
           </a:p>
@@ -4708,7 +4704,7 @@
           <a:p>
             <a:fld id="{3FA2BC0F-0EBE-C040-8125-390D1D6C3174}" type="datetimeFigureOut">
               <a:rPr lang="fr-FR" smtClean="0"/>
-              <a:t>15/05/2019</a:t>
+              <a:t>24/05/2019</a:t>
             </a:fld>
             <a:endParaRPr lang="fr-FR"/>
           </a:p>
@@ -4973,7 +4969,7 @@
           <a:p>
             <a:fld id="{3FA2BC0F-0EBE-C040-8125-390D1D6C3174}" type="datetimeFigureOut">
               <a:rPr lang="fr-FR" smtClean="0"/>
-              <a:t>15/05/2019</a:t>
+              <a:t>24/05/2019</a:t>
             </a:fld>
             <a:endParaRPr lang="fr-FR"/>
           </a:p>
@@ -5385,7 +5381,7 @@
           <a:p>
             <a:fld id="{3FA2BC0F-0EBE-C040-8125-390D1D6C3174}" type="datetimeFigureOut">
               <a:rPr lang="fr-FR" smtClean="0"/>
-              <a:t>15/05/2019</a:t>
+              <a:t>24/05/2019</a:t>
             </a:fld>
             <a:endParaRPr lang="fr-FR"/>
           </a:p>
@@ -5526,7 +5522,7 @@
           <a:p>
             <a:fld id="{3FA2BC0F-0EBE-C040-8125-390D1D6C3174}" type="datetimeFigureOut">
               <a:rPr lang="fr-FR" smtClean="0"/>
-              <a:t>15/05/2019</a:t>
+              <a:t>24/05/2019</a:t>
             </a:fld>
             <a:endParaRPr lang="fr-FR"/>
           </a:p>
@@ -5639,7 +5635,7 @@
           <a:p>
             <a:fld id="{3FA2BC0F-0EBE-C040-8125-390D1D6C3174}" type="datetimeFigureOut">
               <a:rPr lang="fr-FR" smtClean="0"/>
-              <a:t>15/05/2019</a:t>
+              <a:t>24/05/2019</a:t>
             </a:fld>
             <a:endParaRPr lang="fr-FR"/>
           </a:p>
@@ -5950,7 +5946,7 @@
           <a:p>
             <a:fld id="{3FA2BC0F-0EBE-C040-8125-390D1D6C3174}" type="datetimeFigureOut">
               <a:rPr lang="fr-FR" smtClean="0"/>
-              <a:t>15/05/2019</a:t>
+              <a:t>24/05/2019</a:t>
             </a:fld>
             <a:endParaRPr lang="fr-FR"/>
           </a:p>
@@ -6238,7 +6234,7 @@
           <a:p>
             <a:fld id="{3FA2BC0F-0EBE-C040-8125-390D1D6C3174}" type="datetimeFigureOut">
               <a:rPr lang="fr-FR" smtClean="0"/>
-              <a:t>15/05/2019</a:t>
+              <a:t>24/05/2019</a:t>
             </a:fld>
             <a:endParaRPr lang="fr-FR"/>
           </a:p>
@@ -6479,7 +6475,7 @@
           <a:p>
             <a:fld id="{3FA2BC0F-0EBE-C040-8125-390D1D6C3174}" type="datetimeFigureOut">
               <a:rPr lang="fr-FR" smtClean="0"/>
-              <a:t>15/05/2019</a:t>
+              <a:t>24/05/2019</a:t>
             </a:fld>
             <a:endParaRPr lang="fr-FR"/>
           </a:p>
@@ -7445,6 +7441,17 @@
 <file path=ppt/slides/slide10.xml><?xml version="1.0" encoding="utf-8"?>
 <p:sld xmlns:a="http://schemas.openxmlformats.org/drawingml/2006/main" xmlns:r="http://schemas.openxmlformats.org/officeDocument/2006/relationships" xmlns:p="http://schemas.openxmlformats.org/presentationml/2006/main">
   <p:cSld>
+    <p:bg>
+      <p:bgPr>
+        <a:solidFill>
+          <a:schemeClr val="accent3">
+            <a:lumMod val="20000"/>
+            <a:lumOff val="80000"/>
+          </a:schemeClr>
+        </a:solidFill>
+        <a:effectLst/>
+      </p:bgPr>
+    </p:bg>
     <p:spTree>
       <p:nvGrpSpPr>
         <p:cNvPr id="1" name=""/>
@@ -7461,482 +7468,308 @@
       </p:grpSpPr>
       <p:sp>
         <p:nvSpPr>
-          <p:cNvPr id="2" name="Titre 1">
+          <p:cNvPr id="6" name="Espace réservé du contenu 2">
             <a:extLst>
               <a:ext uri="{FF2B5EF4-FFF2-40B4-BE49-F238E27FC236}">
-                <a16:creationId xmlns:a16="http://schemas.microsoft.com/office/drawing/2014/main" id="{1E6C88BF-6B2A-B24D-8A9E-7EED4DC14672}"/>
+                <a16:creationId xmlns:a16="http://schemas.microsoft.com/office/drawing/2014/main" id="{9331CCF4-112A-E641-B100-EA84755B5274}"/>
               </a:ext>
             </a:extLst>
           </p:cNvPr>
-          <p:cNvSpPr>
-            <a:spLocks noGrp="1"/>
+          <p:cNvSpPr txBox="1">
+            <a:spLocks/>
           </p:cNvSpPr>
-          <p:nvPr>
-            <p:ph type="title"/>
-          </p:nvPr>
+          <p:nvPr/>
         </p:nvSpPr>
-        <p:spPr/>
+        <p:spPr>
+          <a:xfrm>
+            <a:off x="482600" y="1253331"/>
+            <a:ext cx="3797807" cy="4351338"/>
+          </a:xfrm>
+          <a:prstGeom prst="rect">
+            <a:avLst/>
+          </a:prstGeom>
+        </p:spPr>
         <p:txBody>
-          <a:bodyPr/>
-          <a:lstStyle/>
-          <a:p>
-            <a:endParaRPr lang="fr-FR"/>
-          </a:p>
-        </p:txBody>
-      </p:sp>
-      <p:sp>
-        <p:nvSpPr>
-          <p:cNvPr id="3" name="Espace réservé du contenu 2">
-            <a:extLst>
-              <a:ext uri="{FF2B5EF4-FFF2-40B4-BE49-F238E27FC236}">
-                <a16:creationId xmlns:a16="http://schemas.microsoft.com/office/drawing/2014/main" id="{3F9F5B03-06B3-1447-B259-F2D36AD32E4B}"/>
-              </a:ext>
-            </a:extLst>
-          </p:cNvPr>
-          <p:cNvSpPr>
-            <a:spLocks noGrp="1"/>
-          </p:cNvSpPr>
-          <p:nvPr>
-            <p:ph idx="1"/>
-          </p:nvPr>
-        </p:nvSpPr>
-        <p:spPr/>
-        <p:txBody>
-          <a:bodyPr/>
-          <a:lstStyle/>
-          <a:p>
-            <a:endParaRPr lang="fr-FR"/>
-          </a:p>
-        </p:txBody>
-      </p:sp>
-    </p:spTree>
-    <p:extLst>
-      <p:ext uri="{BB962C8B-B14F-4D97-AF65-F5344CB8AC3E}">
-        <p14:creationId xmlns:p14="http://schemas.microsoft.com/office/powerpoint/2010/main" val="241464881"/>
-      </p:ext>
-    </p:extLst>
-  </p:cSld>
-  <p:clrMapOvr>
-    <a:masterClrMapping/>
-  </p:clrMapOvr>
-</p:sld>
-</file>
-
-<file path=ppt/slides/slide11.xml><?xml version="1.0" encoding="utf-8"?>
-<p:sld xmlns:a="http://schemas.openxmlformats.org/drawingml/2006/main" xmlns:r="http://schemas.openxmlformats.org/officeDocument/2006/relationships" xmlns:p="http://schemas.openxmlformats.org/presentationml/2006/main">
-  <p:cSld>
-    <p:spTree>
-      <p:nvGrpSpPr>
-        <p:cNvPr id="1" name=""/>
-        <p:cNvGrpSpPr/>
-        <p:nvPr/>
-      </p:nvGrpSpPr>
-      <p:grpSpPr>
-        <a:xfrm>
-          <a:off x="0" y="0"/>
-          <a:ext cx="0" cy="0"/>
-          <a:chOff x="0" y="0"/>
-          <a:chExt cx="0" cy="0"/>
-        </a:xfrm>
-      </p:grpSpPr>
-      <p:sp>
-        <p:nvSpPr>
-          <p:cNvPr id="2" name="Titre 1">
-            <a:extLst>
-              <a:ext uri="{FF2B5EF4-FFF2-40B4-BE49-F238E27FC236}">
-                <a16:creationId xmlns:a16="http://schemas.microsoft.com/office/drawing/2014/main" id="{065D7709-4848-CA41-943D-907E952D3732}"/>
-              </a:ext>
-            </a:extLst>
-          </p:cNvPr>
-          <p:cNvSpPr>
-            <a:spLocks noGrp="1"/>
-          </p:cNvSpPr>
-          <p:nvPr>
-            <p:ph type="title"/>
-          </p:nvPr>
-        </p:nvSpPr>
-        <p:spPr/>
-        <p:txBody>
-          <a:bodyPr/>
-          <a:lstStyle/>
-          <a:p>
-            <a:pPr algn="ctr"/>
-            <a:r>
-              <a:rPr lang="fr-FR" dirty="0">
-                <a:latin typeface="JasmineUPC" panose="02020603050405020304" pitchFamily="18" charset="-34"/>
-                <a:cs typeface="JasmineUPC" panose="02020603050405020304" pitchFamily="18" charset="-34"/>
-              </a:rPr>
-              <a:t>V. Difficultés rencontrées et solutions trouvées</a:t>
-            </a:r>
-            <a:br>
-              <a:rPr lang="en-US" dirty="0">
-                <a:latin typeface="JasmineUPC" panose="02020603050405020304" pitchFamily="18" charset="-34"/>
-                <a:cs typeface="JasmineUPC" panose="02020603050405020304" pitchFamily="18" charset="-34"/>
-              </a:rPr>
-            </a:br>
-            <a:endParaRPr lang="fr-FR" dirty="0"/>
-          </a:p>
-        </p:txBody>
-      </p:sp>
-      <p:sp>
-        <p:nvSpPr>
-          <p:cNvPr id="3" name="Espace réservé du contenu 2">
-            <a:extLst>
-              <a:ext uri="{FF2B5EF4-FFF2-40B4-BE49-F238E27FC236}">
-                <a16:creationId xmlns:a16="http://schemas.microsoft.com/office/drawing/2014/main" id="{BA01A33C-6A43-AD49-BF4F-1581C9D3D38A}"/>
-              </a:ext>
-            </a:extLst>
-          </p:cNvPr>
-          <p:cNvSpPr>
-            <a:spLocks noGrp="1"/>
-          </p:cNvSpPr>
-          <p:nvPr>
-            <p:ph idx="1"/>
-          </p:nvPr>
-        </p:nvSpPr>
-        <p:spPr/>
-        <p:txBody>
-          <a:bodyPr/>
-          <a:lstStyle/>
-          <a:p>
-            <a:endParaRPr lang="fr-FR"/>
-          </a:p>
-        </p:txBody>
-      </p:sp>
-    </p:spTree>
-    <p:extLst>
-      <p:ext uri="{BB962C8B-B14F-4D97-AF65-F5344CB8AC3E}">
-        <p14:creationId xmlns:p14="http://schemas.microsoft.com/office/powerpoint/2010/main" val="2009891409"/>
-      </p:ext>
-    </p:extLst>
-  </p:cSld>
-  <p:clrMapOvr>
-    <a:masterClrMapping/>
-  </p:clrMapOvr>
-</p:sld>
-</file>
-
-<file path=ppt/slides/slide12.xml><?xml version="1.0" encoding="utf-8"?>
-<p:sld xmlns:a="http://schemas.openxmlformats.org/drawingml/2006/main" xmlns:r="http://schemas.openxmlformats.org/officeDocument/2006/relationships" xmlns:p="http://schemas.openxmlformats.org/presentationml/2006/main">
-  <p:cSld>
-    <p:spTree>
-      <p:nvGrpSpPr>
-        <p:cNvPr id="1" name=""/>
-        <p:cNvGrpSpPr/>
-        <p:nvPr/>
-      </p:nvGrpSpPr>
-      <p:grpSpPr>
-        <a:xfrm>
-          <a:off x="0" y="0"/>
-          <a:ext cx="0" cy="0"/>
-          <a:chOff x="0" y="0"/>
-          <a:chExt cx="0" cy="0"/>
-        </a:xfrm>
-      </p:grpSpPr>
-      <p:sp>
-        <p:nvSpPr>
-          <p:cNvPr id="2" name="Titre 1">
-            <a:extLst>
-              <a:ext uri="{FF2B5EF4-FFF2-40B4-BE49-F238E27FC236}">
-                <a16:creationId xmlns:a16="http://schemas.microsoft.com/office/drawing/2014/main" id="{5D970A47-5152-1841-9EBB-14CE7A64A343}"/>
-              </a:ext>
-            </a:extLst>
-          </p:cNvPr>
-          <p:cNvSpPr>
-            <a:spLocks noGrp="1"/>
-          </p:cNvSpPr>
-          <p:nvPr>
-            <p:ph type="title"/>
-          </p:nvPr>
-        </p:nvSpPr>
-        <p:spPr/>
-        <p:txBody>
-          <a:bodyPr/>
-          <a:lstStyle/>
-          <a:p>
-            <a:r>
-              <a:rPr lang="fr-FR" dirty="0"/>
-              <a:t>erreurs</a:t>
-            </a:r>
-          </a:p>
-        </p:txBody>
-      </p:sp>
-      <p:sp>
-        <p:nvSpPr>
-          <p:cNvPr id="3" name="Espace réservé du contenu 2">
-            <a:extLst>
-              <a:ext uri="{FF2B5EF4-FFF2-40B4-BE49-F238E27FC236}">
-                <a16:creationId xmlns:a16="http://schemas.microsoft.com/office/drawing/2014/main" id="{774887BC-91F9-CF4F-A395-72BE259F075F}"/>
-              </a:ext>
-            </a:extLst>
-          </p:cNvPr>
-          <p:cNvSpPr>
-            <a:spLocks noGrp="1"/>
-          </p:cNvSpPr>
-          <p:nvPr>
-            <p:ph idx="1"/>
-          </p:nvPr>
-        </p:nvSpPr>
-        <p:spPr/>
-        <p:txBody>
-          <a:bodyPr/>
-          <a:lstStyle/>
+          <a:bodyPr vert="horz" lIns="91440" tIns="45720" rIns="91440" bIns="45720" rtlCol="0">
+            <a:normAutofit/>
+          </a:bodyPr>
+          <a:lstStyle>
+            <a:lvl1pPr marL="228600" indent="-228600" algn="l" defTabSz="914400" rtl="0" eaLnBrk="1" latinLnBrk="0" hangingPunct="1">
+              <a:lnSpc>
+                <a:spcPct val="90000"/>
+              </a:lnSpc>
+              <a:spcBef>
+                <a:spcPts val="1000"/>
+              </a:spcBef>
+              <a:buFont typeface="Arial" panose="020B0604020202020204" pitchFamily="34" charset="0"/>
+              <a:buChar char="•"/>
+              <a:defRPr sz="2800" kern="1200">
+                <a:solidFill>
+                  <a:schemeClr val="tx1"/>
+                </a:solidFill>
+                <a:latin typeface="+mn-lt"/>
+                <a:ea typeface="+mn-ea"/>
+                <a:cs typeface="+mn-cs"/>
+              </a:defRPr>
+            </a:lvl1pPr>
+            <a:lvl2pPr marL="685800" indent="-228600" algn="l" defTabSz="914400" rtl="0" eaLnBrk="1" latinLnBrk="0" hangingPunct="1">
+              <a:lnSpc>
+                <a:spcPct val="90000"/>
+              </a:lnSpc>
+              <a:spcBef>
+                <a:spcPts val="500"/>
+              </a:spcBef>
+              <a:buFont typeface="Arial" panose="020B0604020202020204" pitchFamily="34" charset="0"/>
+              <a:buChar char="•"/>
+              <a:defRPr sz="2400" kern="1200">
+                <a:solidFill>
+                  <a:schemeClr val="tx1"/>
+                </a:solidFill>
+                <a:latin typeface="+mn-lt"/>
+                <a:ea typeface="+mn-ea"/>
+                <a:cs typeface="+mn-cs"/>
+              </a:defRPr>
+            </a:lvl2pPr>
+            <a:lvl3pPr marL="1143000" indent="-228600" algn="l" defTabSz="914400" rtl="0" eaLnBrk="1" latinLnBrk="0" hangingPunct="1">
+              <a:lnSpc>
+                <a:spcPct val="90000"/>
+              </a:lnSpc>
+              <a:spcBef>
+                <a:spcPts val="500"/>
+              </a:spcBef>
+              <a:buFont typeface="Arial" panose="020B0604020202020204" pitchFamily="34" charset="0"/>
+              <a:buChar char="•"/>
+              <a:defRPr sz="2000" kern="1200">
+                <a:solidFill>
+                  <a:schemeClr val="tx1"/>
+                </a:solidFill>
+                <a:latin typeface="+mn-lt"/>
+                <a:ea typeface="+mn-ea"/>
+                <a:cs typeface="+mn-cs"/>
+              </a:defRPr>
+            </a:lvl3pPr>
+            <a:lvl4pPr marL="1600200" indent="-228600" algn="l" defTabSz="914400" rtl="0" eaLnBrk="1" latinLnBrk="0" hangingPunct="1">
+              <a:lnSpc>
+                <a:spcPct val="90000"/>
+              </a:lnSpc>
+              <a:spcBef>
+                <a:spcPts val="500"/>
+              </a:spcBef>
+              <a:buFont typeface="Arial" panose="020B0604020202020204" pitchFamily="34" charset="0"/>
+              <a:buChar char="•"/>
+              <a:defRPr sz="1800" kern="1200">
+                <a:solidFill>
+                  <a:schemeClr val="tx1"/>
+                </a:solidFill>
+                <a:latin typeface="+mn-lt"/>
+                <a:ea typeface="+mn-ea"/>
+                <a:cs typeface="+mn-cs"/>
+              </a:defRPr>
+            </a:lvl4pPr>
+            <a:lvl5pPr marL="2057400" indent="-228600" algn="l" defTabSz="914400" rtl="0" eaLnBrk="1" latinLnBrk="0" hangingPunct="1">
+              <a:lnSpc>
+                <a:spcPct val="90000"/>
+              </a:lnSpc>
+              <a:spcBef>
+                <a:spcPts val="500"/>
+              </a:spcBef>
+              <a:buFont typeface="Arial" panose="020B0604020202020204" pitchFamily="34" charset="0"/>
+              <a:buChar char="•"/>
+              <a:defRPr sz="1800" kern="1200">
+                <a:solidFill>
+                  <a:schemeClr val="tx1"/>
+                </a:solidFill>
+                <a:latin typeface="+mn-lt"/>
+                <a:ea typeface="+mn-ea"/>
+                <a:cs typeface="+mn-cs"/>
+              </a:defRPr>
+            </a:lvl5pPr>
+            <a:lvl6pPr marL="2514600" indent="-228600" algn="l" defTabSz="914400" rtl="0" eaLnBrk="1" latinLnBrk="0" hangingPunct="1">
+              <a:lnSpc>
+                <a:spcPct val="90000"/>
+              </a:lnSpc>
+              <a:spcBef>
+                <a:spcPts val="500"/>
+              </a:spcBef>
+              <a:buFont typeface="Arial" panose="020B0604020202020204" pitchFamily="34" charset="0"/>
+              <a:buChar char="•"/>
+              <a:defRPr sz="1800" kern="1200">
+                <a:solidFill>
+                  <a:schemeClr val="tx1"/>
+                </a:solidFill>
+                <a:latin typeface="+mn-lt"/>
+                <a:ea typeface="+mn-ea"/>
+                <a:cs typeface="+mn-cs"/>
+              </a:defRPr>
+            </a:lvl6pPr>
+            <a:lvl7pPr marL="2971800" indent="-228600" algn="l" defTabSz="914400" rtl="0" eaLnBrk="1" latinLnBrk="0" hangingPunct="1">
+              <a:lnSpc>
+                <a:spcPct val="90000"/>
+              </a:lnSpc>
+              <a:spcBef>
+                <a:spcPts val="500"/>
+              </a:spcBef>
+              <a:buFont typeface="Arial" panose="020B0604020202020204" pitchFamily="34" charset="0"/>
+              <a:buChar char="•"/>
+              <a:defRPr sz="1800" kern="1200">
+                <a:solidFill>
+                  <a:schemeClr val="tx1"/>
+                </a:solidFill>
+                <a:latin typeface="+mn-lt"/>
+                <a:ea typeface="+mn-ea"/>
+                <a:cs typeface="+mn-cs"/>
+              </a:defRPr>
+            </a:lvl7pPr>
+            <a:lvl8pPr marL="3429000" indent="-228600" algn="l" defTabSz="914400" rtl="0" eaLnBrk="1" latinLnBrk="0" hangingPunct="1">
+              <a:lnSpc>
+                <a:spcPct val="90000"/>
+              </a:lnSpc>
+              <a:spcBef>
+                <a:spcPts val="500"/>
+              </a:spcBef>
+              <a:buFont typeface="Arial" panose="020B0604020202020204" pitchFamily="34" charset="0"/>
+              <a:buChar char="•"/>
+              <a:defRPr sz="1800" kern="1200">
+                <a:solidFill>
+                  <a:schemeClr val="tx1"/>
+                </a:solidFill>
+                <a:latin typeface="+mn-lt"/>
+                <a:ea typeface="+mn-ea"/>
+                <a:cs typeface="+mn-cs"/>
+              </a:defRPr>
+            </a:lvl8pPr>
+            <a:lvl9pPr marL="3886200" indent="-228600" algn="l" defTabSz="914400" rtl="0" eaLnBrk="1" latinLnBrk="0" hangingPunct="1">
+              <a:lnSpc>
+                <a:spcPct val="90000"/>
+              </a:lnSpc>
+              <a:spcBef>
+                <a:spcPts val="500"/>
+              </a:spcBef>
+              <a:buFont typeface="Arial" panose="020B0604020202020204" pitchFamily="34" charset="0"/>
+              <a:buChar char="•"/>
+              <a:defRPr sz="1800" kern="1200">
+                <a:solidFill>
+                  <a:schemeClr val="tx1"/>
+                </a:solidFill>
+                <a:latin typeface="+mn-lt"/>
+                <a:ea typeface="+mn-ea"/>
+                <a:cs typeface="+mn-cs"/>
+              </a:defRPr>
+            </a:lvl9pPr>
+          </a:lstStyle>
+          <a:p>
+            <a:pPr>
+              <a:buFont typeface="Wingdings" pitchFamily="2" charset="2"/>
+              <a:buChar char="Ø"/>
+            </a:pPr>
+            <a:r>
+              <a:rPr lang="en-US" sz="3600" dirty="0">
+                <a:latin typeface="JasmineUPC" panose="02020603050405020304" pitchFamily="18" charset="-34"/>
+                <a:cs typeface="JasmineUPC" panose="02020603050405020304" pitchFamily="18" charset="-34"/>
+              </a:rPr>
+              <a:t>PROCFILE : </a:t>
+            </a:r>
+            <a:r>
+              <a:rPr lang="en-US" sz="3600" dirty="0" err="1">
+                <a:latin typeface="JasmineUPC" panose="02020603050405020304" pitchFamily="18" charset="-34"/>
+                <a:cs typeface="JasmineUPC" panose="02020603050405020304" pitchFamily="18" charset="-34"/>
+              </a:rPr>
+              <a:t>gunicorn</a:t>
+            </a:r>
+            <a:r>
+              <a:rPr lang="en-US" sz="3600" dirty="0">
+                <a:latin typeface="JasmineUPC" panose="02020603050405020304" pitchFamily="18" charset="-34"/>
+                <a:cs typeface="JasmineUPC" panose="02020603050405020304" pitchFamily="18" charset="-34"/>
+              </a:rPr>
+              <a:t> </a:t>
+            </a:r>
+            <a:r>
+              <a:rPr lang="en-US" sz="3600" dirty="0" err="1">
+                <a:latin typeface="JasmineUPC" panose="02020603050405020304" pitchFamily="18" charset="-34"/>
+                <a:cs typeface="JasmineUPC" panose="02020603050405020304" pitchFamily="18" charset="-34"/>
+              </a:rPr>
+              <a:t>GrandPyBot:app</a:t>
+            </a:r>
+            <a:endParaRPr lang="en-US" sz="3600" dirty="0">
+              <a:latin typeface="JasmineUPC" panose="02020603050405020304" pitchFamily="18" charset="-34"/>
+              <a:cs typeface="JasmineUPC" panose="02020603050405020304" pitchFamily="18" charset="-34"/>
+            </a:endParaRPr>
+          </a:p>
           <a:p>
             <a:pPr marL="0" indent="0">
               <a:buNone/>
             </a:pPr>
-            <a:r>
-              <a:rPr lang="en" dirty="0"/>
-              <a:t>{ </a:t>
-            </a:r>
+            <a:endParaRPr lang="en-US" sz="3600" dirty="0">
+              <a:latin typeface="JasmineUPC" panose="02020603050405020304" pitchFamily="18" charset="-34"/>
+              <a:cs typeface="JasmineUPC" panose="02020603050405020304" pitchFamily="18" charset="-34"/>
+            </a:endParaRPr>
+          </a:p>
+          <a:p>
+            <a:pPr>
+              <a:buFont typeface="Wingdings" pitchFamily="2" charset="2"/>
+              <a:buChar char="Ø"/>
+            </a:pPr>
+            <a:r>
+              <a:rPr lang="en-US" sz="3600" dirty="0" err="1">
+                <a:latin typeface="JasmineUPC" panose="02020603050405020304" pitchFamily="18" charset="-34"/>
+                <a:cs typeface="JasmineUPC" panose="02020603050405020304" pitchFamily="18" charset="-34"/>
+              </a:rPr>
+              <a:t>gunicorn</a:t>
+            </a:r>
+            <a:r>
+              <a:rPr lang="en-US" sz="3600" dirty="0">
+                <a:latin typeface="JasmineUPC" panose="02020603050405020304" pitchFamily="18" charset="-34"/>
+                <a:cs typeface="JasmineUPC" panose="02020603050405020304" pitchFamily="18" charset="-34"/>
+              </a:rPr>
+              <a:t>==19.9.0 to </a:t>
+            </a:r>
+            <a:r>
+              <a:rPr lang="en-US" sz="3600" dirty="0" err="1">
+                <a:latin typeface="JasmineUPC" panose="02020603050405020304" pitchFamily="18" charset="-34"/>
+                <a:cs typeface="JasmineUPC" panose="02020603050405020304" pitchFamily="18" charset="-34"/>
+              </a:rPr>
+              <a:t>requirements.txt</a:t>
+            </a:r>
+            <a:endParaRPr lang="en-US" sz="3600" dirty="0">
+              <a:latin typeface="JasmineUPC" panose="02020603050405020304" pitchFamily="18" charset="-34"/>
+              <a:cs typeface="JasmineUPC" panose="02020603050405020304" pitchFamily="18" charset="-34"/>
+            </a:endParaRPr>
           </a:p>
           <a:p>
             <a:pPr marL="0" indent="0">
               <a:buNone/>
             </a:pPr>
-            <a:r>
-              <a:rPr lang="en" dirty="0"/>
-              <a:t>"</a:t>
-            </a:r>
-            <a:r>
-              <a:rPr lang="en" dirty="0" err="1"/>
-              <a:t>error_message</a:t>
-            </a:r>
-            <a:r>
-              <a:rPr lang="en" dirty="0"/>
-              <a:t>" : "You have exceeded your daily request quota for this API. If you did not set a custom daily request quota, verify your project has an active billing account: http://</a:t>
-            </a:r>
-            <a:r>
-              <a:rPr lang="en" dirty="0" err="1"/>
-              <a:t>g.co</a:t>
-            </a:r>
-            <a:r>
-              <a:rPr lang="en" dirty="0"/>
-              <a:t>/dev/maps-no-account", </a:t>
-            </a:r>
-          </a:p>
-          <a:p>
-            <a:pPr marL="0" indent="0">
-              <a:buNone/>
+            <a:endParaRPr lang="en-US" sz="3600" dirty="0">
+              <a:latin typeface="JasmineUPC" panose="02020603050405020304" pitchFamily="18" charset="-34"/>
+              <a:cs typeface="JasmineUPC" panose="02020603050405020304" pitchFamily="18" charset="-34"/>
+            </a:endParaRPr>
+          </a:p>
+          <a:p>
+            <a:pPr>
+              <a:buFont typeface="Wingdings" pitchFamily="2" charset="2"/>
+              <a:buChar char="Ø"/>
             </a:pPr>
             <a:r>
-              <a:rPr lang="en" dirty="0"/>
-              <a:t>"results" : [], </a:t>
-            </a:r>
-          </a:p>
-          <a:p>
-            <a:pPr marL="0" indent="0">
-              <a:buNone/>
-            </a:pPr>
-            <a:r>
-              <a:rPr lang="en" dirty="0"/>
-              <a:t>"status" : "OVER_QUERY_LIMIT" </a:t>
-            </a:r>
-          </a:p>
-          <a:p>
-            <a:pPr marL="0" indent="0">
-              <a:buNone/>
-            </a:pPr>
-            <a:r>
-              <a:rPr lang="en" dirty="0"/>
-              <a:t>}</a:t>
-            </a:r>
-            <a:endParaRPr lang="fr-FR" dirty="0"/>
-          </a:p>
-        </p:txBody>
-      </p:sp>
-    </p:spTree>
-    <p:extLst>
-      <p:ext uri="{BB962C8B-B14F-4D97-AF65-F5344CB8AC3E}">
-        <p14:creationId xmlns:p14="http://schemas.microsoft.com/office/powerpoint/2010/main" val="2973082782"/>
-      </p:ext>
-    </p:extLst>
-  </p:cSld>
-  <p:clrMapOvr>
-    <a:masterClrMapping/>
-  </p:clrMapOvr>
-</p:sld>
-</file>
-
-<file path=ppt/slides/slide13.xml><?xml version="1.0" encoding="utf-8"?>
-<p:sld xmlns:a="http://schemas.openxmlformats.org/drawingml/2006/main" xmlns:r="http://schemas.openxmlformats.org/officeDocument/2006/relationships" xmlns:p="http://schemas.openxmlformats.org/presentationml/2006/main">
-  <p:cSld>
-    <p:spTree>
-      <p:nvGrpSpPr>
-        <p:cNvPr id="1" name=""/>
-        <p:cNvGrpSpPr/>
-        <p:nvPr/>
-      </p:nvGrpSpPr>
-      <p:grpSpPr>
-        <a:xfrm>
-          <a:off x="0" y="0"/>
-          <a:ext cx="0" cy="0"/>
-          <a:chOff x="0" y="0"/>
-          <a:chExt cx="0" cy="0"/>
-        </a:xfrm>
-      </p:grpSpPr>
-      <p:sp>
-        <p:nvSpPr>
-          <p:cNvPr id="2" name="Titre 1">
-            <a:extLst>
-              <a:ext uri="{FF2B5EF4-FFF2-40B4-BE49-F238E27FC236}">
-                <a16:creationId xmlns:a16="http://schemas.microsoft.com/office/drawing/2014/main" id="{91615E33-11D4-1A47-9932-770599BB3858}"/>
-              </a:ext>
-            </a:extLst>
-          </p:cNvPr>
-          <p:cNvSpPr>
-            <a:spLocks noGrp="1"/>
-          </p:cNvSpPr>
-          <p:nvPr>
-            <p:ph type="title"/>
-          </p:nvPr>
-        </p:nvSpPr>
-        <p:spPr/>
-        <p:txBody>
-          <a:bodyPr/>
-          <a:lstStyle/>
-          <a:p>
-            <a:endParaRPr lang="fr-FR"/>
-          </a:p>
-        </p:txBody>
-      </p:sp>
-      <p:sp>
-        <p:nvSpPr>
-          <p:cNvPr id="3" name="Espace réservé du contenu 2">
-            <a:extLst>
-              <a:ext uri="{FF2B5EF4-FFF2-40B4-BE49-F238E27FC236}">
-                <a16:creationId xmlns:a16="http://schemas.microsoft.com/office/drawing/2014/main" id="{878EC987-267A-0444-BB6E-C0CD81D24C58}"/>
-              </a:ext>
-            </a:extLst>
-          </p:cNvPr>
-          <p:cNvSpPr>
-            <a:spLocks noGrp="1"/>
-          </p:cNvSpPr>
-          <p:nvPr>
-            <p:ph idx="1"/>
-          </p:nvPr>
-        </p:nvSpPr>
-        <p:spPr/>
-        <p:txBody>
-          <a:bodyPr/>
-          <a:lstStyle/>
-          <a:p>
-            <a:r>
-              <a:rPr lang="fr-FR" dirty="0">
-                <a:solidFill>
-                  <a:srgbClr val="7030A0"/>
-                </a:solidFill>
-              </a:rPr>
-              <a:t>macbook-pro-de-maxime-2:PROJET 7_OC </a:t>
-            </a:r>
-            <a:r>
-              <a:rPr lang="fr-FR" dirty="0" err="1">
-                <a:solidFill>
-                  <a:srgbClr val="7030A0"/>
-                </a:solidFill>
-              </a:rPr>
-              <a:t>flask</a:t>
-            </a:r>
-            <a:r>
-              <a:rPr lang="fr-FR" dirty="0">
-                <a:solidFill>
-                  <a:srgbClr val="7030A0"/>
-                </a:solidFill>
-              </a:rPr>
-              <a:t> </a:t>
-            </a:r>
-            <a:r>
-              <a:rPr lang="fr-FR" dirty="0" err="1">
-                <a:solidFill>
-                  <a:srgbClr val="7030A0"/>
-                </a:solidFill>
-              </a:rPr>
-              <a:t>maximejacquette</a:t>
-            </a:r>
-            <a:r>
-              <a:rPr lang="fr-FR" dirty="0">
-                <a:solidFill>
-                  <a:srgbClr val="7030A0"/>
-                </a:solidFill>
-              </a:rPr>
-              <a:t>$ </a:t>
-            </a:r>
-            <a:r>
-              <a:rPr lang="fr-FR" dirty="0">
-                <a:solidFill>
-                  <a:srgbClr val="C00000"/>
-                </a:solidFill>
-              </a:rPr>
-              <a:t>python -m </a:t>
-            </a:r>
-            <a:r>
-              <a:rPr lang="fr-FR" dirty="0" err="1">
-                <a:solidFill>
-                  <a:srgbClr val="C00000"/>
-                </a:solidFill>
-              </a:rPr>
-              <a:t>tests.test</a:t>
-            </a:r>
-            <a:endParaRPr lang="fr-FR" dirty="0">
-              <a:solidFill>
-                <a:srgbClr val="C00000"/>
-              </a:solidFill>
-            </a:endParaRPr>
-          </a:p>
-        </p:txBody>
-      </p:sp>
-    </p:spTree>
-    <p:extLst>
-      <p:ext uri="{BB962C8B-B14F-4D97-AF65-F5344CB8AC3E}">
-        <p14:creationId xmlns:p14="http://schemas.microsoft.com/office/powerpoint/2010/main" val="2447417796"/>
-      </p:ext>
-    </p:extLst>
-  </p:cSld>
-  <p:clrMapOvr>
-    <a:masterClrMapping/>
-  </p:clrMapOvr>
-</p:sld>
-</file>
-
-<file path=ppt/slides/slide14.xml><?xml version="1.0" encoding="utf-8"?>
-<p:sld xmlns:a="http://schemas.openxmlformats.org/drawingml/2006/main" xmlns:r="http://schemas.openxmlformats.org/officeDocument/2006/relationships" xmlns:p="http://schemas.openxmlformats.org/presentationml/2006/main">
-  <p:cSld>
-    <p:spTree>
-      <p:nvGrpSpPr>
-        <p:cNvPr id="1" name=""/>
-        <p:cNvGrpSpPr/>
-        <p:nvPr/>
-      </p:nvGrpSpPr>
-      <p:grpSpPr>
-        <a:xfrm>
-          <a:off x="0" y="0"/>
-          <a:ext cx="0" cy="0"/>
-          <a:chOff x="0" y="0"/>
-          <a:chExt cx="0" cy="0"/>
-        </a:xfrm>
-      </p:grpSpPr>
-      <p:sp>
-        <p:nvSpPr>
-          <p:cNvPr id="2" name="Titre 1">
-            <a:extLst>
-              <a:ext uri="{FF2B5EF4-FFF2-40B4-BE49-F238E27FC236}">
-                <a16:creationId xmlns:a16="http://schemas.microsoft.com/office/drawing/2014/main" id="{947C3773-4B71-9244-B735-1754CF6A1013}"/>
-              </a:ext>
-            </a:extLst>
-          </p:cNvPr>
-          <p:cNvSpPr>
-            <a:spLocks noGrp="1"/>
-          </p:cNvSpPr>
-          <p:nvPr>
-            <p:ph type="title"/>
-          </p:nvPr>
-        </p:nvSpPr>
-        <p:spPr/>
-        <p:txBody>
-          <a:bodyPr/>
-          <a:lstStyle/>
-          <a:p>
-            <a:endParaRPr lang="fr-FR"/>
+              <a:rPr lang="en-US" sz="3600" dirty="0">
+                <a:latin typeface="JasmineUPC" panose="02020603050405020304" pitchFamily="18" charset="-34"/>
+                <a:cs typeface="JasmineUPC" panose="02020603050405020304" pitchFamily="18" charset="-34"/>
+              </a:rPr>
+              <a:t>Fix </a:t>
+            </a:r>
+            <a:r>
+              <a:rPr lang="en-US" sz="3600" dirty="0" err="1">
+                <a:latin typeface="JasmineUPC" panose="02020603050405020304" pitchFamily="18" charset="-34"/>
+                <a:cs typeface="JasmineUPC" panose="02020603050405020304" pitchFamily="18" charset="-34"/>
+              </a:rPr>
+              <a:t>heroku</a:t>
+            </a:r>
+            <a:r>
+              <a:rPr lang="en-US" sz="3600" dirty="0">
+                <a:latin typeface="JasmineUPC" panose="02020603050405020304" pitchFamily="18" charset="-34"/>
+                <a:cs typeface="JasmineUPC" panose="02020603050405020304" pitchFamily="18" charset="-34"/>
+              </a:rPr>
+              <a:t> logs </a:t>
+            </a:r>
           </a:p>
         </p:txBody>
       </p:sp>
@@ -7956,17 +7789,19 @@
             <p:ph idx="1"/>
           </p:nvPr>
         </p:nvPicPr>
-        <p:blipFill>
+        <p:blipFill rotWithShape="1">
           <a:blip r:embed="rId2"/>
-          <a:stretch>
-            <a:fillRect/>
-          </a:stretch>
+          <a:srcRect l="2793" r="6762" b="3"/>
+          <a:stretch/>
         </p:blipFill>
         <p:spPr>
           <a:xfrm>
-            <a:off x="2591104" y="1825625"/>
-            <a:ext cx="7009792" cy="4351338"/>
+            <a:off x="4280407" y="0"/>
+            <a:ext cx="7911593" cy="6858000"/>
           </a:xfrm>
+          <a:prstGeom prst="rect">
+            <a:avLst/>
+          </a:prstGeom>
         </p:spPr>
       </p:pic>
     </p:spTree>
@@ -7982,9 +7817,17 @@
 </p:sld>
 </file>
 
-<file path=ppt/slides/slide15.xml><?xml version="1.0" encoding="utf-8"?>
+<file path=ppt/slides/slide11.xml><?xml version="1.0" encoding="utf-8"?>
 <p:sld xmlns:a="http://schemas.openxmlformats.org/drawingml/2006/main" xmlns:r="http://schemas.openxmlformats.org/officeDocument/2006/relationships" xmlns:p="http://schemas.openxmlformats.org/presentationml/2006/main">
   <p:cSld>
+    <p:bg>
+      <p:bgPr>
+        <a:solidFill>
+          <a:schemeClr val="bg1"/>
+        </a:solidFill>
+        <a:effectLst/>
+      </p:bgPr>
+    </p:bg>
     <p:spTree>
       <p:nvGrpSpPr>
         <p:cNvPr id="1" name=""/>
@@ -8015,23 +7858,244 @@
             <p:ph type="title"/>
           </p:nvPr>
         </p:nvSpPr>
-        <p:spPr/>
+        <p:spPr>
+          <a:xfrm>
+            <a:off x="6161751" y="147522"/>
+            <a:ext cx="5244301" cy="1538130"/>
+          </a:xfrm>
+        </p:spPr>
+        <p:txBody>
+          <a:bodyPr>
+            <a:normAutofit/>
+          </a:bodyPr>
+          <a:lstStyle/>
+          <a:p>
+            <a:r>
+              <a:rPr lang="fr-FR" dirty="0">
+                <a:latin typeface="JasmineUPC" panose="02020603050405020304" pitchFamily="18" charset="-34"/>
+                <a:cs typeface="JasmineUPC" panose="02020603050405020304" pitchFamily="18" charset="-34"/>
+              </a:rPr>
+              <a:t>VI. Améliorations possibles</a:t>
+            </a:r>
+            <a:endParaRPr lang="fr-FR" dirty="0"/>
+          </a:p>
+        </p:txBody>
+      </p:sp>
+      <p:sp>
+        <p:nvSpPr>
+          <p:cNvPr id="14" name="Freeform 6">
+            <a:extLst>
+              <a:ext uri="{FF2B5EF4-FFF2-40B4-BE49-F238E27FC236}">
+                <a16:creationId xmlns:a16="http://schemas.microsoft.com/office/drawing/2014/main" id="{B6C29DB0-17E9-42FF-986E-0B7F493F4D24}"/>
+              </a:ext>
+              <a:ext uri="{C183D7F6-B498-43B3-948B-1728B52AA6E4}">
+                <adec:decorative xmlns:adec="http://schemas.microsoft.com/office/drawing/2017/decorative" val="1"/>
+              </a:ext>
+            </a:extLst>
+          </p:cNvPr>
+          <p:cNvSpPr>
+            <a:spLocks noGrp="1" noRot="1" noChangeAspect="1" noMove="1" noResize="1" noEditPoints="1" noAdjustHandles="1" noChangeArrowheads="1" noChangeShapeType="1" noTextEdit="1"/>
+          </p:cNvSpPr>
+          <p:nvPr>
+            <p:extLst>
+              <p:ext uri="{386F3935-93C4-4BCD-93E2-E3B085C9AB24}">
+                <p16:designElem xmlns:p16="http://schemas.microsoft.com/office/powerpoint/2015/main" val="1"/>
+              </p:ext>
+            </p:extLst>
+          </p:nvPr>
+        </p:nvSpPr>
+        <p:spPr bwMode="auto">
+          <a:xfrm>
+            <a:off x="2199584" y="1685652"/>
+            <a:ext cx="3275013" cy="4408488"/>
+          </a:xfrm>
+          <a:custGeom>
+            <a:avLst/>
+            <a:gdLst/>
+            <a:ahLst/>
+            <a:cxnLst/>
+            <a:rect l="l" t="t" r="r" b="b"/>
+            <a:pathLst>
+              <a:path w="10000" h="10000">
+                <a:moveTo>
+                  <a:pt x="8761" y="0"/>
+                </a:moveTo>
+                <a:lnTo>
+                  <a:pt x="10000" y="0"/>
+                </a:lnTo>
+                <a:lnTo>
+                  <a:pt x="10000" y="10000"/>
+                </a:lnTo>
+                <a:lnTo>
+                  <a:pt x="0" y="10000"/>
+                </a:lnTo>
+                <a:lnTo>
+                  <a:pt x="0" y="9126"/>
+                </a:lnTo>
+                <a:lnTo>
+                  <a:pt x="8761" y="9127"/>
+                </a:lnTo>
+                <a:lnTo>
+                  <a:pt x="8761" y="0"/>
+                </a:lnTo>
+                <a:close/>
+              </a:path>
+            </a:pathLst>
+          </a:custGeom>
+          <a:solidFill>
+            <a:srgbClr val="4C4C4C"/>
+          </a:solidFill>
+          <a:ln w="0">
+            <a:noFill/>
+            <a:prstDash val="solid"/>
+            <a:round/>
+            <a:headEnd/>
+            <a:tailEnd/>
+          </a:ln>
+        </p:spPr>
         <p:txBody>
           <a:bodyPr/>
           <a:lstStyle/>
           <a:p>
-            <a:pPr algn="ctr"/>
-            <a:r>
-              <a:rPr lang="fr-FR" dirty="0">
-                <a:latin typeface="JasmineUPC" panose="02020603050405020304" pitchFamily="18" charset="-34"/>
-                <a:cs typeface="JasmineUPC" panose="02020603050405020304" pitchFamily="18" charset="-34"/>
-              </a:rPr>
-              <a:t>VI. Améliorations possibles</a:t>
-            </a:r>
-            <a:endParaRPr lang="fr-FR" dirty="0"/>
+            <a:pPr marL="0" marR="0" lvl="0" indent="0" algn="l" defTabSz="914400" rtl="0" eaLnBrk="1" fontAlgn="auto" latinLnBrk="0" hangingPunct="1">
+              <a:lnSpc>
+                <a:spcPct val="100000"/>
+              </a:lnSpc>
+              <a:spcBef>
+                <a:spcPts val="0"/>
+              </a:spcBef>
+              <a:spcAft>
+                <a:spcPts val="0"/>
+              </a:spcAft>
+              <a:buClrTx/>
+              <a:buSzTx/>
+              <a:buFontTx/>
+              <a:buNone/>
+              <a:tabLst/>
+              <a:defRPr/>
+            </a:pPr>
+            <a:endParaRPr kumimoji="0" lang="en-US" sz="1800" b="0" i="0" u="none" strike="noStrike" kern="1200" cap="none" spc="0" normalizeH="0" baseline="0" noProof="0">
+              <a:ln>
+                <a:noFill/>
+              </a:ln>
+              <a:solidFill>
+                <a:prstClr val="black"/>
+              </a:solidFill>
+              <a:effectLst/>
+              <a:uLnTx/>
+              <a:uFillTx/>
+              <a:latin typeface="Calibri" panose="020F0502020204030204"/>
+              <a:ea typeface="+mn-ea"/>
+              <a:cs typeface="+mn-cs"/>
+            </a:endParaRPr>
           </a:p>
         </p:txBody>
       </p:sp>
+      <p:sp>
+        <p:nvSpPr>
+          <p:cNvPr id="16" name="Freeform 6">
+            <a:extLst>
+              <a:ext uri="{FF2B5EF4-FFF2-40B4-BE49-F238E27FC236}">
+                <a16:creationId xmlns:a16="http://schemas.microsoft.com/office/drawing/2014/main" id="{115AD956-A5B6-4760-B8B2-11E2DF6B0212}"/>
+              </a:ext>
+              <a:ext uri="{C183D7F6-B498-43B3-948B-1728B52AA6E4}">
+                <adec:decorative xmlns:adec="http://schemas.microsoft.com/office/drawing/2017/decorative" val="1"/>
+              </a:ext>
+            </a:extLst>
+          </p:cNvPr>
+          <p:cNvSpPr>
+            <a:spLocks noGrp="1" noRot="1" noChangeAspect="1" noMove="1" noResize="1" noEditPoints="1" noAdjustHandles="1" noChangeArrowheads="1" noChangeShapeType="1" noTextEdit="1"/>
+          </p:cNvSpPr>
+          <p:nvPr>
+            <p:extLst>
+              <p:ext uri="{386F3935-93C4-4BCD-93E2-E3B085C9AB24}">
+                <p16:designElem xmlns:p16="http://schemas.microsoft.com/office/powerpoint/2015/main" val="1"/>
+              </p:ext>
+            </p:extLst>
+          </p:nvPr>
+        </p:nvSpPr>
+        <p:spPr bwMode="auto">
+          <a:xfrm flipH="1" flipV="1">
+            <a:off x="752858" y="744469"/>
+            <a:ext cx="3275668" cy="4408488"/>
+          </a:xfrm>
+          <a:custGeom>
+            <a:avLst/>
+            <a:gdLst/>
+            <a:ahLst/>
+            <a:cxnLst/>
+            <a:rect l="l" t="t" r="r" b="b"/>
+            <a:pathLst>
+              <a:path w="10002" h="10000">
+                <a:moveTo>
+                  <a:pt x="8763" y="0"/>
+                </a:moveTo>
+                <a:lnTo>
+                  <a:pt x="10002" y="0"/>
+                </a:lnTo>
+                <a:lnTo>
+                  <a:pt x="10002" y="10000"/>
+                </a:lnTo>
+                <a:lnTo>
+                  <a:pt x="2" y="10000"/>
+                </a:lnTo>
+                <a:cubicBezTo>
+                  <a:pt x="-2" y="9698"/>
+                  <a:pt x="4" y="9427"/>
+                  <a:pt x="0" y="9125"/>
+                </a:cubicBezTo>
+                <a:lnTo>
+                  <a:pt x="8763" y="9128"/>
+                </a:lnTo>
+                <a:lnTo>
+                  <a:pt x="8763" y="0"/>
+                </a:lnTo>
+                <a:close/>
+              </a:path>
+            </a:pathLst>
+          </a:custGeom>
+          <a:solidFill>
+            <a:srgbClr val="4C4C4C"/>
+          </a:solidFill>
+          <a:ln w="0">
+            <a:noFill/>
+            <a:prstDash val="solid"/>
+            <a:round/>
+            <a:headEnd/>
+            <a:tailEnd/>
+          </a:ln>
+        </p:spPr>
+      </p:sp>
+      <p:pic>
+        <p:nvPicPr>
+          <p:cNvPr id="4" name="Image 3">
+            <a:extLst>
+              <a:ext uri="{FF2B5EF4-FFF2-40B4-BE49-F238E27FC236}">
+                <a16:creationId xmlns:a16="http://schemas.microsoft.com/office/drawing/2014/main" id="{43E9C223-A74C-D74A-9106-560898CA255A}"/>
+              </a:ext>
+            </a:extLst>
+          </p:cNvPr>
+          <p:cNvPicPr>
+            <a:picLocks noChangeAspect="1"/>
+          </p:cNvPicPr>
+          <p:nvPr/>
+        </p:nvPicPr>
+        <p:blipFill>
+          <a:blip r:embed="rId2"/>
+          <a:stretch>
+            <a:fillRect/>
+          </a:stretch>
+        </p:blipFill>
+        <p:spPr>
+          <a:xfrm>
+            <a:off x="1480173" y="2341310"/>
+            <a:ext cx="3267942" cy="2166787"/>
+          </a:xfrm>
+          <a:prstGeom prst="rect">
+            <a:avLst/>
+          </a:prstGeom>
+        </p:spPr>
+      </p:pic>
       <p:sp>
         <p:nvSpPr>
           <p:cNvPr id="3" name="Espace réservé du contenu 2">
@@ -8048,12 +8112,139 @@
             <p:ph idx="1"/>
           </p:nvPr>
         </p:nvSpPr>
-        <p:spPr/>
+        <p:spPr>
+          <a:xfrm>
+            <a:off x="5687667" y="1484128"/>
+            <a:ext cx="6192468" cy="5226350"/>
+          </a:xfrm>
+        </p:spPr>
         <p:txBody>
-          <a:bodyPr/>
+          <a:bodyPr>
+            <a:noAutofit/>
+          </a:bodyPr>
           <a:lstStyle/>
           <a:p>
-            <a:endParaRPr lang="fr-FR"/>
+            <a:pPr algn="just">
+              <a:buFont typeface="Wingdings" pitchFamily="2" charset="2"/>
+              <a:buChar char="ü"/>
+            </a:pPr>
+            <a:r>
+              <a:rPr lang="fr-FR" sz="2400" dirty="0">
+                <a:latin typeface="JasmineUPC" panose="02020603050405020304" pitchFamily="18" charset="-34"/>
+                <a:cs typeface="JasmineUPC" panose="02020603050405020304" pitchFamily="18" charset="-34"/>
+              </a:rPr>
+              <a:t>Pour améliorer le projet, il aurait été possible de recourir à un </a:t>
+            </a:r>
+            <a:r>
+              <a:rPr lang="fr-FR" sz="2400" dirty="0" err="1">
+                <a:latin typeface="JasmineUPC" panose="02020603050405020304" pitchFamily="18" charset="-34"/>
+                <a:cs typeface="JasmineUPC" panose="02020603050405020304" pitchFamily="18" charset="-34"/>
+              </a:rPr>
+              <a:t>framework</a:t>
+            </a:r>
+            <a:r>
+              <a:rPr lang="fr-FR" sz="2400" dirty="0">
+                <a:latin typeface="JasmineUPC" panose="02020603050405020304" pitchFamily="18" charset="-34"/>
+                <a:cs typeface="JasmineUPC" panose="02020603050405020304" pitchFamily="18" charset="-34"/>
+              </a:rPr>
+              <a:t> JavaScript tel que </a:t>
+            </a:r>
+            <a:r>
+              <a:rPr lang="fr-FR" sz="2400" dirty="0" err="1">
+                <a:latin typeface="JasmineUPC" panose="02020603050405020304" pitchFamily="18" charset="-34"/>
+                <a:cs typeface="JasmineUPC" panose="02020603050405020304" pitchFamily="18" charset="-34"/>
+              </a:rPr>
+              <a:t>Vue.js</a:t>
+            </a:r>
+            <a:r>
+              <a:rPr lang="fr-FR" sz="2400" dirty="0">
+                <a:latin typeface="JasmineUPC" panose="02020603050405020304" pitchFamily="18" charset="-34"/>
+                <a:cs typeface="JasmineUPC" panose="02020603050405020304" pitchFamily="18" charset="-34"/>
+              </a:rPr>
+              <a:t>, comme nous avons utilisé respectivement les </a:t>
+            </a:r>
+            <a:r>
+              <a:rPr lang="fr-FR" sz="2400" dirty="0" err="1">
+                <a:latin typeface="JasmineUPC" panose="02020603050405020304" pitchFamily="18" charset="-34"/>
+                <a:cs typeface="JasmineUPC" panose="02020603050405020304" pitchFamily="18" charset="-34"/>
+              </a:rPr>
+              <a:t>frameworks</a:t>
+            </a:r>
+            <a:r>
+              <a:rPr lang="fr-FR" sz="2400" dirty="0">
+                <a:latin typeface="JasmineUPC" panose="02020603050405020304" pitchFamily="18" charset="-34"/>
+                <a:cs typeface="JasmineUPC" panose="02020603050405020304" pitchFamily="18" charset="-34"/>
+              </a:rPr>
+              <a:t> </a:t>
+            </a:r>
+            <a:r>
+              <a:rPr lang="fr-FR" sz="2400" dirty="0" err="1">
+                <a:latin typeface="JasmineUPC" panose="02020603050405020304" pitchFamily="18" charset="-34"/>
+                <a:cs typeface="JasmineUPC" panose="02020603050405020304" pitchFamily="18" charset="-34"/>
+              </a:rPr>
+              <a:t>Bootstrap</a:t>
+            </a:r>
+            <a:r>
+              <a:rPr lang="fr-FR" sz="2400" dirty="0">
+                <a:latin typeface="JasmineUPC" panose="02020603050405020304" pitchFamily="18" charset="-34"/>
+                <a:cs typeface="JasmineUPC" panose="02020603050405020304" pitchFamily="18" charset="-34"/>
+              </a:rPr>
+              <a:t> pour HTML / CSS et </a:t>
+            </a:r>
+            <a:r>
+              <a:rPr lang="fr-FR" sz="2400" dirty="0" err="1">
+                <a:latin typeface="JasmineUPC" panose="02020603050405020304" pitchFamily="18" charset="-34"/>
+                <a:cs typeface="JasmineUPC" panose="02020603050405020304" pitchFamily="18" charset="-34"/>
+              </a:rPr>
+              <a:t>Flask</a:t>
+            </a:r>
+            <a:r>
+              <a:rPr lang="fr-FR" sz="2400" dirty="0">
+                <a:latin typeface="JasmineUPC" panose="02020603050405020304" pitchFamily="18" charset="-34"/>
+                <a:cs typeface="JasmineUPC" panose="02020603050405020304" pitchFamily="18" charset="-34"/>
+              </a:rPr>
+              <a:t> pour Python. L'avantage de </a:t>
+            </a:r>
+            <a:r>
+              <a:rPr lang="fr-FR" sz="2400" dirty="0" err="1">
+                <a:latin typeface="JasmineUPC" panose="02020603050405020304" pitchFamily="18" charset="-34"/>
+                <a:cs typeface="JasmineUPC" panose="02020603050405020304" pitchFamily="18" charset="-34"/>
+              </a:rPr>
+              <a:t>Vue.js</a:t>
+            </a:r>
+            <a:r>
+              <a:rPr lang="fr-FR" sz="2400" dirty="0">
+                <a:latin typeface="JasmineUPC" panose="02020603050405020304" pitchFamily="18" charset="-34"/>
+                <a:cs typeface="JasmineUPC" panose="02020603050405020304" pitchFamily="18" charset="-34"/>
+              </a:rPr>
+              <a:t> est d'être facile à comprendre et à développer des applications. Cela facilite l'intégration des développeurs avec les applications existantes.</a:t>
+            </a:r>
+          </a:p>
+          <a:p>
+            <a:pPr algn="just">
+              <a:buFont typeface="Wingdings" pitchFamily="2" charset="2"/>
+              <a:buChar char="ü"/>
+            </a:pPr>
+            <a:r>
+              <a:rPr lang="fr-FR" sz="2400" dirty="0">
+                <a:latin typeface="JasmineUPC" panose="02020603050405020304" pitchFamily="18" charset="-34"/>
+                <a:cs typeface="JasmineUPC" panose="02020603050405020304" pitchFamily="18" charset="-34"/>
+              </a:rPr>
+              <a:t>Il sera toujours possible d'améliorer l'algorithme d'analyse. En fait, il y a encore des cas spéciaux qui ne donnent aucune réponse. Par exemple, la recherche sur le nom de la rue ne donnera rien pour les rues contenant une date (ex: Rue du 11 Novembre 1918) car l'algorithme supprime chaque chiffre.</a:t>
+            </a:r>
+          </a:p>
+          <a:p>
+            <a:pPr algn="just">
+              <a:buFont typeface="Wingdings" pitchFamily="2" charset="2"/>
+              <a:buChar char="ü"/>
+            </a:pPr>
+            <a:r>
+              <a:rPr lang="fr-FR" sz="2400" dirty="0">
+                <a:latin typeface="JasmineUPC" panose="02020603050405020304" pitchFamily="18" charset="-34"/>
+                <a:cs typeface="JasmineUPC" panose="02020603050405020304" pitchFamily="18" charset="-34"/>
+              </a:rPr>
+              <a:t>Ces pistes d'amélioration pourraient faire l'objet du projet 11 sur Openclassrooms «Améliorer un projet existant en Python».</a:t>
+            </a:r>
           </a:p>
         </p:txBody>
       </p:sp>
@@ -8370,6 +8561,577 @@
 <file path=ppt/slides/slide3.xml><?xml version="1.0" encoding="utf-8"?>
 <p:sld xmlns:a="http://schemas.openxmlformats.org/drawingml/2006/main" xmlns:r="http://schemas.openxmlformats.org/officeDocument/2006/relationships" xmlns:p="http://schemas.openxmlformats.org/presentationml/2006/main">
   <p:cSld>
+    <p:bg>
+      <p:bgPr>
+        <a:solidFill>
+          <a:schemeClr val="bg1"/>
+        </a:solidFill>
+        <a:effectLst/>
+      </p:bgPr>
+    </p:bg>
+    <p:spTree>
+      <p:nvGrpSpPr>
+        <p:cNvPr id="1" name=""/>
+        <p:cNvGrpSpPr/>
+        <p:nvPr/>
+      </p:nvGrpSpPr>
+      <p:grpSpPr>
+        <a:xfrm>
+          <a:off x="0" y="0"/>
+          <a:ext cx="0" cy="0"/>
+          <a:chOff x="0" y="0"/>
+          <a:chExt cx="0" cy="0"/>
+        </a:xfrm>
+      </p:grpSpPr>
+      <p:pic>
+        <p:nvPicPr>
+          <p:cNvPr id="4" name="Image 3">
+            <a:extLst>
+              <a:ext uri="{FF2B5EF4-FFF2-40B4-BE49-F238E27FC236}">
+                <a16:creationId xmlns:a16="http://schemas.microsoft.com/office/drawing/2014/main" id="{1A3BBCE1-EE73-D546-8FDA-9EAA4B0B8682}"/>
+              </a:ext>
+            </a:extLst>
+          </p:cNvPr>
+          <p:cNvPicPr>
+            <a:picLocks noChangeAspect="1"/>
+          </p:cNvPicPr>
+          <p:nvPr/>
+        </p:nvPicPr>
+        <p:blipFill rotWithShape="1">
+          <a:blip r:embed="rId2">
+            <a:alphaModFix/>
+          </a:blip>
+          <a:srcRect t="44171" r="2" b="1366"/>
+          <a:stretch/>
+        </p:blipFill>
+        <p:spPr>
+          <a:xfrm>
+            <a:off x="6083786" y="-168318"/>
+            <a:ext cx="6261330" cy="3932313"/>
+          </a:xfrm>
+          <a:prstGeom prst="rect">
+            <a:avLst/>
+          </a:prstGeom>
+          <a:effectLst>
+            <a:softEdge rad="533400"/>
+          </a:effectLst>
+        </p:spPr>
+      </p:pic>
+      <p:pic>
+        <p:nvPicPr>
+          <p:cNvPr id="5" name="Image 4">
+            <a:extLst>
+              <a:ext uri="{FF2B5EF4-FFF2-40B4-BE49-F238E27FC236}">
+                <a16:creationId xmlns:a16="http://schemas.microsoft.com/office/drawing/2014/main" id="{DE2220FF-A296-9645-99A7-10192B19F168}"/>
+              </a:ext>
+            </a:extLst>
+          </p:cNvPr>
+          <p:cNvPicPr>
+            <a:picLocks noChangeAspect="1"/>
+          </p:cNvPicPr>
+          <p:nvPr/>
+        </p:nvPicPr>
+        <p:blipFill rotWithShape="1">
+          <a:blip r:embed="rId3"/>
+          <a:srcRect r="76" b="3"/>
+          <a:stretch/>
+        </p:blipFill>
+        <p:spPr>
+          <a:xfrm>
+            <a:off x="6089904" y="2487168"/>
+            <a:ext cx="6263640" cy="4215384"/>
+          </a:xfrm>
+          <a:prstGeom prst="rect">
+            <a:avLst/>
+          </a:prstGeom>
+          <a:effectLst>
+            <a:softEdge rad="533400"/>
+          </a:effectLst>
+        </p:spPr>
+      </p:pic>
+      <p:pic>
+        <p:nvPicPr>
+          <p:cNvPr id="10" name="Picture 9">
+            <a:extLst>
+              <a:ext uri="{FF2B5EF4-FFF2-40B4-BE49-F238E27FC236}">
+                <a16:creationId xmlns:a16="http://schemas.microsoft.com/office/drawing/2014/main" id="{22901FED-4FC9-4ED5-8123-C98BCD1616BA}"/>
+              </a:ext>
+              <a:ext uri="{C183D7F6-B498-43B3-948B-1728B52AA6E4}">
+                <adec:decorative xmlns:adec="http://schemas.microsoft.com/office/drawing/2017/decorative" val="1"/>
+              </a:ext>
+            </a:extLst>
+          </p:cNvPr>
+          <p:cNvPicPr>
+            <a:picLocks noGrp="1" noRot="1" noChangeAspect="1" noMove="1" noResize="1" noEditPoints="1" noAdjustHandles="1" noChangeArrowheads="1" noChangeShapeType="1" noCrop="1"/>
+          </p:cNvPicPr>
+          <p:nvPr>
+            <p:extLst>
+              <p:ext uri="{386F3935-93C4-4BCD-93E2-E3B085C9AB24}">
+                <p16:designElem xmlns:p16="http://schemas.microsoft.com/office/powerpoint/2015/main" val="1"/>
+              </p:ext>
+            </p:extLst>
+          </p:nvPr>
+        </p:nvPicPr>
+        <p:blipFill>
+          <a:blip r:embed="rId4">
+            <a:extLst>
+              <a:ext uri="{28A0092B-C50C-407E-A947-70E740481C1C}">
+                <a14:useLocalDpi xmlns:a14="http://schemas.microsoft.com/office/drawing/2010/main" val="0"/>
+              </a:ext>
+            </a:extLst>
+          </a:blip>
+          <a:stretch>
+            <a:fillRect/>
+          </a:stretch>
+        </p:blipFill>
+        <p:spPr>
+          <a:xfrm>
+            <a:off x="0" y="0"/>
+            <a:ext cx="12192000" cy="6858000"/>
+          </a:xfrm>
+          <a:prstGeom prst="rect">
+            <a:avLst/>
+          </a:prstGeom>
+        </p:spPr>
+      </p:pic>
+      <p:sp>
+        <p:nvSpPr>
+          <p:cNvPr id="2" name="Titre 1">
+            <a:extLst>
+              <a:ext uri="{FF2B5EF4-FFF2-40B4-BE49-F238E27FC236}">
+                <a16:creationId xmlns:a16="http://schemas.microsoft.com/office/drawing/2014/main" id="{5D970A47-5152-1841-9EBB-14CE7A64A343}"/>
+              </a:ext>
+            </a:extLst>
+          </p:cNvPr>
+          <p:cNvSpPr>
+            <a:spLocks noGrp="1"/>
+          </p:cNvSpPr>
+          <p:nvPr>
+            <p:ph type="title"/>
+          </p:nvPr>
+        </p:nvSpPr>
+        <p:spPr>
+          <a:xfrm>
+            <a:off x="500198" y="1160"/>
+            <a:ext cx="4803636" cy="1311664"/>
+          </a:xfrm>
+        </p:spPr>
+        <p:txBody>
+          <a:bodyPr>
+            <a:normAutofit/>
+          </a:bodyPr>
+          <a:lstStyle/>
+          <a:p>
+            <a:pPr algn="ctr"/>
+            <a:r>
+              <a:rPr lang="fr-FR" sz="4000" dirty="0">
+                <a:solidFill>
+                  <a:srgbClr val="000000"/>
+                </a:solidFill>
+                <a:latin typeface="JasmineUPC" panose="02020603050405020304" pitchFamily="18" charset="-34"/>
+                <a:cs typeface="JasmineUPC" panose="02020603050405020304" pitchFamily="18" charset="-34"/>
+              </a:rPr>
+              <a:t>I. Généralités</a:t>
+            </a:r>
+            <a:endParaRPr lang="fr-FR" sz="4000" dirty="0">
+              <a:solidFill>
+                <a:srgbClr val="000000"/>
+              </a:solidFill>
+            </a:endParaRPr>
+          </a:p>
+        </p:txBody>
+      </p:sp>
+      <p:sp>
+        <p:nvSpPr>
+          <p:cNvPr id="3" name="Espace réservé du contenu 2">
+            <a:extLst>
+              <a:ext uri="{FF2B5EF4-FFF2-40B4-BE49-F238E27FC236}">
+                <a16:creationId xmlns:a16="http://schemas.microsoft.com/office/drawing/2014/main" id="{774887BC-91F9-CF4F-A395-72BE259F075F}"/>
+              </a:ext>
+            </a:extLst>
+          </p:cNvPr>
+          <p:cNvSpPr>
+            <a:spLocks noGrp="1"/>
+          </p:cNvSpPr>
+          <p:nvPr>
+            <p:ph idx="1"/>
+          </p:nvPr>
+        </p:nvSpPr>
+        <p:spPr>
+          <a:xfrm>
+            <a:off x="238327" y="958498"/>
+            <a:ext cx="6110958" cy="5744054"/>
+          </a:xfrm>
+        </p:spPr>
+        <p:txBody>
+          <a:bodyPr anchor="ctr">
+            <a:noAutofit/>
+          </a:bodyPr>
+          <a:lstStyle/>
+          <a:p>
+            <a:pPr>
+              <a:buFont typeface="Wingdings" pitchFamily="2" charset="2"/>
+              <a:buChar char="q"/>
+            </a:pPr>
+            <a:r>
+              <a:rPr lang="fr-FR" sz="2000" dirty="0">
+                <a:solidFill>
+                  <a:srgbClr val="000000"/>
+                </a:solidFill>
+                <a:latin typeface="JasmineUPC" panose="02020603050405020304" pitchFamily="18" charset="-34"/>
+                <a:cs typeface="JasmineUPC" panose="02020603050405020304" pitchFamily="18" charset="-34"/>
+              </a:rPr>
+              <a:t>L'objectif de ce projet est de créer un site Web donnant accès à des informations relatives à une question posée par l'utilisateur. Celui-ci entre une question et </a:t>
+            </a:r>
+            <a:r>
+              <a:rPr lang="fr-FR" sz="2000" dirty="0" err="1">
+                <a:solidFill>
+                  <a:srgbClr val="000000"/>
+                </a:solidFill>
+                <a:latin typeface="JasmineUPC" panose="02020603050405020304" pitchFamily="18" charset="-34"/>
+                <a:cs typeface="JasmineUPC" panose="02020603050405020304" pitchFamily="18" charset="-34"/>
+              </a:rPr>
+              <a:t>GrandPyBot</a:t>
+            </a:r>
+            <a:r>
+              <a:rPr lang="fr-FR" sz="2000" dirty="0">
+                <a:solidFill>
+                  <a:srgbClr val="000000"/>
+                </a:solidFill>
+                <a:latin typeface="JasmineUPC" panose="02020603050405020304" pitchFamily="18" charset="-34"/>
+                <a:cs typeface="JasmineUPC" panose="02020603050405020304" pitchFamily="18" charset="-34"/>
+              </a:rPr>
+              <a:t> lui répond en affichant:</a:t>
+            </a:r>
+          </a:p>
+          <a:p>
+            <a:pPr>
+              <a:buFont typeface="Wingdings" pitchFamily="2" charset="2"/>
+              <a:buChar char="q"/>
+            </a:pPr>
+            <a:r>
+              <a:rPr lang="fr-FR" sz="2000" dirty="0">
+                <a:solidFill>
+                  <a:srgbClr val="000000"/>
+                </a:solidFill>
+                <a:latin typeface="JasmineUPC" panose="02020603050405020304" pitchFamily="18" charset="-34"/>
+                <a:cs typeface="JasmineUPC" panose="02020603050405020304" pitchFamily="18" charset="-34"/>
+              </a:rPr>
+              <a:t>Un extrait de la page </a:t>
+            </a:r>
+            <a:r>
+              <a:rPr lang="fr-FR" sz="2000" dirty="0" err="1">
+                <a:solidFill>
+                  <a:srgbClr val="000000"/>
+                </a:solidFill>
+                <a:latin typeface="JasmineUPC" panose="02020603050405020304" pitchFamily="18" charset="-34"/>
+                <a:cs typeface="JasmineUPC" panose="02020603050405020304" pitchFamily="18" charset="-34"/>
+              </a:rPr>
+              <a:t>Wikipedia</a:t>
+            </a:r>
+            <a:r>
+              <a:rPr lang="fr-FR" sz="2000" dirty="0">
+                <a:solidFill>
+                  <a:srgbClr val="000000"/>
+                </a:solidFill>
+                <a:latin typeface="JasmineUPC" panose="02020603050405020304" pitchFamily="18" charset="-34"/>
+                <a:cs typeface="JasmineUPC" panose="02020603050405020304" pitchFamily="18" charset="-34"/>
+              </a:rPr>
+              <a:t> concernant l'adresse du lieu récupéré via l'API </a:t>
+            </a:r>
+            <a:r>
+              <a:rPr lang="fr-FR" sz="2000" dirty="0" err="1">
+                <a:solidFill>
+                  <a:srgbClr val="000000"/>
+                </a:solidFill>
+                <a:latin typeface="JasmineUPC" panose="02020603050405020304" pitchFamily="18" charset="-34"/>
+                <a:cs typeface="JasmineUPC" panose="02020603050405020304" pitchFamily="18" charset="-34"/>
+              </a:rPr>
+              <a:t>Wikipedia</a:t>
+            </a:r>
+            <a:r>
+              <a:rPr lang="fr-FR" sz="2000" dirty="0">
+                <a:solidFill>
+                  <a:srgbClr val="000000"/>
+                </a:solidFill>
+                <a:latin typeface="JasmineUPC" panose="02020603050405020304" pitchFamily="18" charset="-34"/>
+                <a:cs typeface="JasmineUPC" panose="02020603050405020304" pitchFamily="18" charset="-34"/>
+              </a:rPr>
+              <a:t>.</a:t>
+            </a:r>
+          </a:p>
+          <a:p>
+            <a:pPr>
+              <a:buFont typeface="Wingdings" pitchFamily="2" charset="2"/>
+              <a:buChar char="q"/>
+            </a:pPr>
+            <a:r>
+              <a:rPr lang="fr-FR" sz="2000" dirty="0">
+                <a:solidFill>
+                  <a:srgbClr val="000000"/>
+                </a:solidFill>
+                <a:latin typeface="JasmineUPC" panose="02020603050405020304" pitchFamily="18" charset="-34"/>
+                <a:cs typeface="JasmineUPC" panose="02020603050405020304" pitchFamily="18" charset="-34"/>
+              </a:rPr>
+              <a:t>Une carte récupérée via l'API Google </a:t>
+            </a:r>
+            <a:r>
+              <a:rPr lang="fr-FR" sz="2000" dirty="0" err="1">
+                <a:solidFill>
+                  <a:srgbClr val="000000"/>
+                </a:solidFill>
+                <a:latin typeface="JasmineUPC" panose="02020603050405020304" pitchFamily="18" charset="-34"/>
+                <a:cs typeface="JasmineUPC" panose="02020603050405020304" pitchFamily="18" charset="-34"/>
+              </a:rPr>
+              <a:t>Maps</a:t>
+            </a:r>
+            <a:r>
+              <a:rPr lang="fr-FR" sz="2000" dirty="0">
+                <a:solidFill>
+                  <a:srgbClr val="000000"/>
+                </a:solidFill>
+                <a:latin typeface="JasmineUPC" panose="02020603050405020304" pitchFamily="18" charset="-34"/>
+                <a:cs typeface="JasmineUPC" panose="02020603050405020304" pitchFamily="18" charset="-34"/>
+              </a:rPr>
+              <a:t> pointant vers l'endroit que l'utilisateur recherche.</a:t>
+            </a:r>
+          </a:p>
+          <a:p>
+            <a:pPr>
+              <a:buFont typeface="Wingdings" pitchFamily="2" charset="2"/>
+              <a:buChar char="q"/>
+            </a:pPr>
+            <a:r>
+              <a:rPr lang="fr-FR" sz="2000" dirty="0">
+                <a:solidFill>
+                  <a:srgbClr val="000000"/>
+                </a:solidFill>
+                <a:latin typeface="JasmineUPC" panose="02020603050405020304" pitchFamily="18" charset="-34"/>
+                <a:cs typeface="JasmineUPC" panose="02020603050405020304" pitchFamily="18" charset="-34"/>
+              </a:rPr>
+              <a:t>Rien n'est enregistré et l'utilisateur envoie sa question. La réponse s'affiche directement à l'écran, sans recharger la page.</a:t>
+            </a:r>
+          </a:p>
+          <a:p>
+            <a:pPr>
+              <a:buFont typeface="Wingdings" pitchFamily="2" charset="2"/>
+              <a:buChar char="q"/>
+            </a:pPr>
+            <a:r>
+              <a:rPr lang="fr-FR" sz="2000" dirty="0">
+                <a:solidFill>
+                  <a:srgbClr val="000000"/>
+                </a:solidFill>
+                <a:latin typeface="JasmineUPC" panose="02020603050405020304" pitchFamily="18" charset="-34"/>
+                <a:cs typeface="JasmineUPC" panose="02020603050405020304" pitchFamily="18" charset="-34"/>
+              </a:rPr>
+              <a:t>Le programme est codé en HTML, CSS, JavaScript et Python sous Visual Studio Code 1.33.1. Le front-end est développé grâce au Framework </a:t>
+            </a:r>
+            <a:r>
+              <a:rPr lang="fr-FR" sz="2000" dirty="0" err="1">
+                <a:solidFill>
+                  <a:srgbClr val="000000"/>
+                </a:solidFill>
+                <a:latin typeface="JasmineUPC" panose="02020603050405020304" pitchFamily="18" charset="-34"/>
+                <a:cs typeface="JasmineUPC" panose="02020603050405020304" pitchFamily="18" charset="-34"/>
+              </a:rPr>
+              <a:t>Bootstrap</a:t>
+            </a:r>
+            <a:r>
+              <a:rPr lang="fr-FR" sz="2000" dirty="0">
+                <a:solidFill>
+                  <a:srgbClr val="000000"/>
+                </a:solidFill>
+                <a:latin typeface="JasmineUPC" panose="02020603050405020304" pitchFamily="18" charset="-34"/>
+                <a:cs typeface="JasmineUPC" panose="02020603050405020304" pitchFamily="18" charset="-34"/>
+              </a:rPr>
+              <a:t> et le back-end au Framework </a:t>
+            </a:r>
+            <a:r>
+              <a:rPr lang="fr-FR" sz="2000" dirty="0" err="1">
+                <a:solidFill>
+                  <a:srgbClr val="000000"/>
+                </a:solidFill>
+                <a:latin typeface="JasmineUPC" panose="02020603050405020304" pitchFamily="18" charset="-34"/>
+                <a:cs typeface="JasmineUPC" panose="02020603050405020304" pitchFamily="18" charset="-34"/>
+              </a:rPr>
+              <a:t>Flask</a:t>
+            </a:r>
+            <a:r>
+              <a:rPr lang="fr-FR" sz="2000" dirty="0">
+                <a:solidFill>
+                  <a:srgbClr val="000000"/>
+                </a:solidFill>
+                <a:latin typeface="JasmineUPC" panose="02020603050405020304" pitchFamily="18" charset="-34"/>
+                <a:cs typeface="JasmineUPC" panose="02020603050405020304" pitchFamily="18" charset="-34"/>
+              </a:rPr>
+              <a:t>.</a:t>
+            </a:r>
+          </a:p>
+          <a:p>
+            <a:pPr>
+              <a:buFont typeface="Wingdings" pitchFamily="2" charset="2"/>
+              <a:buChar char="q"/>
+            </a:pPr>
+            <a:r>
+              <a:rPr lang="fr-FR" sz="2000" dirty="0">
+                <a:solidFill>
+                  <a:srgbClr val="000000"/>
+                </a:solidFill>
+                <a:latin typeface="JasmineUPC" panose="02020603050405020304" pitchFamily="18" charset="-34"/>
+                <a:cs typeface="JasmineUPC" panose="02020603050405020304" pitchFamily="18" charset="-34"/>
+              </a:rPr>
+              <a:t>Ce programme est hébergé sur GitHub : https://</a:t>
+            </a:r>
+            <a:r>
+              <a:rPr lang="fr-FR" sz="2000" dirty="0" err="1">
+                <a:solidFill>
+                  <a:srgbClr val="000000"/>
+                </a:solidFill>
+                <a:latin typeface="JasmineUPC" panose="02020603050405020304" pitchFamily="18" charset="-34"/>
+                <a:cs typeface="JasmineUPC" panose="02020603050405020304" pitchFamily="18" charset="-34"/>
+              </a:rPr>
+              <a:t>github.com</a:t>
+            </a:r>
+            <a:r>
+              <a:rPr lang="fr-FR" sz="2000" dirty="0">
+                <a:solidFill>
+                  <a:srgbClr val="000000"/>
+                </a:solidFill>
+                <a:latin typeface="JasmineUPC" panose="02020603050405020304" pitchFamily="18" charset="-34"/>
+                <a:cs typeface="JasmineUPC" panose="02020603050405020304" pitchFamily="18" charset="-34"/>
+              </a:rPr>
+              <a:t>/Maximedu13/Cr-</a:t>
+            </a:r>
+            <a:r>
+              <a:rPr lang="fr-FR" sz="2000" dirty="0" err="1">
+                <a:solidFill>
+                  <a:srgbClr val="000000"/>
+                </a:solidFill>
+                <a:latin typeface="JasmineUPC" panose="02020603050405020304" pitchFamily="18" charset="-34"/>
+                <a:cs typeface="JasmineUPC" panose="02020603050405020304" pitchFamily="18" charset="-34"/>
+              </a:rPr>
+              <a:t>ez</a:t>
+            </a:r>
+            <a:r>
+              <a:rPr lang="fr-FR" sz="2000" dirty="0">
+                <a:solidFill>
+                  <a:srgbClr val="000000"/>
+                </a:solidFill>
+                <a:latin typeface="JasmineUPC" panose="02020603050405020304" pitchFamily="18" charset="-34"/>
+                <a:cs typeface="JasmineUPC" panose="02020603050405020304" pitchFamily="18" charset="-34"/>
+              </a:rPr>
+              <a:t>-</a:t>
+            </a:r>
+            <a:r>
+              <a:rPr lang="fr-FR" sz="2000" dirty="0" err="1">
+                <a:solidFill>
+                  <a:srgbClr val="000000"/>
+                </a:solidFill>
+                <a:latin typeface="JasmineUPC" panose="02020603050405020304" pitchFamily="18" charset="-34"/>
+                <a:cs typeface="JasmineUPC" panose="02020603050405020304" pitchFamily="18" charset="-34"/>
+              </a:rPr>
+              <a:t>GrandPy</a:t>
+            </a:r>
+            <a:r>
+              <a:rPr lang="fr-FR" sz="2000" dirty="0">
+                <a:solidFill>
+                  <a:srgbClr val="000000"/>
+                </a:solidFill>
+                <a:latin typeface="JasmineUPC" panose="02020603050405020304" pitchFamily="18" charset="-34"/>
+                <a:cs typeface="JasmineUPC" panose="02020603050405020304" pitchFamily="18" charset="-34"/>
+              </a:rPr>
+              <a:t>-Bot-le-papy-robot ainsi que sur le serveur </a:t>
+            </a:r>
+            <a:r>
+              <a:rPr lang="fr-FR" sz="2000" dirty="0" err="1">
+                <a:solidFill>
+                  <a:srgbClr val="000000"/>
+                </a:solidFill>
+                <a:latin typeface="JasmineUPC" panose="02020603050405020304" pitchFamily="18" charset="-34"/>
+                <a:cs typeface="JasmineUPC" panose="02020603050405020304" pitchFamily="18" charset="-34"/>
+              </a:rPr>
+              <a:t>Heroku</a:t>
+            </a:r>
+            <a:r>
+              <a:rPr lang="fr-FR" sz="2000" dirty="0">
+                <a:solidFill>
+                  <a:srgbClr val="000000"/>
+                </a:solidFill>
+                <a:latin typeface="JasmineUPC" panose="02020603050405020304" pitchFamily="18" charset="-34"/>
+                <a:cs typeface="JasmineUPC" panose="02020603050405020304" pitchFamily="18" charset="-34"/>
+              </a:rPr>
+              <a:t> : https: // </a:t>
+            </a:r>
+            <a:r>
+              <a:rPr lang="fr-FR" sz="2000" dirty="0" err="1">
+                <a:solidFill>
+                  <a:srgbClr val="000000"/>
+                </a:solidFill>
+                <a:latin typeface="JasmineUPC" panose="02020603050405020304" pitchFamily="18" charset="-34"/>
+                <a:cs typeface="JasmineUPC" panose="02020603050405020304" pitchFamily="18" charset="-34"/>
+              </a:rPr>
+              <a:t>grandpybotte</a:t>
+            </a:r>
+            <a:r>
+              <a:rPr lang="fr-FR" sz="2000" dirty="0">
+                <a:solidFill>
+                  <a:srgbClr val="000000"/>
+                </a:solidFill>
+                <a:latin typeface="JasmineUPC" panose="02020603050405020304" pitchFamily="18" charset="-34"/>
+                <a:cs typeface="JasmineUPC" panose="02020603050405020304" pitchFamily="18" charset="-34"/>
+              </a:rPr>
+              <a:t> .</a:t>
+            </a:r>
+            <a:r>
+              <a:rPr lang="fr-FR" sz="2000" dirty="0" err="1">
+                <a:solidFill>
+                  <a:srgbClr val="000000"/>
+                </a:solidFill>
+                <a:latin typeface="JasmineUPC" panose="02020603050405020304" pitchFamily="18" charset="-34"/>
+                <a:cs typeface="JasmineUPC" panose="02020603050405020304" pitchFamily="18" charset="-34"/>
+              </a:rPr>
+              <a:t>herokuapp.com</a:t>
+            </a:r>
+            <a:r>
+              <a:rPr lang="fr-FR" sz="2000" dirty="0">
+                <a:solidFill>
+                  <a:srgbClr val="000000"/>
+                </a:solidFill>
+                <a:latin typeface="JasmineUPC" panose="02020603050405020304" pitchFamily="18" charset="-34"/>
+                <a:cs typeface="JasmineUPC" panose="02020603050405020304" pitchFamily="18" charset="-34"/>
+              </a:rPr>
+              <a:t> /</a:t>
+            </a:r>
+          </a:p>
+        </p:txBody>
+      </p:sp>
+    </p:spTree>
+    <p:extLst>
+      <p:ext uri="{BB962C8B-B14F-4D97-AF65-F5344CB8AC3E}">
+        <p14:creationId xmlns:p14="http://schemas.microsoft.com/office/powerpoint/2010/main" val="2413985902"/>
+      </p:ext>
+    </p:extLst>
+  </p:cSld>
+  <p:clrMapOvr>
+    <a:masterClrMapping/>
+  </p:clrMapOvr>
+</p:sld>
+</file>
+
+<file path=ppt/slides/slide4.xml><?xml version="1.0" encoding="utf-8"?>
+<p:sld xmlns:a="http://schemas.openxmlformats.org/drawingml/2006/main" xmlns:r="http://schemas.openxmlformats.org/officeDocument/2006/relationships" xmlns:p="http://schemas.openxmlformats.org/presentationml/2006/main">
+  <p:cSld>
+    <p:bg>
+      <p:bgPr>
+        <a:solidFill>
+          <a:schemeClr val="bg1">
+            <a:lumMod val="85000"/>
+          </a:schemeClr>
+        </a:solidFill>
+        <a:effectLst/>
+      </p:bgPr>
+    </p:bg>
     <p:spTree>
       <p:nvGrpSpPr>
         <p:cNvPr id="1" name=""/>
@@ -8400,7 +9162,12 @@
             <p:ph type="title"/>
           </p:nvPr>
         </p:nvSpPr>
-        <p:spPr/>
+        <p:spPr>
+          <a:xfrm>
+            <a:off x="709411" y="44382"/>
+            <a:ext cx="10515600" cy="883473"/>
+          </a:xfrm>
+        </p:spPr>
         <p:txBody>
           <a:bodyPr/>
           <a:lstStyle/>
@@ -8411,7 +9178,7 @@
                 <a:latin typeface="JasmineUPC" panose="02020603050405020304" pitchFamily="18" charset="-34"/>
                 <a:cs typeface="JasmineUPC" panose="02020603050405020304" pitchFamily="18" charset="-34"/>
               </a:rPr>
-              <a:t>I. Généralités</a:t>
+              <a:t>II. Contenu du projet</a:t>
             </a:r>
             <a:endParaRPr lang="fr-FR" dirty="0"/>
           </a:p>
@@ -8433,310 +9200,999 @@
             <p:ph idx="1"/>
           </p:nvPr>
         </p:nvSpPr>
-        <p:spPr/>
+        <p:spPr>
+          <a:xfrm>
+            <a:off x="10194" y="799734"/>
+            <a:ext cx="12181805" cy="6083760"/>
+          </a:xfrm>
+        </p:spPr>
         <p:txBody>
-          <a:bodyPr/>
+          <a:bodyPr>
+            <a:noAutofit/>
+          </a:bodyPr>
           <a:lstStyle/>
           <a:p>
-            <a:endParaRPr lang="fr-FR" dirty="0"/>
-          </a:p>
-        </p:txBody>
-      </p:sp>
-    </p:spTree>
-    <p:extLst>
-      <p:ext uri="{BB962C8B-B14F-4D97-AF65-F5344CB8AC3E}">
-        <p14:creationId xmlns:p14="http://schemas.microsoft.com/office/powerpoint/2010/main" val="2413985902"/>
-      </p:ext>
-    </p:extLst>
-  </p:cSld>
-  <p:clrMapOvr>
-    <a:masterClrMapping/>
-  </p:clrMapOvr>
-</p:sld>
-</file>
-
-<file path=ppt/slides/slide4.xml><?xml version="1.0" encoding="utf-8"?>
-<p:sld xmlns:a="http://schemas.openxmlformats.org/drawingml/2006/main" xmlns:r="http://schemas.openxmlformats.org/officeDocument/2006/relationships" xmlns:p="http://schemas.openxmlformats.org/presentationml/2006/main">
-  <p:cSld>
-    <p:spTree>
-      <p:nvGrpSpPr>
-        <p:cNvPr id="1" name=""/>
-        <p:cNvGrpSpPr/>
-        <p:nvPr/>
-      </p:nvGrpSpPr>
-      <p:grpSpPr>
-        <a:xfrm>
-          <a:off x="0" y="0"/>
-          <a:ext cx="0" cy="0"/>
-          <a:chOff x="0" y="0"/>
-          <a:chExt cx="0" cy="0"/>
-        </a:xfrm>
-      </p:grpSpPr>
-      <p:sp>
-        <p:nvSpPr>
-          <p:cNvPr id="2" name="Titre 1">
-            <a:extLst>
-              <a:ext uri="{FF2B5EF4-FFF2-40B4-BE49-F238E27FC236}">
-                <a16:creationId xmlns:a16="http://schemas.microsoft.com/office/drawing/2014/main" id="{91615E33-11D4-1A47-9932-770599BB3858}"/>
-              </a:ext>
-            </a:extLst>
-          </p:cNvPr>
-          <p:cNvSpPr>
-            <a:spLocks noGrp="1"/>
-          </p:cNvSpPr>
-          <p:nvPr>
-            <p:ph type="title"/>
-          </p:nvPr>
-        </p:nvSpPr>
-        <p:spPr/>
-        <p:txBody>
-          <a:bodyPr/>
-          <a:lstStyle/>
-          <a:p>
-            <a:endParaRPr lang="fr-FR"/>
+            <a:pPr marL="0" indent="0">
+              <a:buNone/>
+            </a:pPr>
+            <a:r>
+              <a:rPr lang="fr-FR" sz="1800" b="1" dirty="0">
+                <a:latin typeface="JasmineUPC" panose="02020603050405020304" pitchFamily="18" charset="-34"/>
+                <a:cs typeface="JasmineUPC" panose="02020603050405020304" pitchFamily="18" charset="-34"/>
+              </a:rPr>
+              <a:t>▾ </a:t>
+            </a:r>
+            <a:r>
+              <a:rPr lang="fr-FR" sz="1800" b="1" dirty="0" err="1">
+                <a:latin typeface="JasmineUPC" panose="02020603050405020304" pitchFamily="18" charset="-34"/>
+                <a:cs typeface="JasmineUPC" panose="02020603050405020304" pitchFamily="18" charset="-34"/>
+              </a:rPr>
+              <a:t>GrandPyBot</a:t>
+            </a:r>
+            <a:r>
+              <a:rPr lang="fr-FR" sz="1800" b="1" dirty="0">
+                <a:latin typeface="JasmineUPC" panose="02020603050405020304" pitchFamily="18" charset="-34"/>
+                <a:cs typeface="JasmineUPC" panose="02020603050405020304" pitchFamily="18" charset="-34"/>
+              </a:rPr>
+              <a:t>/</a:t>
+            </a:r>
+          </a:p>
+          <a:p>
+            <a:pPr marL="0" indent="0">
+              <a:buNone/>
+            </a:pPr>
+            <a:r>
+              <a:rPr lang="fr-FR" sz="1800" b="1" dirty="0">
+                <a:latin typeface="JasmineUPC" panose="02020603050405020304" pitchFamily="18" charset="-34"/>
+                <a:cs typeface="JasmineUPC" panose="02020603050405020304" pitchFamily="18" charset="-34"/>
+              </a:rPr>
+              <a:t>	 __</a:t>
+            </a:r>
+            <a:r>
+              <a:rPr lang="fr-FR" sz="1800" b="1" dirty="0" err="1">
+                <a:latin typeface="JasmineUPC" panose="02020603050405020304" pitchFamily="18" charset="-34"/>
+                <a:cs typeface="JasmineUPC" panose="02020603050405020304" pitchFamily="18" charset="-34"/>
+              </a:rPr>
+              <a:t>init</a:t>
+            </a:r>
+            <a:r>
+              <a:rPr lang="fr-FR" sz="1800" b="1" dirty="0">
+                <a:latin typeface="JasmineUPC" panose="02020603050405020304" pitchFamily="18" charset="-34"/>
+                <a:cs typeface="JasmineUPC" panose="02020603050405020304" pitchFamily="18" charset="-34"/>
+              </a:rPr>
+              <a:t>__.</a:t>
+            </a:r>
+            <a:r>
+              <a:rPr lang="fr-FR" sz="1800" b="1" dirty="0" err="1">
+                <a:latin typeface="JasmineUPC" panose="02020603050405020304" pitchFamily="18" charset="-34"/>
+                <a:cs typeface="JasmineUPC" panose="02020603050405020304" pitchFamily="18" charset="-34"/>
+              </a:rPr>
+              <a:t>py</a:t>
+            </a:r>
+            <a:endParaRPr lang="fr-FR" sz="1800" b="1" dirty="0">
+              <a:latin typeface="JasmineUPC" panose="02020603050405020304" pitchFamily="18" charset="-34"/>
+              <a:cs typeface="JasmineUPC" panose="02020603050405020304" pitchFamily="18" charset="-34"/>
+            </a:endParaRPr>
+          </a:p>
+          <a:p>
+            <a:pPr marL="0" indent="0">
+              <a:buNone/>
+            </a:pPr>
+            <a:r>
+              <a:rPr lang="fr-FR" sz="1800" b="1" dirty="0">
+                <a:latin typeface="JasmineUPC" panose="02020603050405020304" pitchFamily="18" charset="-34"/>
+                <a:cs typeface="JasmineUPC" panose="02020603050405020304" pitchFamily="18" charset="-34"/>
+              </a:rPr>
+              <a:t>	</a:t>
+            </a:r>
+            <a:r>
+              <a:rPr lang="fr-FR" sz="1800" b="1" dirty="0" err="1">
+                <a:latin typeface="JasmineUPC" panose="02020603050405020304" pitchFamily="18" charset="-34"/>
+                <a:cs typeface="JasmineUPC" panose="02020603050405020304" pitchFamily="18" charset="-34"/>
+              </a:rPr>
+              <a:t>apis.py</a:t>
+            </a:r>
+            <a:endParaRPr lang="fr-FR" sz="1800" b="1" dirty="0">
+              <a:latin typeface="JasmineUPC" panose="02020603050405020304" pitchFamily="18" charset="-34"/>
+              <a:cs typeface="JasmineUPC" panose="02020603050405020304" pitchFamily="18" charset="-34"/>
+            </a:endParaRPr>
+          </a:p>
+          <a:p>
+            <a:pPr marL="0" indent="0">
+              <a:buNone/>
+            </a:pPr>
+            <a:r>
+              <a:rPr lang="fr-FR" sz="1800" b="1" dirty="0">
+                <a:latin typeface="JasmineUPC" panose="02020603050405020304" pitchFamily="18" charset="-34"/>
+                <a:cs typeface="JasmineUPC" panose="02020603050405020304" pitchFamily="18" charset="-34"/>
+              </a:rPr>
+              <a:t>	</a:t>
+            </a:r>
+            <a:r>
+              <a:rPr lang="fr-FR" sz="1800" b="1" dirty="0" err="1">
+                <a:latin typeface="JasmineUPC" panose="02020603050405020304" pitchFamily="18" charset="-34"/>
+                <a:cs typeface="JasmineUPC" panose="02020603050405020304" pitchFamily="18" charset="-34"/>
+              </a:rPr>
+              <a:t>messages.py</a:t>
+            </a:r>
+            <a:endParaRPr lang="fr-FR" sz="1800" b="1" dirty="0">
+              <a:latin typeface="JasmineUPC" panose="02020603050405020304" pitchFamily="18" charset="-34"/>
+              <a:cs typeface="JasmineUPC" panose="02020603050405020304" pitchFamily="18" charset="-34"/>
+            </a:endParaRPr>
+          </a:p>
+          <a:p>
+            <a:pPr marL="0" indent="0">
+              <a:buNone/>
+            </a:pPr>
+            <a:r>
+              <a:rPr lang="fr-FR" sz="1800" b="1" dirty="0">
+                <a:latin typeface="JasmineUPC" panose="02020603050405020304" pitchFamily="18" charset="-34"/>
+                <a:cs typeface="JasmineUPC" panose="02020603050405020304" pitchFamily="18" charset="-34"/>
+              </a:rPr>
+              <a:t>	▾ </a:t>
+            </a:r>
+            <a:r>
+              <a:rPr lang="fr-FR" sz="1800" b="1" dirty="0" err="1">
+                <a:latin typeface="JasmineUPC" panose="02020603050405020304" pitchFamily="18" charset="-34"/>
+                <a:cs typeface="JasmineUPC" panose="02020603050405020304" pitchFamily="18" charset="-34"/>
+              </a:rPr>
+              <a:t>static</a:t>
+            </a:r>
+            <a:r>
+              <a:rPr lang="fr-FR" sz="1800" b="1" dirty="0">
+                <a:latin typeface="JasmineUPC" panose="02020603050405020304" pitchFamily="18" charset="-34"/>
+                <a:cs typeface="JasmineUPC" panose="02020603050405020304" pitchFamily="18" charset="-34"/>
+              </a:rPr>
+              <a:t>/</a:t>
+            </a:r>
+          </a:p>
+          <a:p>
+            <a:pPr marL="0" indent="0">
+              <a:buNone/>
+            </a:pPr>
+            <a:r>
+              <a:rPr lang="fr-FR" sz="1800" b="1" dirty="0">
+                <a:latin typeface="JasmineUPC" panose="02020603050405020304" pitchFamily="18" charset="-34"/>
+                <a:cs typeface="JasmineUPC" panose="02020603050405020304" pitchFamily="18" charset="-34"/>
+              </a:rPr>
+              <a:t>	</a:t>
+            </a:r>
+            <a:r>
+              <a:rPr lang="fr-FR" sz="1800" b="1" dirty="0" err="1">
+                <a:latin typeface="JasmineUPC" panose="02020603050405020304" pitchFamily="18" charset="-34"/>
+                <a:cs typeface="JasmineUPC" panose="02020603050405020304" pitchFamily="18" charset="-34"/>
+              </a:rPr>
+              <a:t>stopword.py</a:t>
+            </a:r>
+            <a:endParaRPr lang="fr-FR" sz="1800" b="1" dirty="0">
+              <a:latin typeface="JasmineUPC" panose="02020603050405020304" pitchFamily="18" charset="-34"/>
+              <a:cs typeface="JasmineUPC" panose="02020603050405020304" pitchFamily="18" charset="-34"/>
+            </a:endParaRPr>
+          </a:p>
+          <a:p>
+            <a:pPr marL="0" lvl="2" indent="0">
+              <a:spcBef>
+                <a:spcPts val="1000"/>
+              </a:spcBef>
+              <a:buNone/>
+            </a:pPr>
+            <a:r>
+              <a:rPr lang="fr-FR" sz="1800" b="1" dirty="0">
+                <a:latin typeface="JasmineUPC" panose="02020603050405020304" pitchFamily="18" charset="-34"/>
+                <a:cs typeface="JasmineUPC" panose="02020603050405020304" pitchFamily="18" charset="-34"/>
+              </a:rPr>
+              <a:t>	▾ </a:t>
+            </a:r>
+            <a:r>
+              <a:rPr lang="fr-FR" sz="1800" b="1" dirty="0" err="1">
+                <a:latin typeface="JasmineUPC" panose="02020603050405020304" pitchFamily="18" charset="-34"/>
+                <a:cs typeface="JasmineUPC" panose="02020603050405020304" pitchFamily="18" charset="-34"/>
+              </a:rPr>
+              <a:t>templates</a:t>
+            </a:r>
+            <a:r>
+              <a:rPr lang="fr-FR" sz="1800" b="1" dirty="0">
+                <a:latin typeface="JasmineUPC" panose="02020603050405020304" pitchFamily="18" charset="-34"/>
+                <a:cs typeface="JasmineUPC" panose="02020603050405020304" pitchFamily="18" charset="-34"/>
+              </a:rPr>
+              <a:t>/</a:t>
+            </a:r>
+          </a:p>
+          <a:p>
+            <a:pPr marL="0" lvl="2" indent="0">
+              <a:spcBef>
+                <a:spcPts val="1000"/>
+              </a:spcBef>
+              <a:buNone/>
+            </a:pPr>
+            <a:r>
+              <a:rPr lang="fr-FR" sz="1800" b="1" dirty="0">
+                <a:latin typeface="JasmineUPC" panose="02020603050405020304" pitchFamily="18" charset="-34"/>
+                <a:cs typeface="JasmineUPC" panose="02020603050405020304" pitchFamily="18" charset="-34"/>
+              </a:rPr>
+              <a:t>	</a:t>
+            </a:r>
+            <a:r>
+              <a:rPr lang="fr-FR" sz="1800" b="1" dirty="0" err="1">
+                <a:latin typeface="JasmineUPC" panose="02020603050405020304" pitchFamily="18" charset="-34"/>
+                <a:cs typeface="JasmineUPC" panose="02020603050405020304" pitchFamily="18" charset="-34"/>
+              </a:rPr>
+              <a:t>views.py</a:t>
+            </a:r>
+            <a:endParaRPr lang="fr-FR" sz="1800" b="1" dirty="0">
+              <a:latin typeface="JasmineUPC" panose="02020603050405020304" pitchFamily="18" charset="-34"/>
+              <a:cs typeface="JasmineUPC" panose="02020603050405020304" pitchFamily="18" charset="-34"/>
+            </a:endParaRPr>
+          </a:p>
+          <a:p>
+            <a:pPr marL="0" indent="0">
+              <a:buNone/>
+            </a:pPr>
+            <a:r>
+              <a:rPr lang="fr-FR" sz="1800" b="1" dirty="0">
+                <a:latin typeface="JasmineUPC" panose="02020603050405020304" pitchFamily="18" charset="-34"/>
+                <a:cs typeface="JasmineUPC" panose="02020603050405020304" pitchFamily="18" charset="-34"/>
+              </a:rPr>
+              <a:t>▾ tests/</a:t>
+            </a:r>
+          </a:p>
+          <a:p>
+            <a:pPr marL="0" indent="0">
+              <a:buNone/>
+            </a:pPr>
+            <a:r>
+              <a:rPr lang="fr-FR" sz="1800" b="1" dirty="0">
+                <a:latin typeface="JasmineUPC" panose="02020603050405020304" pitchFamily="18" charset="-34"/>
+                <a:cs typeface="JasmineUPC" panose="02020603050405020304" pitchFamily="18" charset="-34"/>
+              </a:rPr>
+              <a:t>	__</a:t>
+            </a:r>
+            <a:r>
+              <a:rPr lang="fr-FR" sz="1800" b="1" dirty="0" err="1">
+                <a:latin typeface="JasmineUPC" panose="02020603050405020304" pitchFamily="18" charset="-34"/>
+                <a:cs typeface="JasmineUPC" panose="02020603050405020304" pitchFamily="18" charset="-34"/>
+              </a:rPr>
+              <a:t>init</a:t>
+            </a:r>
+            <a:r>
+              <a:rPr lang="fr-FR" sz="1800" b="1" dirty="0">
+                <a:latin typeface="JasmineUPC" panose="02020603050405020304" pitchFamily="18" charset="-34"/>
+                <a:cs typeface="JasmineUPC" panose="02020603050405020304" pitchFamily="18" charset="-34"/>
+              </a:rPr>
+              <a:t>__.</a:t>
+            </a:r>
+            <a:r>
+              <a:rPr lang="fr-FR" sz="1800" b="1" dirty="0" err="1">
+                <a:latin typeface="JasmineUPC" panose="02020603050405020304" pitchFamily="18" charset="-34"/>
+                <a:cs typeface="JasmineUPC" panose="02020603050405020304" pitchFamily="18" charset="-34"/>
+              </a:rPr>
+              <a:t>py</a:t>
+            </a:r>
+            <a:endParaRPr lang="fr-FR" sz="1800" b="1" dirty="0">
+              <a:latin typeface="JasmineUPC" panose="02020603050405020304" pitchFamily="18" charset="-34"/>
+              <a:cs typeface="JasmineUPC" panose="02020603050405020304" pitchFamily="18" charset="-34"/>
+            </a:endParaRPr>
+          </a:p>
+          <a:p>
+            <a:pPr marL="0" indent="0">
+              <a:buNone/>
+            </a:pPr>
+            <a:r>
+              <a:rPr lang="fr-FR" sz="1800" b="1" dirty="0">
+                <a:latin typeface="JasmineUPC" panose="02020603050405020304" pitchFamily="18" charset="-34"/>
+                <a:cs typeface="JasmineUPC" panose="02020603050405020304" pitchFamily="18" charset="-34"/>
+              </a:rPr>
+              <a:t>	</a:t>
+            </a:r>
+            <a:r>
+              <a:rPr lang="fr-FR" sz="1800" b="1" dirty="0" err="1">
+                <a:latin typeface="JasmineUPC" panose="02020603050405020304" pitchFamily="18" charset="-34"/>
+                <a:cs typeface="JasmineUPC" panose="02020603050405020304" pitchFamily="18" charset="-34"/>
+              </a:rPr>
+              <a:t>test.py</a:t>
+            </a:r>
+            <a:endParaRPr lang="fr-FR" sz="1800" b="1" dirty="0">
+              <a:latin typeface="JasmineUPC" panose="02020603050405020304" pitchFamily="18" charset="-34"/>
+              <a:cs typeface="JasmineUPC" panose="02020603050405020304" pitchFamily="18" charset="-34"/>
+            </a:endParaRPr>
+          </a:p>
+          <a:p>
+            <a:pPr marL="0" indent="0">
+              <a:buNone/>
+            </a:pPr>
+            <a:r>
+              <a:rPr lang="fr-FR" sz="1800" b="1" dirty="0" err="1">
+                <a:latin typeface="JasmineUPC" panose="02020603050405020304" pitchFamily="18" charset="-34"/>
+                <a:cs typeface="JasmineUPC" panose="02020603050405020304" pitchFamily="18" charset="-34"/>
+              </a:rPr>
+              <a:t>requirements.txt</a:t>
+            </a:r>
+            <a:endParaRPr lang="fr-FR" sz="1800" b="1" dirty="0">
+              <a:latin typeface="JasmineUPC" panose="02020603050405020304" pitchFamily="18" charset="-34"/>
+              <a:cs typeface="JasmineUPC" panose="02020603050405020304" pitchFamily="18" charset="-34"/>
+            </a:endParaRPr>
+          </a:p>
+          <a:p>
+            <a:pPr marL="0" indent="0">
+              <a:buNone/>
+            </a:pPr>
+            <a:r>
+              <a:rPr lang="fr-FR" sz="1800" b="1" dirty="0" err="1">
+                <a:latin typeface="JasmineUPC" panose="02020603050405020304" pitchFamily="18" charset="-34"/>
+                <a:cs typeface="JasmineUPC" panose="02020603050405020304" pitchFamily="18" charset="-34"/>
+              </a:rPr>
+              <a:t>Procfile</a:t>
+            </a:r>
+            <a:endParaRPr lang="fr-FR" sz="1800" b="1" dirty="0">
+              <a:latin typeface="JasmineUPC" panose="02020603050405020304" pitchFamily="18" charset="-34"/>
+              <a:cs typeface="JasmineUPC" panose="02020603050405020304" pitchFamily="18" charset="-34"/>
+            </a:endParaRPr>
+          </a:p>
+          <a:p>
+            <a:pPr marL="0" indent="0">
+              <a:buNone/>
+            </a:pPr>
+            <a:r>
+              <a:rPr lang="fr-FR" sz="1800" b="1" dirty="0" err="1">
+                <a:latin typeface="JasmineUPC" panose="02020603050405020304" pitchFamily="18" charset="-34"/>
+                <a:cs typeface="JasmineUPC" panose="02020603050405020304" pitchFamily="18" charset="-34"/>
+              </a:rPr>
+              <a:t>Readme.md</a:t>
+            </a:r>
+            <a:endParaRPr lang="fr-FR" sz="1800" b="1" dirty="0">
+              <a:latin typeface="JasmineUPC" panose="02020603050405020304" pitchFamily="18" charset="-34"/>
+              <a:cs typeface="JasmineUPC" panose="02020603050405020304" pitchFamily="18" charset="-34"/>
+            </a:endParaRPr>
+          </a:p>
+          <a:p>
+            <a:pPr marL="0" indent="0">
+              <a:buNone/>
+            </a:pPr>
+            <a:r>
+              <a:rPr lang="fr-FR" sz="1800" b="1" dirty="0" err="1">
+                <a:latin typeface="JasmineUPC" panose="02020603050405020304" pitchFamily="18" charset="-34"/>
+                <a:cs typeface="JasmineUPC" panose="02020603050405020304" pitchFamily="18" charset="-34"/>
+              </a:rPr>
+              <a:t>Config.py</a:t>
+            </a:r>
+            <a:r>
+              <a:rPr lang="fr-FR" sz="1800" b="1" dirty="0">
+                <a:latin typeface="JasmineUPC" panose="02020603050405020304" pitchFamily="18" charset="-34"/>
+                <a:cs typeface="JasmineUPC" panose="02020603050405020304" pitchFamily="18" charset="-34"/>
+              </a:rPr>
+              <a:t> </a:t>
+            </a:r>
+          </a:p>
+          <a:p>
+            <a:pPr marL="0" indent="0">
+              <a:buNone/>
+            </a:pPr>
+            <a:r>
+              <a:rPr lang="fr-FR" sz="1800" b="1" dirty="0" err="1">
+                <a:latin typeface="JasmineUPC" panose="02020603050405020304" pitchFamily="18" charset="-34"/>
+                <a:cs typeface="JasmineUPC" panose="02020603050405020304" pitchFamily="18" charset="-34"/>
+              </a:rPr>
+              <a:t>run.py</a:t>
+            </a:r>
+            <a:r>
+              <a:rPr lang="fr-FR" sz="1800" b="1" dirty="0">
+                <a:latin typeface="JasmineUPC" panose="02020603050405020304" pitchFamily="18" charset="-34"/>
+                <a:cs typeface="JasmineUPC" panose="02020603050405020304" pitchFamily="18" charset="-34"/>
+              </a:rPr>
+              <a:t> </a:t>
+            </a:r>
           </a:p>
         </p:txBody>
       </p:sp>
       <p:sp>
         <p:nvSpPr>
-          <p:cNvPr id="3" name="Espace réservé du contenu 2">
+          <p:cNvPr id="4" name="Flèche vers la droite 3">
             <a:extLst>
               <a:ext uri="{FF2B5EF4-FFF2-40B4-BE49-F238E27FC236}">
-                <a16:creationId xmlns:a16="http://schemas.microsoft.com/office/drawing/2014/main" id="{878EC987-267A-0444-BB6E-C0CD81D24C58}"/>
+                <a16:creationId xmlns:a16="http://schemas.microsoft.com/office/drawing/2014/main" id="{1AF9EF3D-5323-3844-91FD-34974E80DEC5}"/>
               </a:ext>
             </a:extLst>
           </p:cNvPr>
-          <p:cNvSpPr>
-            <a:spLocks noGrp="1"/>
-          </p:cNvSpPr>
-          <p:nvPr>
-            <p:ph idx="1"/>
-          </p:nvPr>
+          <p:cNvSpPr/>
+          <p:nvPr/>
         </p:nvSpPr>
-        <p:spPr/>
+        <p:spPr>
+          <a:xfrm>
+            <a:off x="3219711" y="1049347"/>
+            <a:ext cx="6091707" cy="129962"/>
+          </a:xfrm>
+          <a:prstGeom prst="rightArrow">
+            <a:avLst/>
+          </a:prstGeom>
+        </p:spPr>
+        <p:style>
+          <a:lnRef idx="2">
+            <a:schemeClr val="accent1">
+              <a:shade val="50000"/>
+            </a:schemeClr>
+          </a:lnRef>
+          <a:fillRef idx="1">
+            <a:schemeClr val="accent1"/>
+          </a:fillRef>
+          <a:effectRef idx="0">
+            <a:schemeClr val="accent1"/>
+          </a:effectRef>
+          <a:fontRef idx="minor">
+            <a:schemeClr val="lt1"/>
+          </a:fontRef>
+        </p:style>
         <p:txBody>
-          <a:bodyPr/>
+          <a:bodyPr rtlCol="0" anchor="ctr"/>
           <a:lstStyle/>
           <a:p>
+            <a:pPr algn="ctr"/>
             <a:endParaRPr lang="fr-FR"/>
-          </a:p>
-        </p:txBody>
-      </p:sp>
-    </p:spTree>
-    <p:extLst>
-      <p:ext uri="{BB962C8B-B14F-4D97-AF65-F5344CB8AC3E}">
-        <p14:creationId xmlns:p14="http://schemas.microsoft.com/office/powerpoint/2010/main" val="4285096582"/>
-      </p:ext>
-    </p:extLst>
-  </p:cSld>
-  <p:clrMapOvr>
-    <a:masterClrMapping/>
-  </p:clrMapOvr>
-</p:sld>
-</file>
-
-<file path=ppt/slides/slide5.xml><?xml version="1.0" encoding="utf-8"?>
-<p:sld xmlns:a="http://schemas.openxmlformats.org/drawingml/2006/main" xmlns:r="http://schemas.openxmlformats.org/officeDocument/2006/relationships" xmlns:p="http://schemas.openxmlformats.org/presentationml/2006/main">
-  <p:cSld>
-    <p:spTree>
-      <p:nvGrpSpPr>
-        <p:cNvPr id="1" name=""/>
-        <p:cNvGrpSpPr/>
-        <p:nvPr/>
-      </p:nvGrpSpPr>
-      <p:grpSpPr>
-        <a:xfrm>
-          <a:off x="0" y="0"/>
-          <a:ext cx="0" cy="0"/>
-          <a:chOff x="0" y="0"/>
-          <a:chExt cx="0" cy="0"/>
-        </a:xfrm>
-      </p:grpSpPr>
-      <p:sp>
-        <p:nvSpPr>
-          <p:cNvPr id="2" name="Titre 1">
-            <a:extLst>
-              <a:ext uri="{FF2B5EF4-FFF2-40B4-BE49-F238E27FC236}">
-                <a16:creationId xmlns:a16="http://schemas.microsoft.com/office/drawing/2014/main" id="{5D970A47-5152-1841-9EBB-14CE7A64A343}"/>
-              </a:ext>
-            </a:extLst>
-          </p:cNvPr>
-          <p:cNvSpPr>
-            <a:spLocks noGrp="1"/>
-          </p:cNvSpPr>
-          <p:nvPr>
-            <p:ph type="title"/>
-          </p:nvPr>
-        </p:nvSpPr>
-        <p:spPr/>
-        <p:txBody>
-          <a:bodyPr/>
-          <a:lstStyle/>
-          <a:p>
-            <a:pPr algn="ctr"/>
-            <a:r>
-              <a:rPr lang="fr-FR" dirty="0">
-                <a:latin typeface="JasmineUPC" panose="02020603050405020304" pitchFamily="18" charset="-34"/>
-                <a:cs typeface="JasmineUPC" panose="02020603050405020304" pitchFamily="18" charset="-34"/>
-              </a:rPr>
-              <a:t>II. Contenu du projet</a:t>
-            </a:r>
-            <a:endParaRPr lang="fr-FR" dirty="0"/>
           </a:p>
         </p:txBody>
       </p:sp>
       <p:sp>
         <p:nvSpPr>
-          <p:cNvPr id="3" name="Espace réservé du contenu 2">
+          <p:cNvPr id="5" name="Flèche vers la droite 4">
             <a:extLst>
               <a:ext uri="{FF2B5EF4-FFF2-40B4-BE49-F238E27FC236}">
-                <a16:creationId xmlns:a16="http://schemas.microsoft.com/office/drawing/2014/main" id="{774887BC-91F9-CF4F-A395-72BE259F075F}"/>
+                <a16:creationId xmlns:a16="http://schemas.microsoft.com/office/drawing/2014/main" id="{A429EAB5-4600-9F44-850F-2C668D3056A4}"/>
               </a:ext>
             </a:extLst>
           </p:cNvPr>
-          <p:cNvSpPr>
-            <a:spLocks noGrp="1"/>
-          </p:cNvSpPr>
-          <p:nvPr>
-            <p:ph idx="1"/>
-          </p:nvPr>
+          <p:cNvSpPr/>
+          <p:nvPr/>
         </p:nvSpPr>
-        <p:spPr/>
+        <p:spPr>
+          <a:xfrm>
+            <a:off x="3219712" y="3961299"/>
+            <a:ext cx="6091707" cy="129962"/>
+          </a:xfrm>
+          <a:prstGeom prst="rightArrow">
+            <a:avLst/>
+          </a:prstGeom>
+        </p:spPr>
+        <p:style>
+          <a:lnRef idx="2">
+            <a:schemeClr val="accent1">
+              <a:shade val="50000"/>
+            </a:schemeClr>
+          </a:lnRef>
+          <a:fillRef idx="1">
+            <a:schemeClr val="accent1"/>
+          </a:fillRef>
+          <a:effectRef idx="0">
+            <a:schemeClr val="accent1"/>
+          </a:effectRef>
+          <a:fontRef idx="minor">
+            <a:schemeClr val="lt1"/>
+          </a:fontRef>
+        </p:style>
         <p:txBody>
-          <a:bodyPr>
-            <a:normAutofit/>
+          <a:bodyPr rtlCol="0" anchor="ctr"/>
+          <a:lstStyle/>
+          <a:p>
+            <a:pPr algn="ctr"/>
+            <a:endParaRPr lang="fr-FR"/>
+          </a:p>
+        </p:txBody>
+      </p:sp>
+      <p:sp>
+        <p:nvSpPr>
+          <p:cNvPr id="6" name="Flèche vers la droite 5">
+            <a:extLst>
+              <a:ext uri="{FF2B5EF4-FFF2-40B4-BE49-F238E27FC236}">
+                <a16:creationId xmlns:a16="http://schemas.microsoft.com/office/drawing/2014/main" id="{6270FCBE-7055-544D-9144-6B141D2AF47A}"/>
+              </a:ext>
+            </a:extLst>
+          </p:cNvPr>
+          <p:cNvSpPr/>
+          <p:nvPr/>
+        </p:nvSpPr>
+        <p:spPr>
+          <a:xfrm>
+            <a:off x="3219714" y="6217030"/>
+            <a:ext cx="6091707" cy="129962"/>
+          </a:xfrm>
+          <a:prstGeom prst="rightArrow">
+            <a:avLst/>
+          </a:prstGeom>
+        </p:spPr>
+        <p:style>
+          <a:lnRef idx="2">
+            <a:schemeClr val="accent1">
+              <a:shade val="50000"/>
+            </a:schemeClr>
+          </a:lnRef>
+          <a:fillRef idx="1">
+            <a:schemeClr val="accent1"/>
+          </a:fillRef>
+          <a:effectRef idx="0">
+            <a:schemeClr val="accent1"/>
+          </a:effectRef>
+          <a:fontRef idx="minor">
+            <a:schemeClr val="lt1"/>
+          </a:fontRef>
+        </p:style>
+        <p:txBody>
+          <a:bodyPr rtlCol="0" anchor="ctr"/>
+          <a:lstStyle/>
+          <a:p>
+            <a:pPr algn="ctr"/>
+            <a:endParaRPr lang="fr-FR"/>
+          </a:p>
+        </p:txBody>
+      </p:sp>
+      <p:sp>
+        <p:nvSpPr>
+          <p:cNvPr id="7" name="Flèche vers la droite 6">
+            <a:extLst>
+              <a:ext uri="{FF2B5EF4-FFF2-40B4-BE49-F238E27FC236}">
+                <a16:creationId xmlns:a16="http://schemas.microsoft.com/office/drawing/2014/main" id="{124945B5-D72C-C94E-A1DF-7026FF39014E}"/>
+              </a:ext>
+            </a:extLst>
+          </p:cNvPr>
+          <p:cNvSpPr/>
+          <p:nvPr/>
+        </p:nvSpPr>
+        <p:spPr>
+          <a:xfrm>
+            <a:off x="3219713" y="6615233"/>
+            <a:ext cx="6091707" cy="129962"/>
+          </a:xfrm>
+          <a:prstGeom prst="rightArrow">
+            <a:avLst/>
+          </a:prstGeom>
+        </p:spPr>
+        <p:style>
+          <a:lnRef idx="2">
+            <a:schemeClr val="accent1">
+              <a:shade val="50000"/>
+            </a:schemeClr>
+          </a:lnRef>
+          <a:fillRef idx="1">
+            <a:schemeClr val="accent1"/>
+          </a:fillRef>
+          <a:effectRef idx="0">
+            <a:schemeClr val="accent1"/>
+          </a:effectRef>
+          <a:fontRef idx="minor">
+            <a:schemeClr val="lt1"/>
+          </a:fontRef>
+        </p:style>
+        <p:txBody>
+          <a:bodyPr rtlCol="0" anchor="ctr"/>
+          <a:lstStyle/>
+          <a:p>
+            <a:pPr algn="ctr"/>
+            <a:endParaRPr lang="fr-FR"/>
+          </a:p>
+        </p:txBody>
+      </p:sp>
+      <p:sp>
+        <p:nvSpPr>
+          <p:cNvPr id="8" name="Flèche vers la droite 7">
+            <a:extLst>
+              <a:ext uri="{FF2B5EF4-FFF2-40B4-BE49-F238E27FC236}">
+                <a16:creationId xmlns:a16="http://schemas.microsoft.com/office/drawing/2014/main" id="{6C0B5DC7-88F9-D94C-AC59-B89F575BED41}"/>
+              </a:ext>
+            </a:extLst>
+          </p:cNvPr>
+          <p:cNvSpPr/>
+          <p:nvPr/>
+        </p:nvSpPr>
+        <p:spPr>
+          <a:xfrm rot="21266323">
+            <a:off x="3219710" y="4904441"/>
+            <a:ext cx="6091707" cy="129962"/>
+          </a:xfrm>
+          <a:prstGeom prst="rightArrow">
+            <a:avLst/>
+          </a:prstGeom>
+        </p:spPr>
+        <p:style>
+          <a:lnRef idx="2">
+            <a:schemeClr val="accent1">
+              <a:shade val="50000"/>
+            </a:schemeClr>
+          </a:lnRef>
+          <a:fillRef idx="1">
+            <a:schemeClr val="accent1"/>
+          </a:fillRef>
+          <a:effectRef idx="0">
+            <a:schemeClr val="accent1"/>
+          </a:effectRef>
+          <a:fontRef idx="minor">
+            <a:schemeClr val="lt1"/>
+          </a:fontRef>
+        </p:style>
+        <p:txBody>
+          <a:bodyPr rtlCol="0" anchor="ctr"/>
+          <a:lstStyle/>
+          <a:p>
+            <a:pPr algn="ctr"/>
+            <a:endParaRPr lang="fr-FR"/>
+          </a:p>
+        </p:txBody>
+      </p:sp>
+      <p:sp>
+        <p:nvSpPr>
+          <p:cNvPr id="9" name="Flèche vers la droite 8">
+            <a:extLst>
+              <a:ext uri="{FF2B5EF4-FFF2-40B4-BE49-F238E27FC236}">
+                <a16:creationId xmlns:a16="http://schemas.microsoft.com/office/drawing/2014/main" id="{33BF348C-634A-5F4B-841D-0FD5E4FAC16F}"/>
+              </a:ext>
+            </a:extLst>
+          </p:cNvPr>
+          <p:cNvSpPr/>
+          <p:nvPr/>
+        </p:nvSpPr>
+        <p:spPr>
+          <a:xfrm rot="21345992">
+            <a:off x="3219709" y="5363489"/>
+            <a:ext cx="6091707" cy="129962"/>
+          </a:xfrm>
+          <a:prstGeom prst="rightArrow">
+            <a:avLst/>
+          </a:prstGeom>
+        </p:spPr>
+        <p:style>
+          <a:lnRef idx="2">
+            <a:schemeClr val="accent1">
+              <a:shade val="50000"/>
+            </a:schemeClr>
+          </a:lnRef>
+          <a:fillRef idx="1">
+            <a:schemeClr val="accent1"/>
+          </a:fillRef>
+          <a:effectRef idx="0">
+            <a:schemeClr val="accent1"/>
+          </a:effectRef>
+          <a:fontRef idx="minor">
+            <a:schemeClr val="lt1"/>
+          </a:fontRef>
+        </p:style>
+        <p:txBody>
+          <a:bodyPr rtlCol="0" anchor="ctr"/>
+          <a:lstStyle/>
+          <a:p>
+            <a:pPr algn="ctr"/>
+            <a:endParaRPr lang="fr-FR"/>
+          </a:p>
+        </p:txBody>
+      </p:sp>
+      <p:sp>
+        <p:nvSpPr>
+          <p:cNvPr id="10" name="Flèche vers la droite 9">
+            <a:extLst>
+              <a:ext uri="{FF2B5EF4-FFF2-40B4-BE49-F238E27FC236}">
+                <a16:creationId xmlns:a16="http://schemas.microsoft.com/office/drawing/2014/main" id="{12E6BF5E-6E50-3146-B256-4F71A8717743}"/>
+              </a:ext>
+            </a:extLst>
+          </p:cNvPr>
+          <p:cNvSpPr/>
+          <p:nvPr/>
+        </p:nvSpPr>
+        <p:spPr>
+          <a:xfrm>
+            <a:off x="3219712" y="5900082"/>
+            <a:ext cx="6091707" cy="129962"/>
+          </a:xfrm>
+          <a:prstGeom prst="rightArrow">
+            <a:avLst/>
+          </a:prstGeom>
+        </p:spPr>
+        <p:style>
+          <a:lnRef idx="2">
+            <a:schemeClr val="accent1">
+              <a:shade val="50000"/>
+            </a:schemeClr>
+          </a:lnRef>
+          <a:fillRef idx="1">
+            <a:schemeClr val="accent1"/>
+          </a:fillRef>
+          <a:effectRef idx="0">
+            <a:schemeClr val="accent1"/>
+          </a:effectRef>
+          <a:fontRef idx="minor">
+            <a:schemeClr val="lt1"/>
+          </a:fontRef>
+        </p:style>
+        <p:txBody>
+          <a:bodyPr rtlCol="0" anchor="ctr"/>
+          <a:lstStyle/>
+          <a:p>
+            <a:pPr algn="ctr"/>
+            <a:endParaRPr lang="fr-FR"/>
+          </a:p>
+        </p:txBody>
+      </p:sp>
+      <p:sp>
+        <p:nvSpPr>
+          <p:cNvPr id="11" name="ZoneTexte 10">
+            <a:extLst>
+              <a:ext uri="{FF2B5EF4-FFF2-40B4-BE49-F238E27FC236}">
+                <a16:creationId xmlns:a16="http://schemas.microsoft.com/office/drawing/2014/main" id="{6CD0CAAC-8EAB-D245-8AE1-836AA98C5809}"/>
+              </a:ext>
+            </a:extLst>
+          </p:cNvPr>
+          <p:cNvSpPr txBox="1"/>
+          <p:nvPr/>
+        </p:nvSpPr>
+        <p:spPr>
+          <a:xfrm>
+            <a:off x="9593674" y="736417"/>
+            <a:ext cx="2228044" cy="1138773"/>
+          </a:xfrm>
+          <a:prstGeom prst="rect">
+            <a:avLst/>
+          </a:prstGeom>
+          <a:noFill/>
+        </p:spPr>
+        <p:txBody>
+          <a:bodyPr wrap="square" rtlCol="0">
+            <a:spAutoFit/>
           </a:bodyPr>
           <a:lstStyle/>
           <a:p>
             <a:r>
-              <a:rPr lang="fr-FR" sz="2000" dirty="0" err="1"/>
-              <a:t>run.py</a:t>
-            </a:r>
-            <a:r>
-              <a:rPr lang="fr-FR" sz="2000" dirty="0"/>
-              <a:t> </a:t>
-            </a:r>
-          </a:p>
-          <a:p>
-            <a:r>
-              <a:rPr lang="fr-FR" sz="2000" dirty="0"/>
-              <a:t>▾ bin/ </a:t>
-            </a:r>
-          </a:p>
-          <a:p>
-            <a:r>
-              <a:rPr lang="fr-FR" sz="2000" dirty="0"/>
-              <a:t>▾ </a:t>
-            </a:r>
-            <a:r>
-              <a:rPr lang="fr-FR" sz="2000" dirty="0" err="1"/>
-              <a:t>bookshelf</a:t>
-            </a:r>
-            <a:r>
-              <a:rPr lang="fr-FR" sz="2000" dirty="0"/>
-              <a:t>/ </a:t>
-            </a:r>
-          </a:p>
-          <a:p>
-            <a:r>
-              <a:rPr lang="fr-FR" sz="2000" dirty="0"/>
-              <a:t>__</a:t>
-            </a:r>
-            <a:r>
-              <a:rPr lang="fr-FR" sz="2000" dirty="0" err="1"/>
-              <a:t>init</a:t>
-            </a:r>
-            <a:r>
-              <a:rPr lang="fr-FR" sz="2000" dirty="0"/>
-              <a:t>__.</a:t>
-            </a:r>
-            <a:r>
-              <a:rPr lang="fr-FR" sz="2000" dirty="0" err="1"/>
-              <a:t>py</a:t>
-            </a:r>
-            <a:r>
-              <a:rPr lang="fr-FR" sz="2000" dirty="0"/>
-              <a:t> </a:t>
-            </a:r>
-          </a:p>
-          <a:p>
-            <a:r>
-              <a:rPr lang="fr-FR" sz="2000" dirty="0"/>
-              <a:t>▾ admin/ </a:t>
-            </a:r>
-          </a:p>
-          <a:p>
-            <a:r>
-              <a:rPr lang="fr-FR" sz="2000" dirty="0" err="1"/>
-              <a:t>controllers.py</a:t>
-            </a:r>
-            <a:r>
-              <a:rPr lang="fr-FR" sz="2000" dirty="0"/>
-              <a:t> </a:t>
-            </a:r>
-          </a:p>
-          <a:p>
-            <a:r>
-              <a:rPr lang="fr-FR" sz="2000" dirty="0"/>
-              <a:t>__</a:t>
-            </a:r>
-            <a:r>
-              <a:rPr lang="fr-FR" sz="2000" dirty="0" err="1"/>
-              <a:t>init</a:t>
-            </a:r>
-            <a:r>
-              <a:rPr lang="fr-FR" sz="2000" dirty="0"/>
-              <a:t>__.</a:t>
-            </a:r>
-            <a:r>
-              <a:rPr lang="fr-FR" sz="2000" dirty="0" err="1"/>
-              <a:t>py</a:t>
-            </a:r>
-            <a:r>
-              <a:rPr lang="fr-FR" sz="2000" dirty="0"/>
-              <a:t> </a:t>
-            </a:r>
-          </a:p>
-          <a:p>
-            <a:r>
-              <a:rPr lang="fr-FR" sz="2000" dirty="0"/>
-              <a:t>▾ main/ </a:t>
-            </a:r>
-            <a:r>
-              <a:rPr lang="fr-FR" sz="2000" dirty="0" err="1"/>
-              <a:t>controllers.py</a:t>
-            </a:r>
-            <a:r>
-              <a:rPr lang="fr-FR" sz="2000" dirty="0"/>
-              <a:t> __</a:t>
-            </a:r>
-            <a:r>
-              <a:rPr lang="fr-FR" sz="2000" dirty="0" err="1"/>
-              <a:t>init</a:t>
-            </a:r>
-            <a:r>
-              <a:rPr lang="fr-FR" sz="2000" dirty="0"/>
-              <a:t>__.</a:t>
-            </a:r>
-            <a:r>
-              <a:rPr lang="fr-FR" sz="2000" dirty="0" err="1"/>
-              <a:t>py</a:t>
-            </a:r>
-            <a:r>
-              <a:rPr lang="fr-FR" sz="2000" dirty="0"/>
-              <a:t> </a:t>
-            </a:r>
-          </a:p>
-          <a:p>
-            <a:r>
-              <a:rPr lang="fr-FR" sz="2000" dirty="0"/>
-              <a:t>▾ docs/ </a:t>
-            </a:r>
-          </a:p>
-          <a:p>
-            <a:r>
-              <a:rPr lang="fr-FR" sz="2000" dirty="0"/>
-              <a:t>▾ tests/</a:t>
+              <a:rPr lang="fr-FR" sz="2000" dirty="0">
+                <a:latin typeface="JasmineUPC" panose="02020603050405020304" pitchFamily="18" charset="-34"/>
+                <a:cs typeface="JasmineUPC" panose="02020603050405020304" pitchFamily="18" charset="-34"/>
+              </a:rPr>
+              <a:t>Contient l’application elle-même.</a:t>
+            </a:r>
+          </a:p>
+          <a:p>
+            <a:endParaRPr lang="fr-FR" sz="2800" dirty="0"/>
+          </a:p>
+        </p:txBody>
+      </p:sp>
+      <p:sp>
+        <p:nvSpPr>
+          <p:cNvPr id="12" name="Rectangle 11">
+            <a:extLst>
+              <a:ext uri="{FF2B5EF4-FFF2-40B4-BE49-F238E27FC236}">
+                <a16:creationId xmlns:a16="http://schemas.microsoft.com/office/drawing/2014/main" id="{37CC0F94-E128-7B4A-835B-402589A7AA74}"/>
+              </a:ext>
+            </a:extLst>
+          </p:cNvPr>
+          <p:cNvSpPr/>
+          <p:nvPr/>
+        </p:nvSpPr>
+        <p:spPr>
+          <a:xfrm>
+            <a:off x="9593674" y="3841614"/>
+            <a:ext cx="1863011" cy="369332"/>
+          </a:xfrm>
+          <a:prstGeom prst="rect">
+            <a:avLst/>
+          </a:prstGeom>
+        </p:spPr>
+        <p:txBody>
+          <a:bodyPr wrap="none">
+            <a:spAutoFit/>
+          </a:bodyPr>
+          <a:lstStyle/>
+          <a:p>
+            <a:r>
+              <a:rPr lang="fr-FR" dirty="0">
+                <a:latin typeface="JasmineUPC" panose="02020603050405020304" pitchFamily="18" charset="-34"/>
+                <a:cs typeface="JasmineUPC" panose="02020603050405020304" pitchFamily="18" charset="-34"/>
+              </a:rPr>
+              <a:t>Contient les tests unitaires.</a:t>
+            </a:r>
+          </a:p>
+        </p:txBody>
+      </p:sp>
+      <p:sp>
+        <p:nvSpPr>
+          <p:cNvPr id="13" name="Rectangle 12">
+            <a:extLst>
+              <a:ext uri="{FF2B5EF4-FFF2-40B4-BE49-F238E27FC236}">
+                <a16:creationId xmlns:a16="http://schemas.microsoft.com/office/drawing/2014/main" id="{06EA4401-5E78-E248-84C2-B25EB306BD05}"/>
+              </a:ext>
+            </a:extLst>
+          </p:cNvPr>
+          <p:cNvSpPr/>
+          <p:nvPr/>
+        </p:nvSpPr>
+        <p:spPr>
+          <a:xfrm>
+            <a:off x="9593674" y="4265337"/>
+            <a:ext cx="2396557" cy="830997"/>
+          </a:xfrm>
+          <a:prstGeom prst="rect">
+            <a:avLst/>
+          </a:prstGeom>
+        </p:spPr>
+        <p:txBody>
+          <a:bodyPr wrap="square">
+            <a:spAutoFit/>
+          </a:bodyPr>
+          <a:lstStyle/>
+          <a:p>
+            <a:r>
+              <a:rPr lang="fr-FR" sz="1600" dirty="0">
+                <a:latin typeface="JasmineUPC" panose="02020603050405020304" pitchFamily="18" charset="-34"/>
+                <a:cs typeface="JasmineUPC" panose="02020603050405020304" pitchFamily="18" charset="-34"/>
+              </a:rPr>
+              <a:t>Contient une liste de commandes pour </a:t>
+            </a:r>
+            <a:r>
+              <a:rPr lang="fr-FR" sz="1600" dirty="0" err="1">
+                <a:latin typeface="JasmineUPC" panose="02020603050405020304" pitchFamily="18" charset="-34"/>
+                <a:cs typeface="JasmineUPC" panose="02020603050405020304" pitchFamily="18" charset="-34"/>
+              </a:rPr>
+              <a:t>pip</a:t>
+            </a:r>
+            <a:r>
+              <a:rPr lang="fr-FR" sz="1600" dirty="0">
+                <a:latin typeface="JasmineUPC" panose="02020603050405020304" pitchFamily="18" charset="-34"/>
+                <a:cs typeface="JasmineUPC" panose="02020603050405020304" pitchFamily="18" charset="-34"/>
+              </a:rPr>
+              <a:t> qui installe les versions requises des packages dépendants.</a:t>
+            </a:r>
+          </a:p>
+        </p:txBody>
+      </p:sp>
+      <p:sp>
+        <p:nvSpPr>
+          <p:cNvPr id="14" name="Rectangle 13">
+            <a:extLst>
+              <a:ext uri="{FF2B5EF4-FFF2-40B4-BE49-F238E27FC236}">
+                <a16:creationId xmlns:a16="http://schemas.microsoft.com/office/drawing/2014/main" id="{D9515405-F873-8241-8249-C98B0C60B909}"/>
+              </a:ext>
+            </a:extLst>
+          </p:cNvPr>
+          <p:cNvSpPr/>
+          <p:nvPr/>
+        </p:nvSpPr>
+        <p:spPr>
+          <a:xfrm>
+            <a:off x="9583480" y="5036884"/>
+            <a:ext cx="2598326" cy="584775"/>
+          </a:xfrm>
+          <a:prstGeom prst="rect">
+            <a:avLst/>
+          </a:prstGeom>
+        </p:spPr>
+        <p:txBody>
+          <a:bodyPr wrap="square">
+            <a:spAutoFit/>
+          </a:bodyPr>
+          <a:lstStyle/>
+          <a:p>
+            <a:r>
+              <a:rPr lang="fr-FR" sz="1600" dirty="0">
+                <a:latin typeface="JasmineUPC" panose="02020603050405020304" pitchFamily="18" charset="-34"/>
+                <a:cs typeface="JasmineUPC" panose="02020603050405020304" pitchFamily="18" charset="-34"/>
+              </a:rPr>
+              <a:t>utile pour spécifier les commandes qui sont exécutées par l'application au démarrage.</a:t>
+            </a:r>
+          </a:p>
+        </p:txBody>
+      </p:sp>
+      <p:sp>
+        <p:nvSpPr>
+          <p:cNvPr id="15" name="Rectangle 14">
+            <a:extLst>
+              <a:ext uri="{FF2B5EF4-FFF2-40B4-BE49-F238E27FC236}">
+                <a16:creationId xmlns:a16="http://schemas.microsoft.com/office/drawing/2014/main" id="{96B50686-F38C-D948-9336-2C40E249E041}"/>
+              </a:ext>
+            </a:extLst>
+          </p:cNvPr>
+          <p:cNvSpPr/>
+          <p:nvPr/>
+        </p:nvSpPr>
+        <p:spPr>
+          <a:xfrm>
+            <a:off x="9596222" y="5621659"/>
+            <a:ext cx="2598326" cy="584775"/>
+          </a:xfrm>
+          <a:prstGeom prst="rect">
+            <a:avLst/>
+          </a:prstGeom>
+        </p:spPr>
+        <p:txBody>
+          <a:bodyPr wrap="square">
+            <a:spAutoFit/>
+          </a:bodyPr>
+          <a:lstStyle/>
+          <a:p>
+            <a:r>
+              <a:rPr lang="fr-FR" sz="1600" dirty="0">
+                <a:latin typeface="JasmineUPC" panose="02020603050405020304" pitchFamily="18" charset="-34"/>
+                <a:cs typeface="JasmineUPC" panose="02020603050405020304" pitchFamily="18" charset="-34"/>
+              </a:rPr>
+              <a:t>un fichier contenant des informations sur d'autres fichiers du même dossier.</a:t>
+            </a:r>
+          </a:p>
+        </p:txBody>
+      </p:sp>
+      <p:sp>
+        <p:nvSpPr>
+          <p:cNvPr id="16" name="Rectangle 15">
+            <a:extLst>
+              <a:ext uri="{FF2B5EF4-FFF2-40B4-BE49-F238E27FC236}">
+                <a16:creationId xmlns:a16="http://schemas.microsoft.com/office/drawing/2014/main" id="{86EB1C1E-47A4-E94C-A8E2-40C78D583551}"/>
+              </a:ext>
+            </a:extLst>
+          </p:cNvPr>
+          <p:cNvSpPr/>
+          <p:nvPr/>
+        </p:nvSpPr>
+        <p:spPr>
+          <a:xfrm>
+            <a:off x="9606415" y="6139301"/>
+            <a:ext cx="2598326" cy="338554"/>
+          </a:xfrm>
+          <a:prstGeom prst="rect">
+            <a:avLst/>
+          </a:prstGeom>
+        </p:spPr>
+        <p:txBody>
+          <a:bodyPr wrap="square">
+            <a:spAutoFit/>
+          </a:bodyPr>
+          <a:lstStyle/>
+          <a:p>
+            <a:r>
+              <a:rPr lang="fr-FR" sz="1600" dirty="0">
+                <a:latin typeface="JasmineUPC" panose="02020603050405020304" pitchFamily="18" charset="-34"/>
+                <a:cs typeface="JasmineUPC" panose="02020603050405020304" pitchFamily="18" charset="-34"/>
+              </a:rPr>
+              <a:t>fichier de configuration.</a:t>
+            </a:r>
+          </a:p>
+        </p:txBody>
+      </p:sp>
+      <p:sp>
+        <p:nvSpPr>
+          <p:cNvPr id="17" name="Rectangle 16">
+            <a:extLst>
+              <a:ext uri="{FF2B5EF4-FFF2-40B4-BE49-F238E27FC236}">
+                <a16:creationId xmlns:a16="http://schemas.microsoft.com/office/drawing/2014/main" id="{A25D8149-778B-004F-BFAB-68D216C1A795}"/>
+              </a:ext>
+            </a:extLst>
+          </p:cNvPr>
+          <p:cNvSpPr/>
+          <p:nvPr/>
+        </p:nvSpPr>
+        <p:spPr>
+          <a:xfrm>
+            <a:off x="9593674" y="6362036"/>
+            <a:ext cx="2145267" cy="584775"/>
+          </a:xfrm>
+          <a:prstGeom prst="rect">
+            <a:avLst/>
+          </a:prstGeom>
+        </p:spPr>
+        <p:txBody>
+          <a:bodyPr wrap="square">
+            <a:spAutoFit/>
+          </a:bodyPr>
+          <a:lstStyle/>
+          <a:p>
+            <a:r>
+              <a:rPr lang="fr-FR" sz="1600" dirty="0">
+                <a:latin typeface="JasmineUPC" panose="02020603050405020304" pitchFamily="18" charset="-34"/>
+                <a:cs typeface="JasmineUPC" panose="02020603050405020304" pitchFamily="18" charset="-34"/>
+              </a:rPr>
+              <a:t>fichier utilisé pour exécuter l'application </a:t>
+            </a:r>
+            <a:r>
+              <a:rPr lang="fr-FR" sz="1600" dirty="0" err="1">
+                <a:latin typeface="JasmineUPC" panose="02020603050405020304" pitchFamily="18" charset="-34"/>
+                <a:cs typeface="JasmineUPC" panose="02020603050405020304" pitchFamily="18" charset="-34"/>
+              </a:rPr>
+              <a:t>Flask</a:t>
+            </a:r>
+            <a:r>
+              <a:rPr lang="fr-FR" sz="1600" dirty="0">
+                <a:latin typeface="JasmineUPC" panose="02020603050405020304" pitchFamily="18" charset="-34"/>
+                <a:cs typeface="JasmineUPC" panose="02020603050405020304" pitchFamily="18" charset="-34"/>
+              </a:rPr>
+              <a:t>.</a:t>
             </a:r>
           </a:p>
         </p:txBody>
@@ -8754,89 +10210,17 @@
 </p:sld>
 </file>
 
-<file path=ppt/slides/slide6.xml><?xml version="1.0" encoding="utf-8"?>
+<file path=ppt/slides/slide5.xml><?xml version="1.0" encoding="utf-8"?>
 <p:sld xmlns:a="http://schemas.openxmlformats.org/drawingml/2006/main" xmlns:r="http://schemas.openxmlformats.org/officeDocument/2006/relationships" xmlns:p="http://schemas.openxmlformats.org/presentationml/2006/main">
   <p:cSld>
-    <p:spTree>
-      <p:nvGrpSpPr>
-        <p:cNvPr id="1" name=""/>
-        <p:cNvGrpSpPr/>
-        <p:nvPr/>
-      </p:nvGrpSpPr>
-      <p:grpSpPr>
-        <a:xfrm>
-          <a:off x="0" y="0"/>
-          <a:ext cx="0" cy="0"/>
-          <a:chOff x="0" y="0"/>
-          <a:chExt cx="0" cy="0"/>
-        </a:xfrm>
-      </p:grpSpPr>
-      <p:sp>
-        <p:nvSpPr>
-          <p:cNvPr id="2" name="Titre 1">
-            <a:extLst>
-              <a:ext uri="{FF2B5EF4-FFF2-40B4-BE49-F238E27FC236}">
-                <a16:creationId xmlns:a16="http://schemas.microsoft.com/office/drawing/2014/main" id="{91615E33-11D4-1A47-9932-770599BB3858}"/>
-              </a:ext>
-            </a:extLst>
-          </p:cNvPr>
-          <p:cNvSpPr>
-            <a:spLocks noGrp="1"/>
-          </p:cNvSpPr>
-          <p:nvPr>
-            <p:ph type="title"/>
-          </p:nvPr>
-        </p:nvSpPr>
-        <p:spPr/>
-        <p:txBody>
-          <a:bodyPr/>
-          <a:lstStyle/>
-          <a:p>
-            <a:endParaRPr lang="fr-FR"/>
-          </a:p>
-        </p:txBody>
-      </p:sp>
-      <p:sp>
-        <p:nvSpPr>
-          <p:cNvPr id="3" name="Espace réservé du contenu 2">
-            <a:extLst>
-              <a:ext uri="{FF2B5EF4-FFF2-40B4-BE49-F238E27FC236}">
-                <a16:creationId xmlns:a16="http://schemas.microsoft.com/office/drawing/2014/main" id="{878EC987-267A-0444-BB6E-C0CD81D24C58}"/>
-              </a:ext>
-            </a:extLst>
-          </p:cNvPr>
-          <p:cNvSpPr>
-            <a:spLocks noGrp="1"/>
-          </p:cNvSpPr>
-          <p:nvPr>
-            <p:ph idx="1"/>
-          </p:nvPr>
-        </p:nvSpPr>
-        <p:spPr/>
-        <p:txBody>
-          <a:bodyPr/>
-          <a:lstStyle/>
-          <a:p>
-            <a:endParaRPr lang="fr-FR"/>
-          </a:p>
-        </p:txBody>
-      </p:sp>
-    </p:spTree>
-    <p:extLst>
-      <p:ext uri="{BB962C8B-B14F-4D97-AF65-F5344CB8AC3E}">
-        <p14:creationId xmlns:p14="http://schemas.microsoft.com/office/powerpoint/2010/main" val="2530240916"/>
-      </p:ext>
-    </p:extLst>
-  </p:cSld>
-  <p:clrMapOvr>
-    <a:masterClrMapping/>
-  </p:clrMapOvr>
-</p:sld>
-</file>
-
-<file path=ppt/slides/slide7.xml><?xml version="1.0" encoding="utf-8"?>
-<p:sld xmlns:a="http://schemas.openxmlformats.org/drawingml/2006/main" xmlns:r="http://schemas.openxmlformats.org/officeDocument/2006/relationships" xmlns:p="http://schemas.openxmlformats.org/presentationml/2006/main">
-  <p:cSld>
+    <p:bg>
+      <p:bgPr>
+        <a:solidFill>
+          <a:srgbClr val="00B0F0"/>
+        </a:solidFill>
+        <a:effectLst/>
+      </p:bgPr>
+    </p:bg>
     <p:spTree>
       <p:nvGrpSpPr>
         <p:cNvPr id="1" name=""/>
@@ -8867,7 +10251,12 @@
             <p:ph type="title"/>
           </p:nvPr>
         </p:nvSpPr>
-        <p:spPr/>
+        <p:spPr>
+          <a:xfrm>
+            <a:off x="838200" y="53817"/>
+            <a:ext cx="10515600" cy="1325563"/>
+          </a:xfrm>
+        </p:spPr>
         <p:txBody>
           <a:bodyPr/>
           <a:lstStyle/>
@@ -8875,12 +10264,19 @@
             <a:pPr algn="ctr"/>
             <a:r>
               <a:rPr lang="fr-FR" dirty="0">
+                <a:solidFill>
+                  <a:schemeClr val="bg1"/>
+                </a:solidFill>
                 <a:latin typeface="JasmineUPC" panose="02020603050405020304" pitchFamily="18" charset="-34"/>
                 <a:cs typeface="JasmineUPC" panose="02020603050405020304" pitchFamily="18" charset="-34"/>
               </a:rPr>
               <a:t>III. Approche choisie</a:t>
             </a:r>
-            <a:endParaRPr lang="fr-FR" dirty="0"/>
+            <a:endParaRPr lang="fr-FR" dirty="0">
+              <a:solidFill>
+                <a:schemeClr val="bg1"/>
+              </a:solidFill>
+            </a:endParaRPr>
           </a:p>
         </p:txBody>
       </p:sp>
@@ -8900,12 +10296,348 @@
             <p:ph idx="1"/>
           </p:nvPr>
         </p:nvSpPr>
-        <p:spPr/>
+        <p:spPr>
+          <a:xfrm>
+            <a:off x="169333" y="1349106"/>
+            <a:ext cx="11904134" cy="5455077"/>
+          </a:xfrm>
+        </p:spPr>
         <p:txBody>
-          <a:bodyPr/>
+          <a:bodyPr>
+            <a:noAutofit/>
+          </a:bodyPr>
           <a:lstStyle/>
           <a:p>
-            <a:endParaRPr lang="fr-FR"/>
+            <a:pPr algn="just">
+              <a:buFont typeface="Wingdings" pitchFamily="2" charset="2"/>
+              <a:buChar char="Ø"/>
+            </a:pPr>
+            <a:r>
+              <a:rPr lang="fr-FR" sz="3200" dirty="0">
+                <a:solidFill>
+                  <a:schemeClr val="bg1"/>
+                </a:solidFill>
+                <a:latin typeface="JasmineUPC" panose="02020603050405020304" pitchFamily="18" charset="-34"/>
+                <a:cs typeface="JasmineUPC" panose="02020603050405020304" pitchFamily="18" charset="-34"/>
+              </a:rPr>
+              <a:t>Doc </a:t>
+            </a:r>
+            <a:r>
+              <a:rPr lang="fr-FR" sz="3200" dirty="0" err="1">
+                <a:solidFill>
+                  <a:schemeClr val="bg1"/>
+                </a:solidFill>
+                <a:latin typeface="JasmineUPC" panose="02020603050405020304" pitchFamily="18" charset="-34"/>
+                <a:cs typeface="JasmineUPC" panose="02020603050405020304" pitchFamily="18" charset="-34"/>
+              </a:rPr>
+              <a:t>Driven</a:t>
+            </a:r>
+            <a:r>
+              <a:rPr lang="fr-FR" sz="3200" dirty="0">
+                <a:solidFill>
+                  <a:schemeClr val="bg1"/>
+                </a:solidFill>
+                <a:latin typeface="JasmineUPC" panose="02020603050405020304" pitchFamily="18" charset="-34"/>
+                <a:cs typeface="JasmineUPC" panose="02020603050405020304" pitchFamily="18" charset="-34"/>
+              </a:rPr>
+              <a:t> </a:t>
+            </a:r>
+            <a:r>
+              <a:rPr lang="fr-FR" sz="3200" dirty="0" err="1">
+                <a:solidFill>
+                  <a:schemeClr val="bg1"/>
+                </a:solidFill>
+                <a:latin typeface="JasmineUPC" panose="02020603050405020304" pitchFamily="18" charset="-34"/>
+                <a:cs typeface="JasmineUPC" panose="02020603050405020304" pitchFamily="18" charset="-34"/>
+              </a:rPr>
+              <a:t>Development</a:t>
+            </a:r>
+            <a:r>
+              <a:rPr lang="fr-FR" sz="3200" dirty="0">
+                <a:solidFill>
+                  <a:schemeClr val="bg1"/>
+                </a:solidFill>
+                <a:latin typeface="JasmineUPC" panose="02020603050405020304" pitchFamily="18" charset="-34"/>
+                <a:cs typeface="JasmineUPC" panose="02020603050405020304" pitchFamily="18" charset="-34"/>
+              </a:rPr>
+              <a:t> : déterminer respectivement la liste des fonctionnalités à fournir, rédiger la documentation complète, rédiger le code, vérifier si la documentation est bien respectée et enfin itérer.</a:t>
+            </a:r>
+          </a:p>
+          <a:p>
+            <a:pPr algn="just">
+              <a:buFont typeface="Wingdings" pitchFamily="2" charset="2"/>
+              <a:buChar char="Ø"/>
+            </a:pPr>
+            <a:r>
+              <a:rPr lang="fr-FR" sz="3200" dirty="0">
+                <a:solidFill>
+                  <a:schemeClr val="bg1"/>
+                </a:solidFill>
+                <a:latin typeface="JasmineUPC" panose="02020603050405020304" pitchFamily="18" charset="-34"/>
+                <a:cs typeface="JasmineUPC" panose="02020603050405020304" pitchFamily="18" charset="-34"/>
+              </a:rPr>
+              <a:t>Ecriture des étapes à suivre que je pensais pouvoir faire pour ce projet. Création d’un tableau </a:t>
+            </a:r>
+            <a:r>
+              <a:rPr lang="fr-FR" sz="3200" dirty="0" err="1">
+                <a:solidFill>
+                  <a:schemeClr val="bg1"/>
+                </a:solidFill>
+                <a:latin typeface="JasmineUPC" panose="02020603050405020304" pitchFamily="18" charset="-34"/>
+                <a:cs typeface="JasmineUPC" panose="02020603050405020304" pitchFamily="18" charset="-34"/>
+              </a:rPr>
+              <a:t>Trello</a:t>
+            </a:r>
+            <a:r>
+              <a:rPr lang="fr-FR" sz="3200" dirty="0">
+                <a:solidFill>
+                  <a:schemeClr val="bg1"/>
+                </a:solidFill>
+                <a:latin typeface="JasmineUPC" panose="02020603050405020304" pitchFamily="18" charset="-34"/>
+                <a:cs typeface="JasmineUPC" panose="02020603050405020304" pitchFamily="18" charset="-34"/>
+              </a:rPr>
+              <a:t>, disponible à ce lien: </a:t>
+            </a:r>
+            <a:r>
+              <a:rPr lang="fr-FR" sz="3200" dirty="0">
+                <a:solidFill>
+                  <a:schemeClr val="bg1"/>
+                </a:solidFill>
+                <a:latin typeface="JasmineUPC" panose="02020603050405020304" pitchFamily="18" charset="-34"/>
+                <a:cs typeface="JasmineUPC" panose="02020603050405020304" pitchFamily="18" charset="-34"/>
+                <a:hlinkClick r:id="rId2">
+                  <a:extLst>
+                    <a:ext uri="{A12FA001-AC4F-418D-AE19-62706E023703}">
+                      <ahyp:hlinkClr xmlns:ahyp="http://schemas.microsoft.com/office/drawing/2018/hyperlinkcolor" val="tx"/>
+                    </a:ext>
+                  </a:extLst>
+                </a:hlinkClick>
+              </a:rPr>
+              <a:t>https://trello.com/b/bpszZ58s/grandpy-bot</a:t>
+            </a:r>
+            <a:r>
+              <a:rPr lang="fr-FR" sz="3200" dirty="0">
+                <a:solidFill>
+                  <a:schemeClr val="bg1"/>
+                </a:solidFill>
+                <a:latin typeface="JasmineUPC" panose="02020603050405020304" pitchFamily="18" charset="-34"/>
+                <a:cs typeface="JasmineUPC" panose="02020603050405020304" pitchFamily="18" charset="-34"/>
+              </a:rPr>
+              <a:t>. Division du programme en user stories et en tâches, mais non utilisation de deadlines.</a:t>
+            </a:r>
+          </a:p>
+          <a:p>
+            <a:pPr algn="just">
+              <a:buFont typeface="Wingdings" pitchFamily="2" charset="2"/>
+              <a:buChar char="Ø"/>
+            </a:pPr>
+            <a:r>
+              <a:rPr lang="fr-FR" sz="3200" dirty="0">
+                <a:solidFill>
+                  <a:schemeClr val="bg1"/>
+                </a:solidFill>
+                <a:latin typeface="JasmineUPC" panose="02020603050405020304" pitchFamily="18" charset="-34"/>
+                <a:cs typeface="JasmineUPC" panose="02020603050405020304" pitchFamily="18" charset="-34"/>
+              </a:rPr>
+              <a:t>Initialisation d’un </a:t>
+            </a:r>
+            <a:r>
+              <a:rPr lang="fr-FR" sz="3200" dirty="0" err="1">
+                <a:solidFill>
+                  <a:schemeClr val="bg1"/>
+                </a:solidFill>
+                <a:latin typeface="JasmineUPC" panose="02020603050405020304" pitchFamily="18" charset="-34"/>
+                <a:cs typeface="JasmineUPC" panose="02020603050405020304" pitchFamily="18" charset="-34"/>
+              </a:rPr>
+              <a:t>repository</a:t>
+            </a:r>
+            <a:r>
+              <a:rPr lang="fr-FR" sz="3200" dirty="0">
+                <a:solidFill>
+                  <a:schemeClr val="bg1"/>
+                </a:solidFill>
+                <a:latin typeface="JasmineUPC" panose="02020603050405020304" pitchFamily="18" charset="-34"/>
+                <a:cs typeface="JasmineUPC" panose="02020603050405020304" pitchFamily="18" charset="-34"/>
+              </a:rPr>
+              <a:t> </a:t>
+            </a:r>
+            <a:r>
+              <a:rPr lang="fr-FR" sz="3200" dirty="0" err="1">
+                <a:solidFill>
+                  <a:schemeClr val="bg1"/>
+                </a:solidFill>
+                <a:latin typeface="JasmineUPC" panose="02020603050405020304" pitchFamily="18" charset="-34"/>
+                <a:cs typeface="JasmineUPC" panose="02020603050405020304" pitchFamily="18" charset="-34"/>
+              </a:rPr>
+              <a:t>Github</a:t>
+            </a:r>
+            <a:r>
+              <a:rPr lang="fr-FR" sz="3200" dirty="0">
+                <a:solidFill>
+                  <a:schemeClr val="bg1"/>
+                </a:solidFill>
+                <a:latin typeface="JasmineUPC" panose="02020603050405020304" pitchFamily="18" charset="-34"/>
+                <a:cs typeface="JasmineUPC" panose="02020603050405020304" pitchFamily="18" charset="-34"/>
+              </a:rPr>
+              <a:t> et push. </a:t>
+            </a:r>
+          </a:p>
+          <a:p>
+            <a:pPr algn="just">
+              <a:buFont typeface="Wingdings" pitchFamily="2" charset="2"/>
+              <a:buChar char="Ø"/>
+            </a:pPr>
+            <a:r>
+              <a:rPr lang="fr-FR" sz="3200" dirty="0">
+                <a:solidFill>
+                  <a:schemeClr val="bg1"/>
+                </a:solidFill>
+                <a:latin typeface="JasmineUPC" panose="02020603050405020304" pitchFamily="18" charset="-34"/>
+                <a:cs typeface="JasmineUPC" panose="02020603050405020304" pitchFamily="18" charset="-34"/>
+              </a:rPr>
+              <a:t>Lecture des cours sur </a:t>
+            </a:r>
+            <a:r>
+              <a:rPr lang="fr-FR" sz="3200" dirty="0" err="1">
+                <a:solidFill>
+                  <a:schemeClr val="bg1"/>
+                </a:solidFill>
+                <a:latin typeface="JasmineUPC" panose="02020603050405020304" pitchFamily="18" charset="-34"/>
+                <a:cs typeface="JasmineUPC" panose="02020603050405020304" pitchFamily="18" charset="-34"/>
+              </a:rPr>
+              <a:t>Flask</a:t>
+            </a:r>
+            <a:r>
+              <a:rPr lang="fr-FR" sz="3200" dirty="0">
+                <a:solidFill>
+                  <a:schemeClr val="bg1"/>
+                </a:solidFill>
+                <a:latin typeface="JasmineUPC" panose="02020603050405020304" pitchFamily="18" charset="-34"/>
+                <a:cs typeface="JasmineUPC" panose="02020603050405020304" pitchFamily="18" charset="-34"/>
+              </a:rPr>
+              <a:t> (</a:t>
+            </a:r>
+            <a:r>
+              <a:rPr lang="fr-FR" sz="3200" dirty="0" err="1">
+                <a:solidFill>
+                  <a:schemeClr val="bg1"/>
+                </a:solidFill>
+                <a:latin typeface="JasmineUPC" panose="02020603050405020304" pitchFamily="18" charset="-34"/>
+                <a:cs typeface="JasmineUPC" panose="02020603050405020304" pitchFamily="18" charset="-34"/>
+              </a:rPr>
+              <a:t>OpenClassrooms</a:t>
+            </a:r>
+            <a:r>
+              <a:rPr lang="fr-FR" sz="3200" dirty="0">
+                <a:solidFill>
+                  <a:schemeClr val="bg1"/>
+                </a:solidFill>
+                <a:latin typeface="JasmineUPC" panose="02020603050405020304" pitchFamily="18" charset="-34"/>
+                <a:cs typeface="JasmineUPC" panose="02020603050405020304" pitchFamily="18" charset="-34"/>
+              </a:rPr>
+              <a:t>), sur l’utilisation d’AJAX sur </a:t>
+            </a:r>
+            <a:r>
+              <a:rPr lang="fr-FR" sz="3200" dirty="0" err="1">
+                <a:solidFill>
+                  <a:schemeClr val="bg1"/>
+                </a:solidFill>
+                <a:latin typeface="JasmineUPC" panose="02020603050405020304" pitchFamily="18" charset="-34"/>
+                <a:cs typeface="JasmineUPC" panose="02020603050405020304" pitchFamily="18" charset="-34"/>
+              </a:rPr>
+              <a:t>codehandbook</a:t>
+            </a:r>
+            <a:r>
+              <a:rPr lang="fr-FR" sz="3200" dirty="0">
+                <a:solidFill>
+                  <a:schemeClr val="bg1"/>
+                </a:solidFill>
+                <a:latin typeface="JasmineUPC" panose="02020603050405020304" pitchFamily="18" charset="-34"/>
+                <a:cs typeface="JasmineUPC" panose="02020603050405020304" pitchFamily="18" charset="-34"/>
+              </a:rPr>
+              <a:t>.</a:t>
+            </a:r>
+          </a:p>
+          <a:p>
+            <a:pPr algn="just">
+              <a:buFont typeface="Wingdings" pitchFamily="2" charset="2"/>
+              <a:buChar char="Ø"/>
+            </a:pPr>
+            <a:r>
+              <a:rPr lang="fr-FR" sz="3200" dirty="0">
+                <a:solidFill>
+                  <a:schemeClr val="bg1"/>
+                </a:solidFill>
+                <a:latin typeface="JasmineUPC" panose="02020603050405020304" pitchFamily="18" charset="-34"/>
+                <a:cs typeface="JasmineUPC" panose="02020603050405020304" pitchFamily="18" charset="-34"/>
+              </a:rPr>
+              <a:t>Conception du front-end via </a:t>
+            </a:r>
+            <a:r>
+              <a:rPr lang="fr-FR" sz="3200" dirty="0" err="1">
+                <a:solidFill>
+                  <a:schemeClr val="bg1"/>
+                </a:solidFill>
+                <a:latin typeface="JasmineUPC" panose="02020603050405020304" pitchFamily="18" charset="-34"/>
+                <a:cs typeface="JasmineUPC" panose="02020603050405020304" pitchFamily="18" charset="-34"/>
+              </a:rPr>
+              <a:t>Bootstrap</a:t>
+            </a:r>
+            <a:r>
+              <a:rPr lang="fr-FR" sz="3200" dirty="0">
+                <a:solidFill>
+                  <a:schemeClr val="bg1"/>
+                </a:solidFill>
+                <a:latin typeface="JasmineUPC" panose="02020603050405020304" pitchFamily="18" charset="-34"/>
+                <a:cs typeface="JasmineUPC" panose="02020603050405020304" pitchFamily="18" charset="-34"/>
+              </a:rPr>
+              <a:t>. Cette conception est relativement rapide à créer: un en-tête avec un logo et des slogans, un </a:t>
+            </a:r>
+            <a:r>
+              <a:rPr lang="fr-FR" sz="3200" dirty="0" err="1">
+                <a:solidFill>
+                  <a:schemeClr val="bg1"/>
+                </a:solidFill>
+                <a:latin typeface="JasmineUPC" panose="02020603050405020304" pitchFamily="18" charset="-34"/>
+                <a:cs typeface="JasmineUPC" panose="02020603050405020304" pitchFamily="18" charset="-34"/>
+              </a:rPr>
+              <a:t>footer</a:t>
+            </a:r>
+            <a:r>
+              <a:rPr lang="fr-FR" sz="3200" dirty="0">
+                <a:solidFill>
+                  <a:schemeClr val="bg1"/>
+                </a:solidFill>
+                <a:latin typeface="JasmineUPC" panose="02020603050405020304" pitchFamily="18" charset="-34"/>
+                <a:cs typeface="JasmineUPC" panose="02020603050405020304" pitchFamily="18" charset="-34"/>
+              </a:rPr>
+              <a:t> avec mon prénom et nom de famille, ainsi qu'un lien vers mes profils </a:t>
+            </a:r>
+            <a:r>
+              <a:rPr lang="fr-FR" sz="3200" dirty="0" err="1">
+                <a:solidFill>
+                  <a:schemeClr val="bg1"/>
+                </a:solidFill>
+                <a:latin typeface="JasmineUPC" panose="02020603050405020304" pitchFamily="18" charset="-34"/>
+                <a:cs typeface="JasmineUPC" panose="02020603050405020304" pitchFamily="18" charset="-34"/>
+              </a:rPr>
+              <a:t>Github</a:t>
+            </a:r>
+            <a:r>
+              <a:rPr lang="fr-FR" sz="3200" dirty="0">
+                <a:solidFill>
+                  <a:schemeClr val="bg1"/>
+                </a:solidFill>
+                <a:latin typeface="JasmineUPC" panose="02020603050405020304" pitchFamily="18" charset="-34"/>
+                <a:cs typeface="JasmineUPC" panose="02020603050405020304" pitchFamily="18" charset="-34"/>
+              </a:rPr>
+              <a:t> et Twitter. La zone centrale est composée d'une zone vide (utilisée pour afficher la boîte de dialogue) et d'un champ de formulaire permettant d'envoyer une question. Responsive design.</a:t>
+            </a:r>
+            <a:endParaRPr lang="fr-FR" sz="3200" dirty="0">
+              <a:solidFill>
+                <a:schemeClr val="bg1"/>
+              </a:solidFill>
+            </a:endParaRPr>
           </a:p>
         </p:txBody>
       </p:sp>
@@ -8922,9 +10654,17 @@
 </p:sld>
 </file>
 
-<file path=ppt/slides/slide8.xml><?xml version="1.0" encoding="utf-8"?>
+<file path=ppt/slides/slide6.xml><?xml version="1.0" encoding="utf-8"?>
 <p:sld xmlns:a="http://schemas.openxmlformats.org/drawingml/2006/main" xmlns:r="http://schemas.openxmlformats.org/officeDocument/2006/relationships" xmlns:p="http://schemas.openxmlformats.org/presentationml/2006/main">
   <p:cSld>
+    <p:bg>
+      <p:bgPr>
+        <a:solidFill>
+          <a:srgbClr val="00B0F0"/>
+        </a:solidFill>
+        <a:effectLst/>
+      </p:bgPr>
+    </p:bg>
     <p:spTree>
       <p:nvGrpSpPr>
         <p:cNvPr id="1" name=""/>
@@ -8941,31 +10681,6 @@
       </p:grpSpPr>
       <p:sp>
         <p:nvSpPr>
-          <p:cNvPr id="2" name="Titre 1">
-            <a:extLst>
-              <a:ext uri="{FF2B5EF4-FFF2-40B4-BE49-F238E27FC236}">
-                <a16:creationId xmlns:a16="http://schemas.microsoft.com/office/drawing/2014/main" id="{3E4BF6CB-CBBD-4941-AAB0-F1C15A04FA39}"/>
-              </a:ext>
-            </a:extLst>
-          </p:cNvPr>
-          <p:cNvSpPr>
-            <a:spLocks noGrp="1"/>
-          </p:cNvSpPr>
-          <p:nvPr>
-            <p:ph type="title"/>
-          </p:nvPr>
-        </p:nvSpPr>
-        <p:spPr/>
-        <p:txBody>
-          <a:bodyPr/>
-          <a:lstStyle/>
-          <a:p>
-            <a:endParaRPr lang="fr-FR"/>
-          </a:p>
-        </p:txBody>
-      </p:sp>
-      <p:sp>
-        <p:nvSpPr>
           <p:cNvPr id="3" name="Espace réservé du contenu 2">
             <a:extLst>
               <a:ext uri="{FF2B5EF4-FFF2-40B4-BE49-F238E27FC236}">
@@ -8980,12 +10695,144 @@
             <p:ph idx="1"/>
           </p:nvPr>
         </p:nvSpPr>
-        <p:spPr/>
+        <p:spPr>
+          <a:xfrm>
+            <a:off x="838200" y="643731"/>
+            <a:ext cx="10515600" cy="5570802"/>
+          </a:xfrm>
+        </p:spPr>
         <p:txBody>
-          <a:bodyPr/>
+          <a:bodyPr>
+            <a:noAutofit/>
+          </a:bodyPr>
           <a:lstStyle/>
           <a:p>
-            <a:endParaRPr lang="fr-FR"/>
+            <a:pPr algn="just">
+              <a:buFont typeface="Wingdings" pitchFamily="2" charset="2"/>
+              <a:buChar char="Ø"/>
+            </a:pPr>
+            <a:r>
+              <a:rPr lang="fr-FR" sz="3600" dirty="0">
+                <a:solidFill>
+                  <a:schemeClr val="bg1"/>
+                </a:solidFill>
+                <a:latin typeface="JasmineUPC" panose="02020603050405020304" pitchFamily="18" charset="-34"/>
+                <a:cs typeface="JasmineUPC" panose="02020603050405020304" pitchFamily="18" charset="-34"/>
+              </a:rPr>
+              <a:t>Conception du back-end en testant séparément les performances des deux API (Google </a:t>
+            </a:r>
+            <a:r>
+              <a:rPr lang="fr-FR" sz="3600" dirty="0" err="1">
+                <a:solidFill>
+                  <a:schemeClr val="bg1"/>
+                </a:solidFill>
+                <a:latin typeface="JasmineUPC" panose="02020603050405020304" pitchFamily="18" charset="-34"/>
+                <a:cs typeface="JasmineUPC" panose="02020603050405020304" pitchFamily="18" charset="-34"/>
+              </a:rPr>
+              <a:t>Maps</a:t>
+            </a:r>
+            <a:r>
+              <a:rPr lang="fr-FR" sz="3600" dirty="0">
+                <a:solidFill>
+                  <a:schemeClr val="bg1"/>
+                </a:solidFill>
+                <a:latin typeface="JasmineUPC" panose="02020603050405020304" pitchFamily="18" charset="-34"/>
+                <a:cs typeface="JasmineUPC" panose="02020603050405020304" pitchFamily="18" charset="-34"/>
+              </a:rPr>
+              <a:t> et Media wiki). Si l'utilisation de media wiki ne pose pas de problème, l'API Google </a:t>
+            </a:r>
+            <a:r>
+              <a:rPr lang="fr-FR" sz="3600" dirty="0" err="1">
+                <a:solidFill>
+                  <a:schemeClr val="bg1"/>
+                </a:solidFill>
+                <a:latin typeface="JasmineUPC" panose="02020603050405020304" pitchFamily="18" charset="-34"/>
+                <a:cs typeface="JasmineUPC" panose="02020603050405020304" pitchFamily="18" charset="-34"/>
+              </a:rPr>
+              <a:t>Maps</a:t>
+            </a:r>
+            <a:r>
+              <a:rPr lang="fr-FR" sz="3600" dirty="0">
+                <a:solidFill>
+                  <a:schemeClr val="bg1"/>
+                </a:solidFill>
+                <a:latin typeface="JasmineUPC" panose="02020603050405020304" pitchFamily="18" charset="-34"/>
+                <a:cs typeface="JasmineUPC" panose="02020603050405020304" pitchFamily="18" charset="-34"/>
+              </a:rPr>
+              <a:t> est plus compliquée à prendre en main. Ensuite, il a été nécessaire de créer un algorithme capable de sauvegarder les mots utiles et de supprimer ceux qui étaient inutiles.</a:t>
+            </a:r>
+          </a:p>
+          <a:p>
+            <a:pPr algn="just">
+              <a:buFont typeface="Wingdings" pitchFamily="2" charset="2"/>
+              <a:buChar char="Ø"/>
+            </a:pPr>
+            <a:r>
+              <a:rPr lang="fr-FR" sz="3600" dirty="0">
+                <a:solidFill>
+                  <a:schemeClr val="bg1"/>
+                </a:solidFill>
+                <a:latin typeface="JasmineUPC" panose="02020603050405020304" pitchFamily="18" charset="-34"/>
+                <a:cs typeface="JasmineUPC" panose="02020603050405020304" pitchFamily="18" charset="-34"/>
+              </a:rPr>
+              <a:t>Ensuite, j'ai dû tester ce parseur. J'ai donc choisi d'utiliser </a:t>
+            </a:r>
+            <a:r>
+              <a:rPr lang="fr-FR" sz="3600" dirty="0" err="1">
+                <a:solidFill>
+                  <a:schemeClr val="bg1"/>
+                </a:solidFill>
+                <a:latin typeface="JasmineUPC" panose="02020603050405020304" pitchFamily="18" charset="-34"/>
+                <a:cs typeface="JasmineUPC" panose="02020603050405020304" pitchFamily="18" charset="-34"/>
+              </a:rPr>
+              <a:t>Unittest</a:t>
+            </a:r>
+            <a:r>
+              <a:rPr lang="fr-FR" sz="3600" dirty="0">
+                <a:solidFill>
+                  <a:schemeClr val="bg1"/>
+                </a:solidFill>
+                <a:latin typeface="JasmineUPC" panose="02020603050405020304" pitchFamily="18" charset="-34"/>
+                <a:cs typeface="JasmineUPC" panose="02020603050405020304" pitchFamily="18" charset="-34"/>
+              </a:rPr>
+              <a:t> pour mon projet. C'est un outil de la bibliothèque standard Python. Une fois les tests passés au vert, j'ai déployé mon site Web sur </a:t>
+            </a:r>
+            <a:r>
+              <a:rPr lang="fr-FR" sz="3600" dirty="0" err="1">
+                <a:solidFill>
+                  <a:schemeClr val="bg1"/>
+                </a:solidFill>
+                <a:latin typeface="JasmineUPC" panose="02020603050405020304" pitchFamily="18" charset="-34"/>
+                <a:cs typeface="JasmineUPC" panose="02020603050405020304" pitchFamily="18" charset="-34"/>
+              </a:rPr>
+              <a:t>Heroku</a:t>
+            </a:r>
+            <a:r>
+              <a:rPr lang="fr-FR" sz="3600" dirty="0">
+                <a:solidFill>
+                  <a:schemeClr val="bg1"/>
+                </a:solidFill>
+                <a:latin typeface="JasmineUPC" panose="02020603050405020304" pitchFamily="18" charset="-34"/>
+                <a:cs typeface="JasmineUPC" panose="02020603050405020304" pitchFamily="18" charset="-34"/>
+              </a:rPr>
+              <a:t>, mais j’ai du prendre en considération un problème lié aux logs.</a:t>
+            </a:r>
+          </a:p>
+          <a:p>
+            <a:pPr algn="just">
+              <a:buFont typeface="Wingdings" pitchFamily="2" charset="2"/>
+              <a:buChar char="Ø"/>
+            </a:pPr>
+            <a:r>
+              <a:rPr lang="fr-FR" sz="3600" dirty="0">
+                <a:solidFill>
+                  <a:schemeClr val="bg1"/>
+                </a:solidFill>
+                <a:latin typeface="JasmineUPC" panose="02020603050405020304" pitchFamily="18" charset="-34"/>
+                <a:cs typeface="JasmineUPC" panose="02020603050405020304" pitchFamily="18" charset="-34"/>
+              </a:rPr>
+              <a:t>J'ai finalement réussi à mettre en ligne une application fonctionnelle.</a:t>
+            </a:r>
           </a:p>
         </p:txBody>
       </p:sp>
@@ -9002,9 +10849,17 @@
 </p:sld>
 </file>
 
-<file path=ppt/slides/slide9.xml><?xml version="1.0" encoding="utf-8"?>
+<file path=ppt/slides/slide7.xml><?xml version="1.0" encoding="utf-8"?>
 <p:sld xmlns:a="http://schemas.openxmlformats.org/drawingml/2006/main" xmlns:r="http://schemas.openxmlformats.org/officeDocument/2006/relationships" xmlns:p="http://schemas.openxmlformats.org/presentationml/2006/main">
   <p:cSld>
+    <p:bg>
+      <p:bgPr>
+        <a:solidFill>
+          <a:schemeClr val="bg1"/>
+        </a:solidFill>
+        <a:effectLst/>
+      </p:bgPr>
+    </p:bg>
     <p:spTree>
       <p:nvGrpSpPr>
         <p:cNvPr id="1" name=""/>
@@ -9021,6 +10876,137 @@
       </p:grpSpPr>
       <p:sp>
         <p:nvSpPr>
+          <p:cNvPr id="9" name="Rectangle 8">
+            <a:extLst>
+              <a:ext uri="{FF2B5EF4-FFF2-40B4-BE49-F238E27FC236}">
+                <a16:creationId xmlns:a16="http://schemas.microsoft.com/office/drawing/2014/main" id="{F56F5174-31D9-4DBB-AAB7-A1FD7BDB1352}"/>
+              </a:ext>
+              <a:ext uri="{C183D7F6-B498-43B3-948B-1728B52AA6E4}">
+                <adec:decorative xmlns:adec="http://schemas.microsoft.com/office/drawing/2017/decorative" val="1"/>
+              </a:ext>
+            </a:extLst>
+          </p:cNvPr>
+          <p:cNvSpPr>
+            <a:spLocks noGrp="1" noRot="1" noChangeAspect="1" noMove="1" noResize="1" noEditPoints="1" noAdjustHandles="1" noChangeArrowheads="1" noChangeShapeType="1" noTextEdit="1"/>
+          </p:cNvSpPr>
+          <p:nvPr>
+            <p:extLst>
+              <p:ext uri="{386F3935-93C4-4BCD-93E2-E3B085C9AB24}">
+                <p16:designElem xmlns:p16="http://schemas.microsoft.com/office/powerpoint/2015/main" val="1"/>
+              </p:ext>
+            </p:extLst>
+          </p:nvPr>
+        </p:nvSpPr>
+        <p:spPr>
+          <a:xfrm>
+            <a:off x="1" y="0"/>
+            <a:ext cx="5614875" cy="6858000"/>
+          </a:xfrm>
+          <a:prstGeom prst="rect">
+            <a:avLst/>
+          </a:prstGeom>
+          <a:gradFill>
+            <a:gsLst>
+              <a:gs pos="0">
+                <a:schemeClr val="accent1">
+                  <a:lumMod val="100000"/>
+                  <a:alpha val="82000"/>
+                </a:schemeClr>
+              </a:gs>
+              <a:gs pos="25000">
+                <a:schemeClr val="accent1">
+                  <a:alpha val="60000"/>
+                </a:schemeClr>
+              </a:gs>
+              <a:gs pos="94000">
+                <a:schemeClr val="bg2">
+                  <a:lumMod val="75000"/>
+                </a:schemeClr>
+              </a:gs>
+              <a:gs pos="100000">
+                <a:schemeClr val="bg2">
+                  <a:lumMod val="75000"/>
+                </a:schemeClr>
+              </a:gs>
+            </a:gsLst>
+            <a:lin ang="4200000" scaled="0"/>
+          </a:gradFill>
+          <a:ln>
+            <a:noFill/>
+          </a:ln>
+        </p:spPr>
+        <p:style>
+          <a:lnRef idx="2">
+            <a:schemeClr val="accent1">
+              <a:shade val="50000"/>
+            </a:schemeClr>
+          </a:lnRef>
+          <a:fillRef idx="1">
+            <a:schemeClr val="accent1"/>
+          </a:fillRef>
+          <a:effectRef idx="0">
+            <a:schemeClr val="accent1"/>
+          </a:effectRef>
+          <a:fontRef idx="minor">
+            <a:schemeClr val="lt1"/>
+          </a:fontRef>
+        </p:style>
+        <p:txBody>
+          <a:bodyPr rtlCol="0" anchor="ctr"/>
+          <a:lstStyle/>
+          <a:p>
+            <a:pPr algn="ctr"/>
+            <a:endParaRPr lang="en-US"/>
+          </a:p>
+        </p:txBody>
+      </p:sp>
+      <p:pic>
+        <p:nvPicPr>
+          <p:cNvPr id="11" name="Picture 10">
+            <a:extLst>
+              <a:ext uri="{FF2B5EF4-FFF2-40B4-BE49-F238E27FC236}">
+                <a16:creationId xmlns:a16="http://schemas.microsoft.com/office/drawing/2014/main" id="{AE113210-7872-481A-ADE6-3A05CCAF5EB2}"/>
+              </a:ext>
+              <a:ext uri="{C183D7F6-B498-43B3-948B-1728B52AA6E4}">
+                <adec:decorative xmlns:adec="http://schemas.microsoft.com/office/drawing/2017/decorative" val="1"/>
+              </a:ext>
+            </a:extLst>
+          </p:cNvPr>
+          <p:cNvPicPr>
+            <a:picLocks noGrp="1" noRot="1" noChangeAspect="1" noMove="1" noResize="1" noEditPoints="1" noAdjustHandles="1" noChangeArrowheads="1" noChangeShapeType="1" noCrop="1"/>
+          </p:cNvPicPr>
+          <p:nvPr>
+            <p:extLst>
+              <p:ext uri="{386F3935-93C4-4BCD-93E2-E3B085C9AB24}">
+                <p16:designElem xmlns:p16="http://schemas.microsoft.com/office/powerpoint/2015/main" val="1"/>
+              </p:ext>
+            </p:extLst>
+          </p:nvPr>
+        </p:nvPicPr>
+        <p:blipFill>
+          <a:blip r:embed="rId2">
+            <a:extLst>
+              <a:ext uri="{28A0092B-C50C-407E-A947-70E740481C1C}">
+                <a14:useLocalDpi xmlns:a14="http://schemas.microsoft.com/office/drawing/2010/main" val="0"/>
+              </a:ext>
+            </a:extLst>
+          </a:blip>
+          <a:stretch>
+            <a:fillRect/>
+          </a:stretch>
+        </p:blipFill>
+        <p:spPr>
+          <a:xfrm>
+            <a:off x="0" y="0"/>
+            <a:ext cx="12192000" cy="6858000"/>
+          </a:xfrm>
+          <a:prstGeom prst="rect">
+            <a:avLst/>
+          </a:prstGeom>
+        </p:spPr>
+      </p:pic>
+      <p:sp>
+        <p:nvSpPr>
           <p:cNvPr id="2" name="Titre 1">
             <a:extLst>
               <a:ext uri="{FF2B5EF4-FFF2-40B4-BE49-F238E27FC236}">
@@ -9035,23 +11021,301 @@
             <p:ph type="title"/>
           </p:nvPr>
         </p:nvSpPr>
-        <p:spPr/>
+        <p:spPr>
+          <a:xfrm>
+            <a:off x="6090176" y="203119"/>
+            <a:ext cx="4977976" cy="704112"/>
+          </a:xfrm>
+        </p:spPr>
         <p:txBody>
-          <a:bodyPr/>
+          <a:bodyPr>
+            <a:normAutofit fontScale="90000"/>
+          </a:bodyPr>
           <a:lstStyle/>
           <a:p>
-            <a:pPr algn="ctr"/>
             <a:r>
               <a:rPr lang="fr-FR" dirty="0">
+                <a:solidFill>
+                  <a:srgbClr val="000000"/>
+                </a:solidFill>
                 <a:latin typeface="JasmineUPC" panose="02020603050405020304" pitchFamily="18" charset="-34"/>
                 <a:cs typeface="JasmineUPC" panose="02020603050405020304" pitchFamily="18" charset="-34"/>
               </a:rPr>
               <a:t>IV. Choix des algorithmes</a:t>
             </a:r>
-            <a:endParaRPr lang="fr-FR" dirty="0"/>
+            <a:endParaRPr lang="fr-FR" dirty="0">
+              <a:solidFill>
+                <a:srgbClr val="000000"/>
+              </a:solidFill>
+            </a:endParaRPr>
           </a:p>
         </p:txBody>
       </p:sp>
+      <p:sp>
+        <p:nvSpPr>
+          <p:cNvPr id="13" name="Freeform 62">
+            <a:extLst>
+              <a:ext uri="{FF2B5EF4-FFF2-40B4-BE49-F238E27FC236}">
+                <a16:creationId xmlns:a16="http://schemas.microsoft.com/office/drawing/2014/main" id="{F9A95BEE-6BB1-4A28-A8E6-A34B2E42EF87}"/>
+              </a:ext>
+              <a:ext uri="{C183D7F6-B498-43B3-948B-1728B52AA6E4}">
+                <adec:decorative xmlns:adec="http://schemas.microsoft.com/office/drawing/2017/decorative" val="1"/>
+              </a:ext>
+            </a:extLst>
+          </p:cNvPr>
+          <p:cNvSpPr>
+            <a:spLocks noGrp="1" noRot="1" noChangeAspect="1" noMove="1" noResize="1" noEditPoints="1" noAdjustHandles="1" noChangeArrowheads="1" noChangeShapeType="1" noTextEdit="1"/>
+          </p:cNvSpPr>
+          <p:nvPr>
+            <p:extLst>
+              <p:ext uri="{386F3935-93C4-4BCD-93E2-E3B085C9AB24}">
+                <p16:designElem xmlns:p16="http://schemas.microsoft.com/office/powerpoint/2015/main" val="1"/>
+              </p:ext>
+            </p:extLst>
+          </p:nvPr>
+        </p:nvSpPr>
+        <p:spPr>
+          <a:xfrm>
+            <a:off x="0" y="738619"/>
+            <a:ext cx="5000438" cy="5400962"/>
+          </a:xfrm>
+          <a:custGeom>
+            <a:avLst/>
+            <a:gdLst>
+              <a:gd name="connsiteX0" fmla="*/ 2299956 w 5000438"/>
+              <a:gd name="connsiteY0" fmla="*/ 0 h 5400962"/>
+              <a:gd name="connsiteX1" fmla="*/ 5000438 w 5000438"/>
+              <a:gd name="connsiteY1" fmla="*/ 2700481 h 5400962"/>
+              <a:gd name="connsiteX2" fmla="*/ 2299956 w 5000438"/>
+              <a:gd name="connsiteY2" fmla="*/ 5400962 h 5400962"/>
+              <a:gd name="connsiteX3" fmla="*/ 60675 w 5000438"/>
+              <a:gd name="connsiteY3" fmla="*/ 4210346 h 5400962"/>
+              <a:gd name="connsiteX4" fmla="*/ 0 w 5000438"/>
+              <a:gd name="connsiteY4" fmla="*/ 4110472 h 5400962"/>
+              <a:gd name="connsiteX5" fmla="*/ 0 w 5000438"/>
+              <a:gd name="connsiteY5" fmla="*/ 1290491 h 5400962"/>
+              <a:gd name="connsiteX6" fmla="*/ 60675 w 5000438"/>
+              <a:gd name="connsiteY6" fmla="*/ 1190617 h 5400962"/>
+              <a:gd name="connsiteX7" fmla="*/ 2299956 w 5000438"/>
+              <a:gd name="connsiteY7" fmla="*/ 0 h 5400962"/>
+            </a:gdLst>
+            <a:ahLst/>
+            <a:cxnLst>
+              <a:cxn ang="0">
+                <a:pos x="connsiteX0" y="connsiteY0"/>
+              </a:cxn>
+              <a:cxn ang="0">
+                <a:pos x="connsiteX1" y="connsiteY1"/>
+              </a:cxn>
+              <a:cxn ang="0">
+                <a:pos x="connsiteX2" y="connsiteY2"/>
+              </a:cxn>
+              <a:cxn ang="0">
+                <a:pos x="connsiteX3" y="connsiteY3"/>
+              </a:cxn>
+              <a:cxn ang="0">
+                <a:pos x="connsiteX4" y="connsiteY4"/>
+              </a:cxn>
+              <a:cxn ang="0">
+                <a:pos x="connsiteX5" y="connsiteY5"/>
+              </a:cxn>
+              <a:cxn ang="0">
+                <a:pos x="connsiteX6" y="connsiteY6"/>
+              </a:cxn>
+              <a:cxn ang="0">
+                <a:pos x="connsiteX7" y="connsiteY7"/>
+              </a:cxn>
+            </a:cxnLst>
+            <a:rect l="l" t="t" r="r" b="b"/>
+            <a:pathLst>
+              <a:path w="5000438" h="5400962">
+                <a:moveTo>
+                  <a:pt x="2299956" y="0"/>
+                </a:moveTo>
+                <a:cubicBezTo>
+                  <a:pt x="3791390" y="0"/>
+                  <a:pt x="5000438" y="1209047"/>
+                  <a:pt x="5000438" y="2700481"/>
+                </a:cubicBezTo>
+                <a:cubicBezTo>
+                  <a:pt x="5000438" y="4191915"/>
+                  <a:pt x="3791390" y="5400962"/>
+                  <a:pt x="2299956" y="5400962"/>
+                </a:cubicBezTo>
+                <a:cubicBezTo>
+                  <a:pt x="1367810" y="5400962"/>
+                  <a:pt x="545971" y="4928678"/>
+                  <a:pt x="60675" y="4210346"/>
+                </a:cubicBezTo>
+                <a:lnTo>
+                  <a:pt x="0" y="4110472"/>
+                </a:lnTo>
+                <a:lnTo>
+                  <a:pt x="0" y="1290491"/>
+                </a:lnTo>
+                <a:lnTo>
+                  <a:pt x="60675" y="1190617"/>
+                </a:lnTo>
+                <a:cubicBezTo>
+                  <a:pt x="545971" y="472284"/>
+                  <a:pt x="1367810" y="0"/>
+                  <a:pt x="2299956" y="0"/>
+                </a:cubicBezTo>
+                <a:close/>
+              </a:path>
+            </a:pathLst>
+          </a:custGeom>
+          <a:solidFill>
+            <a:srgbClr val="FFFFFF"/>
+          </a:solidFill>
+          <a:ln>
+            <a:noFill/>
+          </a:ln>
+        </p:spPr>
+        <p:style>
+          <a:lnRef idx="2">
+            <a:schemeClr val="accent1">
+              <a:shade val="50000"/>
+            </a:schemeClr>
+          </a:lnRef>
+          <a:fillRef idx="1">
+            <a:schemeClr val="accent1"/>
+          </a:fillRef>
+          <a:effectRef idx="0">
+            <a:schemeClr val="accent1"/>
+          </a:effectRef>
+          <a:fontRef idx="minor">
+            <a:schemeClr val="lt1"/>
+          </a:fontRef>
+        </p:style>
+        <p:txBody>
+          <a:bodyPr wrap="square" rtlCol="0" anchor="ctr">
+            <a:noAutofit/>
+          </a:bodyPr>
+          <a:lstStyle/>
+          <a:p>
+            <a:pPr algn="ctr"/>
+            <a:endParaRPr lang="en-US"/>
+          </a:p>
+        </p:txBody>
+      </p:sp>
+      <p:pic>
+        <p:nvPicPr>
+          <p:cNvPr id="4" name="Image 3">
+            <a:extLst>
+              <a:ext uri="{FF2B5EF4-FFF2-40B4-BE49-F238E27FC236}">
+                <a16:creationId xmlns:a16="http://schemas.microsoft.com/office/drawing/2014/main" id="{622AF998-4334-C34C-A740-A859500F06DC}"/>
+              </a:ext>
+            </a:extLst>
+          </p:cNvPr>
+          <p:cNvPicPr>
+            <a:picLocks noChangeAspect="1"/>
+          </p:cNvPicPr>
+          <p:nvPr/>
+        </p:nvPicPr>
+        <p:blipFill rotWithShape="1">
+          <a:blip r:embed="rId3">
+            <a:alphaModFix/>
+          </a:blip>
+          <a:srcRect l="17080" r="29237" b="-1"/>
+          <a:stretch/>
+        </p:blipFill>
+        <p:spPr>
+          <a:xfrm>
+            <a:off x="20" y="907231"/>
+            <a:ext cx="4838021" cy="5063738"/>
+          </a:xfrm>
+          <a:custGeom>
+            <a:avLst/>
+            <a:gdLst>
+              <a:gd name="connsiteX0" fmla="*/ 2306172 w 4838041"/>
+              <a:gd name="connsiteY0" fmla="*/ 0 h 5063738"/>
+              <a:gd name="connsiteX1" fmla="*/ 4838041 w 4838041"/>
+              <a:gd name="connsiteY1" fmla="*/ 2531869 h 5063738"/>
+              <a:gd name="connsiteX2" fmla="*/ 2306172 w 4838041"/>
+              <a:gd name="connsiteY2" fmla="*/ 5063738 h 5063738"/>
+              <a:gd name="connsiteX3" fmla="*/ 79886 w 4838041"/>
+              <a:gd name="connsiteY3" fmla="*/ 3738709 h 5063738"/>
+              <a:gd name="connsiteX4" fmla="*/ 0 w 4838041"/>
+              <a:gd name="connsiteY4" fmla="*/ 3572876 h 5063738"/>
+              <a:gd name="connsiteX5" fmla="*/ 0 w 4838041"/>
+              <a:gd name="connsiteY5" fmla="*/ 1490863 h 5063738"/>
+              <a:gd name="connsiteX6" fmla="*/ 79886 w 4838041"/>
+              <a:gd name="connsiteY6" fmla="*/ 1325030 h 5063738"/>
+              <a:gd name="connsiteX7" fmla="*/ 2306172 w 4838041"/>
+              <a:gd name="connsiteY7" fmla="*/ 0 h 5063738"/>
+            </a:gdLst>
+            <a:ahLst/>
+            <a:cxnLst>
+              <a:cxn ang="0">
+                <a:pos x="connsiteX0" y="connsiteY0"/>
+              </a:cxn>
+              <a:cxn ang="0">
+                <a:pos x="connsiteX1" y="connsiteY1"/>
+              </a:cxn>
+              <a:cxn ang="0">
+                <a:pos x="connsiteX2" y="connsiteY2"/>
+              </a:cxn>
+              <a:cxn ang="0">
+                <a:pos x="connsiteX3" y="connsiteY3"/>
+              </a:cxn>
+              <a:cxn ang="0">
+                <a:pos x="connsiteX4" y="connsiteY4"/>
+              </a:cxn>
+              <a:cxn ang="0">
+                <a:pos x="connsiteX5" y="connsiteY5"/>
+              </a:cxn>
+              <a:cxn ang="0">
+                <a:pos x="connsiteX6" y="connsiteY6"/>
+              </a:cxn>
+              <a:cxn ang="0">
+                <a:pos x="connsiteX7" y="connsiteY7"/>
+              </a:cxn>
+            </a:cxnLst>
+            <a:rect l="l" t="t" r="r" b="b"/>
+            <a:pathLst>
+              <a:path w="4838041" h="5063738">
+                <a:moveTo>
+                  <a:pt x="2306172" y="0"/>
+                </a:moveTo>
+                <a:cubicBezTo>
+                  <a:pt x="3704485" y="0"/>
+                  <a:pt x="4838041" y="1133556"/>
+                  <a:pt x="4838041" y="2531869"/>
+                </a:cubicBezTo>
+                <a:cubicBezTo>
+                  <a:pt x="4838041" y="3930182"/>
+                  <a:pt x="3704485" y="5063738"/>
+                  <a:pt x="2306172" y="5063738"/>
+                </a:cubicBezTo>
+                <a:cubicBezTo>
+                  <a:pt x="1344832" y="5063738"/>
+                  <a:pt x="508631" y="4527956"/>
+                  <a:pt x="79886" y="3738709"/>
+                </a:cubicBezTo>
+                <a:lnTo>
+                  <a:pt x="0" y="3572876"/>
+                </a:lnTo>
+                <a:lnTo>
+                  <a:pt x="0" y="1490863"/>
+                </a:lnTo>
+                <a:lnTo>
+                  <a:pt x="79886" y="1325030"/>
+                </a:lnTo>
+                <a:cubicBezTo>
+                  <a:pt x="508631" y="535783"/>
+                  <a:pt x="1344832" y="0"/>
+                  <a:pt x="2306172" y="0"/>
+                </a:cubicBezTo>
+                <a:close/>
+              </a:path>
+            </a:pathLst>
+          </a:custGeom>
+          <a:effectLst>
+            <a:softEdge rad="0"/>
+          </a:effectLst>
+        </p:spPr>
+      </p:pic>
       <p:sp>
         <p:nvSpPr>
           <p:cNvPr id="3" name="Espace réservé du contenu 2">
@@ -9068,12 +11332,318 @@
             <p:ph idx="1"/>
           </p:nvPr>
         </p:nvSpPr>
-        <p:spPr/>
+        <p:spPr>
+          <a:xfrm>
+            <a:off x="5614876" y="1778000"/>
+            <a:ext cx="6390857" cy="3759200"/>
+          </a:xfrm>
+        </p:spPr>
         <p:txBody>
-          <a:bodyPr/>
+          <a:bodyPr anchor="ctr">
+            <a:noAutofit/>
+          </a:bodyPr>
           <a:lstStyle/>
           <a:p>
-            <a:endParaRPr lang="fr-FR"/>
+            <a:pPr marL="0" indent="0">
+              <a:buNone/>
+            </a:pPr>
+            <a:r>
+              <a:rPr lang="fr-FR" sz="2000" b="1" u="sng" dirty="0">
+                <a:solidFill>
+                  <a:srgbClr val="000000"/>
+                </a:solidFill>
+                <a:latin typeface="JasmineUPC" panose="02020603050405020304" pitchFamily="18" charset="-34"/>
+                <a:cs typeface="JasmineUPC" panose="02020603050405020304" pitchFamily="18" charset="-34"/>
+              </a:rPr>
+              <a:t>L'algorithme de </a:t>
+            </a:r>
+            <a:r>
+              <a:rPr lang="fr-FR" sz="2000" b="1" u="sng" dirty="0" err="1">
+                <a:solidFill>
+                  <a:srgbClr val="000000"/>
+                </a:solidFill>
+                <a:latin typeface="JasmineUPC" panose="02020603050405020304" pitchFamily="18" charset="-34"/>
+                <a:cs typeface="JasmineUPC" panose="02020603050405020304" pitchFamily="18" charset="-34"/>
+              </a:rPr>
+              <a:t>parsing</a:t>
+            </a:r>
+            <a:r>
+              <a:rPr lang="fr-FR" sz="2000" b="1" u="sng" dirty="0">
+                <a:solidFill>
+                  <a:srgbClr val="000000"/>
+                </a:solidFill>
+                <a:latin typeface="JasmineUPC" panose="02020603050405020304" pitchFamily="18" charset="-34"/>
+                <a:cs typeface="JasmineUPC" panose="02020603050405020304" pitchFamily="18" charset="-34"/>
+              </a:rPr>
+              <a:t> :</a:t>
+            </a:r>
+          </a:p>
+          <a:p>
+            <a:pPr>
+              <a:buFont typeface="Wingdings" pitchFamily="2" charset="2"/>
+              <a:buChar char="v"/>
+            </a:pPr>
+            <a:r>
+              <a:rPr lang="fr-FR" sz="2000" dirty="0">
+                <a:solidFill>
+                  <a:srgbClr val="000000"/>
+                </a:solidFill>
+                <a:latin typeface="JasmineUPC" panose="02020603050405020304" pitchFamily="18" charset="-34"/>
+                <a:cs typeface="JasmineUPC" panose="02020603050405020304" pitchFamily="18" charset="-34"/>
+              </a:rPr>
+              <a:t>Il s’agit de séparer les phrases en mots, qui seront analysés pour ne conserver que les mots-clés pertinents (une adresse par exemple).</a:t>
+            </a:r>
+          </a:p>
+          <a:p>
+            <a:pPr>
+              <a:buFont typeface="Wingdings" pitchFamily="2" charset="2"/>
+              <a:buChar char="v"/>
+            </a:pPr>
+            <a:endParaRPr lang="fr-FR" sz="2000" dirty="0">
+              <a:solidFill>
+                <a:srgbClr val="000000"/>
+              </a:solidFill>
+              <a:latin typeface="JasmineUPC" panose="02020603050405020304" pitchFamily="18" charset="-34"/>
+              <a:cs typeface="JasmineUPC" panose="02020603050405020304" pitchFamily="18" charset="-34"/>
+            </a:endParaRPr>
+          </a:p>
+          <a:p>
+            <a:pPr>
+              <a:buFont typeface="Wingdings" pitchFamily="2" charset="2"/>
+              <a:buChar char="v"/>
+            </a:pPr>
+            <a:r>
+              <a:rPr lang="fr-FR" sz="2000" dirty="0">
+                <a:solidFill>
+                  <a:srgbClr val="000000"/>
+                </a:solidFill>
+                <a:latin typeface="JasmineUPC" panose="02020603050405020304" pitchFamily="18" charset="-34"/>
+                <a:cs typeface="JasmineUPC" panose="02020603050405020304" pitchFamily="18" charset="-34"/>
+              </a:rPr>
+              <a:t>Tout d'abord, nous devons sélectionner une liste de mots « stop » à partir de ce lien: https://</a:t>
+            </a:r>
+            <a:r>
+              <a:rPr lang="fr-FR" sz="2000" dirty="0" err="1">
+                <a:solidFill>
+                  <a:srgbClr val="000000"/>
+                </a:solidFill>
+                <a:latin typeface="JasmineUPC" panose="02020603050405020304" pitchFamily="18" charset="-34"/>
+                <a:cs typeface="JasmineUPC" panose="02020603050405020304" pitchFamily="18" charset="-34"/>
+              </a:rPr>
+              <a:t>github.com</a:t>
+            </a:r>
+            <a:r>
+              <a:rPr lang="fr-FR" sz="2000" dirty="0">
+                <a:solidFill>
+                  <a:srgbClr val="000000"/>
+                </a:solidFill>
+                <a:latin typeface="JasmineUPC" panose="02020603050405020304" pitchFamily="18" charset="-34"/>
+                <a:cs typeface="JasmineUPC" panose="02020603050405020304" pitchFamily="18" charset="-34"/>
+              </a:rPr>
+              <a:t>/6/</a:t>
+            </a:r>
+            <a:r>
+              <a:rPr lang="fr-FR" sz="2000" dirty="0" err="1">
+                <a:solidFill>
+                  <a:srgbClr val="000000"/>
+                </a:solidFill>
+                <a:latin typeface="JasmineUPC" panose="02020603050405020304" pitchFamily="18" charset="-34"/>
+                <a:cs typeface="JasmineUPC" panose="02020603050405020304" pitchFamily="18" charset="-34"/>
+              </a:rPr>
+              <a:t>stopwords-json</a:t>
+            </a:r>
+            <a:r>
+              <a:rPr lang="fr-FR" sz="2000" dirty="0">
+                <a:solidFill>
+                  <a:srgbClr val="000000"/>
+                </a:solidFill>
+                <a:latin typeface="JasmineUPC" panose="02020603050405020304" pitchFamily="18" charset="-34"/>
+                <a:cs typeface="JasmineUPC" panose="02020603050405020304" pitchFamily="18" charset="-34"/>
+              </a:rPr>
+              <a:t>/blob/master/</a:t>
+            </a:r>
+            <a:r>
+              <a:rPr lang="fr-FR" sz="2000" dirty="0" err="1">
+                <a:solidFill>
+                  <a:srgbClr val="000000"/>
+                </a:solidFill>
+                <a:latin typeface="JasmineUPC" panose="02020603050405020304" pitchFamily="18" charset="-34"/>
+                <a:cs typeface="JasmineUPC" panose="02020603050405020304" pitchFamily="18" charset="-34"/>
+              </a:rPr>
+              <a:t>dist</a:t>
+            </a:r>
+            <a:r>
+              <a:rPr lang="fr-FR" sz="2000" dirty="0">
+                <a:solidFill>
+                  <a:srgbClr val="000000"/>
+                </a:solidFill>
+                <a:latin typeface="JasmineUPC" panose="02020603050405020304" pitchFamily="18" charset="-34"/>
+                <a:cs typeface="JasmineUPC" panose="02020603050405020304" pitchFamily="18" charset="-34"/>
+              </a:rPr>
+              <a:t>/</a:t>
+            </a:r>
+            <a:r>
+              <a:rPr lang="fr-FR" sz="2000" dirty="0" err="1">
+                <a:solidFill>
+                  <a:srgbClr val="000000"/>
+                </a:solidFill>
+                <a:latin typeface="JasmineUPC" panose="02020603050405020304" pitchFamily="18" charset="-34"/>
+                <a:cs typeface="JasmineUPC" panose="02020603050405020304" pitchFamily="18" charset="-34"/>
+              </a:rPr>
+              <a:t>fr.json</a:t>
+            </a:r>
+            <a:endParaRPr lang="fr-FR" sz="2000" dirty="0">
+              <a:solidFill>
+                <a:srgbClr val="000000"/>
+              </a:solidFill>
+              <a:latin typeface="JasmineUPC" panose="02020603050405020304" pitchFamily="18" charset="-34"/>
+              <a:cs typeface="JasmineUPC" panose="02020603050405020304" pitchFamily="18" charset="-34"/>
+            </a:endParaRPr>
+          </a:p>
+          <a:p>
+            <a:pPr>
+              <a:buFont typeface="Wingdings" pitchFamily="2" charset="2"/>
+              <a:buChar char="v"/>
+            </a:pPr>
+            <a:endParaRPr lang="fr-FR" sz="2000" dirty="0">
+              <a:solidFill>
+                <a:srgbClr val="000000"/>
+              </a:solidFill>
+              <a:latin typeface="JasmineUPC" panose="02020603050405020304" pitchFamily="18" charset="-34"/>
+              <a:cs typeface="JasmineUPC" panose="02020603050405020304" pitchFamily="18" charset="-34"/>
+            </a:endParaRPr>
+          </a:p>
+          <a:p>
+            <a:pPr>
+              <a:buFont typeface="Wingdings" pitchFamily="2" charset="2"/>
+              <a:buChar char="v"/>
+            </a:pPr>
+            <a:r>
+              <a:rPr lang="fr-FR" sz="2000" dirty="0">
+                <a:solidFill>
+                  <a:srgbClr val="000000"/>
+                </a:solidFill>
+                <a:latin typeface="JasmineUPC" panose="02020603050405020304" pitchFamily="18" charset="-34"/>
+                <a:cs typeface="JasmineUPC" panose="02020603050405020304" pitchFamily="18" charset="-34"/>
+              </a:rPr>
+              <a:t>La méthode permettant cela est </a:t>
+            </a:r>
+            <a:r>
+              <a:rPr lang="fr-FR" sz="2000" dirty="0" err="1">
+                <a:solidFill>
+                  <a:srgbClr val="000000"/>
+                </a:solidFill>
+                <a:latin typeface="JasmineUPC" panose="02020603050405020304" pitchFamily="18" charset="-34"/>
+                <a:cs typeface="JasmineUPC" panose="02020603050405020304" pitchFamily="18" charset="-34"/>
+              </a:rPr>
+              <a:t>parse_mg</a:t>
+            </a:r>
+            <a:r>
+              <a:rPr lang="fr-FR" sz="2000" dirty="0">
+                <a:solidFill>
+                  <a:srgbClr val="000000"/>
+                </a:solidFill>
+                <a:latin typeface="JasmineUPC" panose="02020603050405020304" pitchFamily="18" charset="-34"/>
+                <a:cs typeface="JasmineUPC" panose="02020603050405020304" pitchFamily="18" charset="-34"/>
+              </a:rPr>
+              <a:t>() qui prend deux paramètres: self et message.</a:t>
+            </a:r>
+          </a:p>
+          <a:p>
+            <a:pPr>
+              <a:buFont typeface="Wingdings" pitchFamily="2" charset="2"/>
+              <a:buChar char="v"/>
+            </a:pPr>
+            <a:r>
+              <a:rPr lang="fr-FR" sz="2000" dirty="0">
+                <a:solidFill>
+                  <a:srgbClr val="000000"/>
+                </a:solidFill>
+                <a:latin typeface="JasmineUPC" panose="02020603050405020304" pitchFamily="18" charset="-34"/>
+                <a:cs typeface="JasmineUPC" panose="02020603050405020304" pitchFamily="18" charset="-34"/>
+              </a:rPr>
+              <a:t>Tout d'abord, nous créons une liste vide </a:t>
+            </a:r>
+            <a:r>
+              <a:rPr lang="fr-FR" sz="2000" dirty="0" err="1">
+                <a:solidFill>
+                  <a:srgbClr val="000000"/>
+                </a:solidFill>
+                <a:latin typeface="JasmineUPC" panose="02020603050405020304" pitchFamily="18" charset="-34"/>
+                <a:cs typeface="JasmineUPC" panose="02020603050405020304" pitchFamily="18" charset="-34"/>
+              </a:rPr>
+              <a:t>list_word_input</a:t>
+            </a:r>
+            <a:r>
+              <a:rPr lang="fr-FR" sz="2000" dirty="0">
+                <a:solidFill>
+                  <a:srgbClr val="000000"/>
+                </a:solidFill>
+                <a:latin typeface="JasmineUPC" panose="02020603050405020304" pitchFamily="18" charset="-34"/>
+                <a:cs typeface="JasmineUPC" panose="02020603050405020304" pitchFamily="18" charset="-34"/>
+              </a:rPr>
+              <a:t>. Ensuite, nous appelons la méthode </a:t>
+            </a:r>
+            <a:r>
+              <a:rPr lang="fr-FR" sz="2000" dirty="0" err="1">
+                <a:solidFill>
+                  <a:srgbClr val="000000"/>
+                </a:solidFill>
+                <a:latin typeface="JasmineUPC" panose="02020603050405020304" pitchFamily="18" charset="-34"/>
+                <a:cs typeface="JasmineUPC" panose="02020603050405020304" pitchFamily="18" charset="-34"/>
+              </a:rPr>
+              <a:t>lower</a:t>
+            </a:r>
+            <a:r>
+              <a:rPr lang="fr-FR" sz="2000" dirty="0">
+                <a:solidFill>
+                  <a:srgbClr val="000000"/>
+                </a:solidFill>
+                <a:latin typeface="JasmineUPC" panose="02020603050405020304" pitchFamily="18" charset="-34"/>
+                <a:cs typeface="JasmineUPC" panose="02020603050405020304" pitchFamily="18" charset="-34"/>
+              </a:rPr>
+              <a:t>() sur le message pour le mettre en minuscule. Nous remplaçons toutes les apostrophes par des espaces. Par une boucle « for », nous insérons chaque mot dans la liste. Si un mot de cette liste est présent dans la liste des mots « stop », ce mot est supprimé de la liste. Ensuite, une méthode </a:t>
+            </a:r>
+            <a:r>
+              <a:rPr lang="fr-FR" sz="2000" dirty="0" err="1">
+                <a:solidFill>
+                  <a:srgbClr val="000000"/>
+                </a:solidFill>
+                <a:latin typeface="JasmineUPC" panose="02020603050405020304" pitchFamily="18" charset="-34"/>
+                <a:cs typeface="JasmineUPC" panose="02020603050405020304" pitchFamily="18" charset="-34"/>
+              </a:rPr>
+              <a:t>join</a:t>
+            </a:r>
+            <a:r>
+              <a:rPr lang="fr-FR" sz="2000" dirty="0">
+                <a:solidFill>
+                  <a:srgbClr val="000000"/>
+                </a:solidFill>
+                <a:latin typeface="JasmineUPC" panose="02020603050405020304" pitchFamily="18" charset="-34"/>
+                <a:cs typeface="JasmineUPC" panose="02020603050405020304" pitchFamily="18" charset="-34"/>
+              </a:rPr>
+              <a:t> est utilisée pour joindre tous les éléments de la liste au message. Enfin, le message est retourné et capitalisé via la méthode </a:t>
+            </a:r>
+            <a:r>
+              <a:rPr lang="fr-FR" sz="2000" dirty="0" err="1">
+                <a:solidFill>
+                  <a:srgbClr val="000000"/>
+                </a:solidFill>
+                <a:latin typeface="JasmineUPC" panose="02020603050405020304" pitchFamily="18" charset="-34"/>
+                <a:cs typeface="JasmineUPC" panose="02020603050405020304" pitchFamily="18" charset="-34"/>
+              </a:rPr>
+              <a:t>title</a:t>
+            </a:r>
+            <a:r>
+              <a:rPr lang="fr-FR" sz="2000" dirty="0">
+                <a:solidFill>
+                  <a:srgbClr val="000000"/>
+                </a:solidFill>
+                <a:latin typeface="JasmineUPC" panose="02020603050405020304" pitchFamily="18" charset="-34"/>
+                <a:cs typeface="JasmineUPC" panose="02020603050405020304" pitchFamily="18" charset="-34"/>
+              </a:rPr>
+              <a:t>().</a:t>
+            </a:r>
           </a:p>
         </p:txBody>
       </p:sp>
@@ -9081,6 +11651,754 @@
     <p:extLst>
       <p:ext uri="{BB962C8B-B14F-4D97-AF65-F5344CB8AC3E}">
         <p14:creationId xmlns:p14="http://schemas.microsoft.com/office/powerpoint/2010/main" val="855161666"/>
+      </p:ext>
+    </p:extLst>
+  </p:cSld>
+  <p:clrMapOvr>
+    <a:masterClrMapping/>
+  </p:clrMapOvr>
+</p:sld>
+</file>
+
+<file path=ppt/slides/slide8.xml><?xml version="1.0" encoding="utf-8"?>
+<p:sld xmlns:a="http://schemas.openxmlformats.org/drawingml/2006/main" xmlns:r="http://schemas.openxmlformats.org/officeDocument/2006/relationships" xmlns:p="http://schemas.openxmlformats.org/presentationml/2006/main">
+  <p:cSld>
+    <p:bg>
+      <p:bgPr>
+        <a:solidFill>
+          <a:schemeClr val="bg1"/>
+        </a:solidFill>
+        <a:effectLst/>
+      </p:bgPr>
+    </p:bg>
+    <p:spTree>
+      <p:nvGrpSpPr>
+        <p:cNvPr id="1" name=""/>
+        <p:cNvGrpSpPr/>
+        <p:nvPr/>
+      </p:nvGrpSpPr>
+      <p:grpSpPr>
+        <a:xfrm>
+          <a:off x="0" y="0"/>
+          <a:ext cx="0" cy="0"/>
+          <a:chOff x="0" y="0"/>
+          <a:chExt cx="0" cy="0"/>
+        </a:xfrm>
+      </p:grpSpPr>
+      <p:sp>
+        <p:nvSpPr>
+          <p:cNvPr id="9" name="Rectangle 8">
+            <a:extLst>
+              <a:ext uri="{FF2B5EF4-FFF2-40B4-BE49-F238E27FC236}">
+                <a16:creationId xmlns:a16="http://schemas.microsoft.com/office/drawing/2014/main" id="{4038CB10-1F5C-4D54-9DF7-12586DE5B007}"/>
+              </a:ext>
+              <a:ext uri="{C183D7F6-B498-43B3-948B-1728B52AA6E4}">
+                <adec:decorative xmlns:adec="http://schemas.microsoft.com/office/drawing/2017/decorative" val="1"/>
+              </a:ext>
+            </a:extLst>
+          </p:cNvPr>
+          <p:cNvSpPr>
+            <a:spLocks noGrp="1" noRot="1" noChangeAspect="1" noMove="1" noResize="1" noEditPoints="1" noAdjustHandles="1" noChangeArrowheads="1" noChangeShapeType="1" noTextEdit="1"/>
+          </p:cNvSpPr>
+          <p:nvPr>
+            <p:extLst>
+              <p:ext uri="{386F3935-93C4-4BCD-93E2-E3B085C9AB24}">
+                <p16:designElem xmlns:p16="http://schemas.microsoft.com/office/powerpoint/2015/main" val="1"/>
+              </p:ext>
+            </p:extLst>
+          </p:nvPr>
+        </p:nvSpPr>
+        <p:spPr>
+          <a:xfrm>
+            <a:off x="327546" y="4572000"/>
+            <a:ext cx="7058307" cy="1964266"/>
+          </a:xfrm>
+          <a:prstGeom prst="rect">
+            <a:avLst/>
+          </a:prstGeom>
+          <a:solidFill>
+            <a:srgbClr val="849AAD"/>
+          </a:solidFill>
+          <a:ln>
+            <a:noFill/>
+          </a:ln>
+        </p:spPr>
+        <p:style>
+          <a:lnRef idx="2">
+            <a:schemeClr val="accent1">
+              <a:shade val="50000"/>
+            </a:schemeClr>
+          </a:lnRef>
+          <a:fillRef idx="1">
+            <a:schemeClr val="accent1"/>
+          </a:fillRef>
+          <a:effectRef idx="0">
+            <a:schemeClr val="accent1"/>
+          </a:effectRef>
+          <a:fontRef idx="minor">
+            <a:schemeClr val="lt1"/>
+          </a:fontRef>
+        </p:style>
+        <p:txBody>
+          <a:bodyPr rtlCol="0" anchor="ctr"/>
+          <a:lstStyle/>
+          <a:p>
+            <a:pPr marL="0" marR="0" lvl="0" indent="0" algn="ctr" defTabSz="914400" rtl="0" eaLnBrk="1" fontAlgn="auto" latinLnBrk="0" hangingPunct="1">
+              <a:lnSpc>
+                <a:spcPct val="100000"/>
+              </a:lnSpc>
+              <a:spcBef>
+                <a:spcPts val="0"/>
+              </a:spcBef>
+              <a:spcAft>
+                <a:spcPts val="0"/>
+              </a:spcAft>
+              <a:buClrTx/>
+              <a:buSzTx/>
+              <a:buFontTx/>
+              <a:buNone/>
+              <a:tabLst/>
+              <a:defRPr/>
+            </a:pPr>
+            <a:endParaRPr kumimoji="0" lang="en-US" sz="1800" b="0" i="0" u="none" strike="noStrike" kern="1200" cap="none" spc="0" normalizeH="0" baseline="0" noProof="0">
+              <a:ln>
+                <a:noFill/>
+              </a:ln>
+              <a:solidFill>
+                <a:prstClr val="white"/>
+              </a:solidFill>
+              <a:effectLst/>
+              <a:uLnTx/>
+              <a:uFillTx/>
+              <a:latin typeface="Calibri" panose="020F0502020204030204"/>
+              <a:ea typeface="+mn-ea"/>
+              <a:cs typeface="+mn-cs"/>
+            </a:endParaRPr>
+          </a:p>
+        </p:txBody>
+      </p:sp>
+      <p:sp>
+        <p:nvSpPr>
+          <p:cNvPr id="2" name="Titre 1">
+            <a:extLst>
+              <a:ext uri="{FF2B5EF4-FFF2-40B4-BE49-F238E27FC236}">
+                <a16:creationId xmlns:a16="http://schemas.microsoft.com/office/drawing/2014/main" id="{065D7709-4848-CA41-943D-907E952D3732}"/>
+              </a:ext>
+            </a:extLst>
+          </p:cNvPr>
+          <p:cNvSpPr>
+            <a:spLocks noGrp="1"/>
+          </p:cNvSpPr>
+          <p:nvPr>
+            <p:ph type="title"/>
+          </p:nvPr>
+        </p:nvSpPr>
+        <p:spPr>
+          <a:xfrm>
+            <a:off x="524256" y="4767072"/>
+            <a:ext cx="6594189" cy="1625210"/>
+          </a:xfrm>
+        </p:spPr>
+        <p:txBody>
+          <a:bodyPr>
+            <a:normAutofit/>
+          </a:bodyPr>
+          <a:lstStyle/>
+          <a:p>
+            <a:pPr algn="r"/>
+            <a:r>
+              <a:rPr lang="fr-FR" sz="3700">
+                <a:solidFill>
+                  <a:srgbClr val="FFFFFF"/>
+                </a:solidFill>
+                <a:latin typeface="JasmineUPC" panose="02020603050405020304" pitchFamily="18" charset="-34"/>
+                <a:cs typeface="JasmineUPC" panose="02020603050405020304" pitchFamily="18" charset="-34"/>
+              </a:rPr>
+              <a:t>V. Difficultés rencontrées et solutions trouvées</a:t>
+            </a:r>
+            <a:br>
+              <a:rPr lang="en-US" sz="3700">
+                <a:solidFill>
+                  <a:srgbClr val="FFFFFF"/>
+                </a:solidFill>
+                <a:latin typeface="JasmineUPC" panose="02020603050405020304" pitchFamily="18" charset="-34"/>
+                <a:cs typeface="JasmineUPC" panose="02020603050405020304" pitchFamily="18" charset="-34"/>
+              </a:rPr>
+            </a:br>
+            <a:endParaRPr lang="fr-FR" sz="3700">
+              <a:solidFill>
+                <a:srgbClr val="FFFFFF"/>
+              </a:solidFill>
+            </a:endParaRPr>
+          </a:p>
+        </p:txBody>
+      </p:sp>
+      <p:pic>
+        <p:nvPicPr>
+          <p:cNvPr id="4" name="Image 3" descr="Une image contenant texte, carte&#10;&#10;Description générée automatiquement">
+            <a:extLst>
+              <a:ext uri="{FF2B5EF4-FFF2-40B4-BE49-F238E27FC236}">
+                <a16:creationId xmlns:a16="http://schemas.microsoft.com/office/drawing/2014/main" id="{E16789A3-C58E-894A-8455-1092C0B1D462}"/>
+              </a:ext>
+            </a:extLst>
+          </p:cNvPr>
+          <p:cNvPicPr>
+            <a:picLocks noChangeAspect="1"/>
+          </p:cNvPicPr>
+          <p:nvPr/>
+        </p:nvPicPr>
+        <p:blipFill rotWithShape="1">
+          <a:blip r:embed="rId2"/>
+          <a:srcRect r="4973" b="-1"/>
+          <a:stretch/>
+        </p:blipFill>
+        <p:spPr>
+          <a:xfrm>
+            <a:off x="327547" y="321733"/>
+            <a:ext cx="7058306" cy="4107392"/>
+          </a:xfrm>
+          <a:prstGeom prst="rect">
+            <a:avLst/>
+          </a:prstGeom>
+        </p:spPr>
+      </p:pic>
+      <p:sp>
+        <p:nvSpPr>
+          <p:cNvPr id="11" name="Rectangle 10">
+            <a:extLst>
+              <a:ext uri="{FF2B5EF4-FFF2-40B4-BE49-F238E27FC236}">
+                <a16:creationId xmlns:a16="http://schemas.microsoft.com/office/drawing/2014/main" id="{73ED6512-6858-4552-B699-9A97FE9A4EA2}"/>
+              </a:ext>
+              <a:ext uri="{C183D7F6-B498-43B3-948B-1728B52AA6E4}">
+                <adec:decorative xmlns:adec="http://schemas.microsoft.com/office/drawing/2017/decorative" val="1"/>
+              </a:ext>
+            </a:extLst>
+          </p:cNvPr>
+          <p:cNvSpPr>
+            <a:spLocks noGrp="1" noRot="1" noChangeAspect="1" noMove="1" noResize="1" noEditPoints="1" noAdjustHandles="1" noChangeArrowheads="1" noChangeShapeType="1" noTextEdit="1"/>
+          </p:cNvSpPr>
+          <p:nvPr>
+            <p:extLst>
+              <p:ext uri="{386F3935-93C4-4BCD-93E2-E3B085C9AB24}">
+                <p16:designElem xmlns:p16="http://schemas.microsoft.com/office/powerpoint/2015/main" val="1"/>
+              </p:ext>
+            </p:extLst>
+          </p:nvPr>
+        </p:nvSpPr>
+        <p:spPr>
+          <a:xfrm>
+            <a:off x="7534655" y="321732"/>
+            <a:ext cx="4335613" cy="6214534"/>
+          </a:xfrm>
+          <a:prstGeom prst="rect">
+            <a:avLst/>
+          </a:prstGeom>
+          <a:solidFill>
+            <a:srgbClr val="404040"/>
+          </a:solidFill>
+          <a:ln>
+            <a:noFill/>
+          </a:ln>
+        </p:spPr>
+        <p:style>
+          <a:lnRef idx="2">
+            <a:schemeClr val="accent1">
+              <a:shade val="50000"/>
+            </a:schemeClr>
+          </a:lnRef>
+          <a:fillRef idx="1">
+            <a:schemeClr val="accent1"/>
+          </a:fillRef>
+          <a:effectRef idx="0">
+            <a:schemeClr val="accent1"/>
+          </a:effectRef>
+          <a:fontRef idx="minor">
+            <a:schemeClr val="lt1"/>
+          </a:fontRef>
+        </p:style>
+        <p:txBody>
+          <a:bodyPr rtlCol="0" anchor="ctr"/>
+          <a:lstStyle/>
+          <a:p>
+            <a:pPr marL="0" marR="0" lvl="0" indent="0" algn="ctr" defTabSz="914400" rtl="0" eaLnBrk="1" fontAlgn="auto" latinLnBrk="0" hangingPunct="1">
+              <a:lnSpc>
+                <a:spcPct val="100000"/>
+              </a:lnSpc>
+              <a:spcBef>
+                <a:spcPts val="0"/>
+              </a:spcBef>
+              <a:spcAft>
+                <a:spcPts val="0"/>
+              </a:spcAft>
+              <a:buClrTx/>
+              <a:buSzTx/>
+              <a:buFontTx/>
+              <a:buNone/>
+              <a:tabLst/>
+              <a:defRPr/>
+            </a:pPr>
+            <a:endParaRPr kumimoji="0" lang="en-US" sz="1800" b="0" i="0" u="none" strike="noStrike" kern="1200" cap="none" spc="0" normalizeH="0" baseline="0" noProof="0">
+              <a:ln>
+                <a:noFill/>
+              </a:ln>
+              <a:solidFill>
+                <a:prstClr val="white"/>
+              </a:solidFill>
+              <a:effectLst/>
+              <a:uLnTx/>
+              <a:uFillTx/>
+              <a:latin typeface="Calibri" panose="020F0502020204030204"/>
+              <a:ea typeface="+mn-ea"/>
+              <a:cs typeface="+mn-cs"/>
+            </a:endParaRPr>
+          </a:p>
+        </p:txBody>
+      </p:sp>
+      <p:sp>
+        <p:nvSpPr>
+          <p:cNvPr id="3" name="Espace réservé du contenu 2">
+            <a:extLst>
+              <a:ext uri="{FF2B5EF4-FFF2-40B4-BE49-F238E27FC236}">
+                <a16:creationId xmlns:a16="http://schemas.microsoft.com/office/drawing/2014/main" id="{BA01A33C-6A43-AD49-BF4F-1581C9D3D38A}"/>
+              </a:ext>
+            </a:extLst>
+          </p:cNvPr>
+          <p:cNvSpPr>
+            <a:spLocks noGrp="1"/>
+          </p:cNvSpPr>
+          <p:nvPr>
+            <p:ph idx="1"/>
+          </p:nvPr>
+        </p:nvSpPr>
+        <p:spPr>
+          <a:xfrm>
+            <a:off x="7582563" y="626533"/>
+            <a:ext cx="4281890" cy="5638800"/>
+          </a:xfrm>
+        </p:spPr>
+        <p:txBody>
+          <a:bodyPr anchor="ctr">
+            <a:normAutofit/>
+          </a:bodyPr>
+          <a:lstStyle/>
+          <a:p>
+            <a:pPr marL="0" indent="0">
+              <a:buNone/>
+            </a:pPr>
+            <a:r>
+              <a:rPr lang="en" sz="3000" dirty="0">
+                <a:solidFill>
+                  <a:srgbClr val="FFFFFF"/>
+                </a:solidFill>
+                <a:latin typeface="JasmineUPC" panose="02020603050405020304" pitchFamily="18" charset="-34"/>
+                <a:cs typeface="JasmineUPC" panose="02020603050405020304" pitchFamily="18" charset="-34"/>
+              </a:rPr>
+              <a:t>{ </a:t>
+            </a:r>
+          </a:p>
+          <a:p>
+            <a:pPr marL="0" indent="0">
+              <a:buNone/>
+            </a:pPr>
+            <a:r>
+              <a:rPr lang="en" sz="3000" dirty="0">
+                <a:solidFill>
+                  <a:srgbClr val="FFFFFF"/>
+                </a:solidFill>
+                <a:latin typeface="JasmineUPC" panose="02020603050405020304" pitchFamily="18" charset="-34"/>
+                <a:cs typeface="JasmineUPC" panose="02020603050405020304" pitchFamily="18" charset="-34"/>
+              </a:rPr>
+              <a:t>"</a:t>
+            </a:r>
+            <a:r>
+              <a:rPr lang="en" sz="3000" dirty="0" err="1">
+                <a:solidFill>
+                  <a:srgbClr val="FFFFFF"/>
+                </a:solidFill>
+                <a:latin typeface="JasmineUPC" panose="02020603050405020304" pitchFamily="18" charset="-34"/>
+                <a:cs typeface="JasmineUPC" panose="02020603050405020304" pitchFamily="18" charset="-34"/>
+              </a:rPr>
+              <a:t>error_message</a:t>
+            </a:r>
+            <a:r>
+              <a:rPr lang="en" sz="3000" dirty="0">
+                <a:solidFill>
+                  <a:srgbClr val="FFFFFF"/>
+                </a:solidFill>
+                <a:latin typeface="JasmineUPC" panose="02020603050405020304" pitchFamily="18" charset="-34"/>
+                <a:cs typeface="JasmineUPC" panose="02020603050405020304" pitchFamily="18" charset="-34"/>
+              </a:rPr>
+              <a:t>" : "You have exceeded your daily request quota for this API. If you did not set a custom daily request quota, verify your project has an active billing account: http://</a:t>
+            </a:r>
+            <a:r>
+              <a:rPr lang="en" sz="3000" dirty="0" err="1">
+                <a:solidFill>
+                  <a:srgbClr val="FFFFFF"/>
+                </a:solidFill>
+                <a:latin typeface="JasmineUPC" panose="02020603050405020304" pitchFamily="18" charset="-34"/>
+                <a:cs typeface="JasmineUPC" panose="02020603050405020304" pitchFamily="18" charset="-34"/>
+              </a:rPr>
+              <a:t>g.co</a:t>
+            </a:r>
+            <a:r>
+              <a:rPr lang="en" sz="3000" dirty="0">
+                <a:solidFill>
+                  <a:srgbClr val="FFFFFF"/>
+                </a:solidFill>
+                <a:latin typeface="JasmineUPC" panose="02020603050405020304" pitchFamily="18" charset="-34"/>
+                <a:cs typeface="JasmineUPC" panose="02020603050405020304" pitchFamily="18" charset="-34"/>
+              </a:rPr>
+              <a:t>/dev/maps-no-account", </a:t>
+            </a:r>
+          </a:p>
+          <a:p>
+            <a:pPr marL="0" indent="0">
+              <a:buNone/>
+            </a:pPr>
+            <a:r>
+              <a:rPr lang="en" sz="3000" dirty="0">
+                <a:solidFill>
+                  <a:srgbClr val="FFFFFF"/>
+                </a:solidFill>
+                <a:latin typeface="JasmineUPC" panose="02020603050405020304" pitchFamily="18" charset="-34"/>
+                <a:cs typeface="JasmineUPC" panose="02020603050405020304" pitchFamily="18" charset="-34"/>
+              </a:rPr>
+              <a:t>"results" : [], </a:t>
+            </a:r>
+          </a:p>
+          <a:p>
+            <a:pPr marL="0" indent="0">
+              <a:buNone/>
+            </a:pPr>
+            <a:r>
+              <a:rPr lang="en" sz="3000" dirty="0">
+                <a:solidFill>
+                  <a:srgbClr val="FFFFFF"/>
+                </a:solidFill>
+                <a:latin typeface="JasmineUPC" panose="02020603050405020304" pitchFamily="18" charset="-34"/>
+                <a:cs typeface="JasmineUPC" panose="02020603050405020304" pitchFamily="18" charset="-34"/>
+              </a:rPr>
+              <a:t>"status" : "OVER_QUERY_LIMIT" </a:t>
+            </a:r>
+          </a:p>
+          <a:p>
+            <a:pPr marL="0" indent="0">
+              <a:buNone/>
+            </a:pPr>
+            <a:r>
+              <a:rPr lang="en" sz="3000" dirty="0">
+                <a:solidFill>
+                  <a:srgbClr val="FFFFFF"/>
+                </a:solidFill>
+                <a:latin typeface="JasmineUPC" panose="02020603050405020304" pitchFamily="18" charset="-34"/>
+                <a:cs typeface="JasmineUPC" panose="02020603050405020304" pitchFamily="18" charset="-34"/>
+              </a:rPr>
+              <a:t>}</a:t>
+            </a:r>
+            <a:endParaRPr lang="fr-FR" sz="3000" dirty="0">
+              <a:solidFill>
+                <a:srgbClr val="FFFFFF"/>
+              </a:solidFill>
+              <a:latin typeface="JasmineUPC" panose="02020603050405020304" pitchFamily="18" charset="-34"/>
+              <a:cs typeface="JasmineUPC" panose="02020603050405020304" pitchFamily="18" charset="-34"/>
+            </a:endParaRPr>
+          </a:p>
+          <a:p>
+            <a:endParaRPr lang="fr-FR" sz="2000" dirty="0">
+              <a:solidFill>
+                <a:srgbClr val="FFFFFF"/>
+              </a:solidFill>
+            </a:endParaRPr>
+          </a:p>
+        </p:txBody>
+      </p:sp>
+    </p:spTree>
+    <p:extLst>
+      <p:ext uri="{BB962C8B-B14F-4D97-AF65-F5344CB8AC3E}">
+        <p14:creationId xmlns:p14="http://schemas.microsoft.com/office/powerpoint/2010/main" val="2009891409"/>
+      </p:ext>
+    </p:extLst>
+  </p:cSld>
+  <p:clrMapOvr>
+    <a:masterClrMapping/>
+  </p:clrMapOvr>
+</p:sld>
+</file>
+
+<file path=ppt/slides/slide9.xml><?xml version="1.0" encoding="utf-8"?>
+<p:sld xmlns:a="http://schemas.openxmlformats.org/drawingml/2006/main" xmlns:r="http://schemas.openxmlformats.org/officeDocument/2006/relationships" xmlns:p="http://schemas.openxmlformats.org/presentationml/2006/main">
+  <p:cSld>
+    <p:bg>
+      <p:bgPr>
+        <a:solidFill>
+          <a:schemeClr val="bg1"/>
+        </a:solidFill>
+        <a:effectLst/>
+      </p:bgPr>
+    </p:bg>
+    <p:spTree>
+      <p:nvGrpSpPr>
+        <p:cNvPr id="1" name=""/>
+        <p:cNvGrpSpPr/>
+        <p:nvPr/>
+      </p:nvGrpSpPr>
+      <p:grpSpPr>
+        <a:xfrm>
+          <a:off x="0" y="0"/>
+          <a:ext cx="0" cy="0"/>
+          <a:chOff x="0" y="0"/>
+          <a:chExt cx="0" cy="0"/>
+        </a:xfrm>
+      </p:grpSpPr>
+      <p:sp>
+        <p:nvSpPr>
+          <p:cNvPr id="3" name="Espace réservé du contenu 2">
+            <a:extLst>
+              <a:ext uri="{FF2B5EF4-FFF2-40B4-BE49-F238E27FC236}">
+                <a16:creationId xmlns:a16="http://schemas.microsoft.com/office/drawing/2014/main" id="{878EC987-267A-0444-BB6E-C0CD81D24C58}"/>
+              </a:ext>
+            </a:extLst>
+          </p:cNvPr>
+          <p:cNvSpPr>
+            <a:spLocks noGrp="1"/>
+          </p:cNvSpPr>
+          <p:nvPr>
+            <p:ph idx="1"/>
+          </p:nvPr>
+        </p:nvSpPr>
+        <p:spPr>
+          <a:xfrm>
+            <a:off x="648930" y="1459680"/>
+            <a:ext cx="3505494" cy="3785419"/>
+          </a:xfrm>
+        </p:spPr>
+        <p:txBody>
+          <a:bodyPr>
+            <a:normAutofit/>
+          </a:bodyPr>
+          <a:lstStyle/>
+          <a:p>
+            <a:r>
+              <a:rPr lang="fr-FR" sz="3600" dirty="0">
+                <a:latin typeface="JasmineUPC" panose="02020603050405020304" pitchFamily="18" charset="-34"/>
+                <a:cs typeface="JasmineUPC" panose="02020603050405020304" pitchFamily="18" charset="-34"/>
+              </a:rPr>
+              <a:t>macbook-pro-de-maxime-2:PROJET 7_OC </a:t>
+            </a:r>
+            <a:r>
+              <a:rPr lang="fr-FR" sz="3600" dirty="0" err="1">
+                <a:latin typeface="JasmineUPC" panose="02020603050405020304" pitchFamily="18" charset="-34"/>
+                <a:cs typeface="JasmineUPC" panose="02020603050405020304" pitchFamily="18" charset="-34"/>
+              </a:rPr>
+              <a:t>flask</a:t>
+            </a:r>
+            <a:r>
+              <a:rPr lang="fr-FR" sz="3600" dirty="0">
+                <a:latin typeface="JasmineUPC" panose="02020603050405020304" pitchFamily="18" charset="-34"/>
+                <a:cs typeface="JasmineUPC" panose="02020603050405020304" pitchFamily="18" charset="-34"/>
+              </a:rPr>
+              <a:t> </a:t>
+            </a:r>
+            <a:r>
+              <a:rPr lang="fr-FR" sz="3600" dirty="0" err="1">
+                <a:latin typeface="JasmineUPC" panose="02020603050405020304" pitchFamily="18" charset="-34"/>
+                <a:cs typeface="JasmineUPC" panose="02020603050405020304" pitchFamily="18" charset="-34"/>
+              </a:rPr>
+              <a:t>maximejacquette</a:t>
+            </a:r>
+            <a:r>
+              <a:rPr lang="fr-FR" sz="3600" dirty="0">
+                <a:latin typeface="JasmineUPC" panose="02020603050405020304" pitchFamily="18" charset="-34"/>
+                <a:cs typeface="JasmineUPC" panose="02020603050405020304" pitchFamily="18" charset="-34"/>
+              </a:rPr>
+              <a:t>$ python -m </a:t>
+            </a:r>
+            <a:r>
+              <a:rPr lang="fr-FR" sz="3600" dirty="0" err="1">
+                <a:latin typeface="JasmineUPC" panose="02020603050405020304" pitchFamily="18" charset="-34"/>
+                <a:cs typeface="JasmineUPC" panose="02020603050405020304" pitchFamily="18" charset="-34"/>
+              </a:rPr>
+              <a:t>tests.test</a:t>
+            </a:r>
+            <a:endParaRPr lang="fr-FR" sz="3600" dirty="0">
+              <a:latin typeface="JasmineUPC" panose="02020603050405020304" pitchFamily="18" charset="-34"/>
+              <a:cs typeface="JasmineUPC" panose="02020603050405020304" pitchFamily="18" charset="-34"/>
+            </a:endParaRPr>
+          </a:p>
+        </p:txBody>
+      </p:sp>
+      <p:sp>
+        <p:nvSpPr>
+          <p:cNvPr id="9" name="Rectangle 8">
+            <a:extLst>
+              <a:ext uri="{FF2B5EF4-FFF2-40B4-BE49-F238E27FC236}">
+                <a16:creationId xmlns:a16="http://schemas.microsoft.com/office/drawing/2014/main" id="{5E39A796-BE83-48B1-B33F-35C4A32AAB57}"/>
+              </a:ext>
+              <a:ext uri="{C183D7F6-B498-43B3-948B-1728B52AA6E4}">
+                <adec:decorative xmlns:adec="http://schemas.microsoft.com/office/drawing/2017/decorative" val="1"/>
+              </a:ext>
+            </a:extLst>
+          </p:cNvPr>
+          <p:cNvSpPr>
+            <a:spLocks noGrp="1" noRot="1" noChangeAspect="1" noMove="1" noResize="1" noEditPoints="1" noAdjustHandles="1" noChangeArrowheads="1" noChangeShapeType="1" noTextEdit="1"/>
+          </p:cNvSpPr>
+          <p:nvPr>
+            <p:extLst>
+              <p:ext uri="{386F3935-93C4-4BCD-93E2-E3B085C9AB24}">
+                <p16:designElem xmlns:p16="http://schemas.microsoft.com/office/powerpoint/2015/main" val="1"/>
+              </p:ext>
+            </p:extLst>
+          </p:nvPr>
+        </p:nvSpPr>
+        <p:spPr>
+          <a:xfrm>
+            <a:off x="4639056" y="0"/>
+            <a:ext cx="7552944" cy="6858000"/>
+          </a:xfrm>
+          <a:prstGeom prst="rect">
+            <a:avLst/>
+          </a:prstGeom>
+          <a:solidFill>
+            <a:srgbClr val="C8CACA"/>
+          </a:solidFill>
+          <a:ln>
+            <a:noFill/>
+          </a:ln>
+        </p:spPr>
+        <p:style>
+          <a:lnRef idx="2">
+            <a:schemeClr val="accent1">
+              <a:shade val="50000"/>
+            </a:schemeClr>
+          </a:lnRef>
+          <a:fillRef idx="1">
+            <a:schemeClr val="accent1"/>
+          </a:fillRef>
+          <a:effectRef idx="0">
+            <a:schemeClr val="accent1"/>
+          </a:effectRef>
+          <a:fontRef idx="minor">
+            <a:schemeClr val="lt1"/>
+          </a:fontRef>
+        </p:style>
+        <p:txBody>
+          <a:bodyPr rtlCol="0" anchor="ctr"/>
+          <a:lstStyle/>
+          <a:p>
+            <a:pPr algn="ctr"/>
+            <a:endParaRPr lang="en-US"/>
+          </a:p>
+        </p:txBody>
+      </p:sp>
+      <p:sp>
+        <p:nvSpPr>
+          <p:cNvPr id="11" name="Rounded Rectangle 9">
+            <a:extLst>
+              <a:ext uri="{FF2B5EF4-FFF2-40B4-BE49-F238E27FC236}">
+                <a16:creationId xmlns:a16="http://schemas.microsoft.com/office/drawing/2014/main" id="{72F84B47-E267-4194-8194-831DB7B5547F}"/>
+              </a:ext>
+              <a:ext uri="{C183D7F6-B498-43B3-948B-1728B52AA6E4}">
+                <adec:decorative xmlns:adec="http://schemas.microsoft.com/office/drawing/2017/decorative" val="1"/>
+              </a:ext>
+            </a:extLst>
+          </p:cNvPr>
+          <p:cNvSpPr>
+            <a:spLocks noGrp="1" noRot="1" noChangeAspect="1" noMove="1" noResize="1" noEditPoints="1" noAdjustHandles="1" noChangeArrowheads="1" noChangeShapeType="1" noTextEdit="1"/>
+          </p:cNvSpPr>
+          <p:nvPr>
+            <p:extLst>
+              <p:ext uri="{386F3935-93C4-4BCD-93E2-E3B085C9AB24}">
+                <p16:designElem xmlns:p16="http://schemas.microsoft.com/office/powerpoint/2015/main" val="1"/>
+              </p:ext>
+            </p:extLst>
+          </p:nvPr>
+        </p:nvSpPr>
+        <p:spPr>
+          <a:xfrm>
+            <a:off x="5123688" y="484632"/>
+            <a:ext cx="6584098" cy="5739187"/>
+          </a:xfrm>
+          <a:prstGeom prst="roundRect">
+            <a:avLst>
+              <a:gd name="adj" fmla="val 0"/>
+            </a:avLst>
+          </a:prstGeom>
+          <a:solidFill>
+            <a:srgbClr val="FFFFFF"/>
+          </a:solidFill>
+          <a:ln w="9525">
+            <a:solidFill>
+              <a:srgbClr val="C8CACA"/>
+            </a:solidFill>
+          </a:ln>
+          <a:effectLst>
+            <a:outerShdw blurRad="57150" dist="19050" dir="5400000" algn="t" rotWithShape="0">
+              <a:prstClr val="black">
+                <a:alpha val="63000"/>
+              </a:prstClr>
+            </a:outerShdw>
+          </a:effectLst>
+        </p:spPr>
+        <p:style>
+          <a:lnRef idx="2">
+            <a:schemeClr val="accent1">
+              <a:shade val="50000"/>
+            </a:schemeClr>
+          </a:lnRef>
+          <a:fillRef idx="1">
+            <a:schemeClr val="accent1"/>
+          </a:fillRef>
+          <a:effectRef idx="0">
+            <a:schemeClr val="accent1"/>
+          </a:effectRef>
+          <a:fontRef idx="minor">
+            <a:schemeClr val="lt1"/>
+          </a:fontRef>
+        </p:style>
+        <p:txBody>
+          <a:bodyPr rtlCol="0" anchor="ctr"/>
+          <a:lstStyle/>
+          <a:p>
+            <a:pPr algn="ctr"/>
+            <a:endParaRPr lang="en-US"/>
+          </a:p>
+        </p:txBody>
+      </p:sp>
+      <p:pic>
+        <p:nvPicPr>
+          <p:cNvPr id="4" name="Image 3">
+            <a:extLst>
+              <a:ext uri="{FF2B5EF4-FFF2-40B4-BE49-F238E27FC236}">
+                <a16:creationId xmlns:a16="http://schemas.microsoft.com/office/drawing/2014/main" id="{4DD35DC9-47F7-284C-8C00-95811D3B89F1}"/>
+              </a:ext>
+            </a:extLst>
+          </p:cNvPr>
+          <p:cNvPicPr>
+            <a:picLocks noChangeAspect="1"/>
+          </p:cNvPicPr>
+          <p:nvPr/>
+        </p:nvPicPr>
+        <p:blipFill>
+          <a:blip r:embed="rId2"/>
+          <a:stretch>
+            <a:fillRect/>
+          </a:stretch>
+        </p:blipFill>
+        <p:spPr>
+          <a:xfrm>
+            <a:off x="5608319" y="1155586"/>
+            <a:ext cx="5614835" cy="4393608"/>
+          </a:xfrm>
+          <a:prstGeom prst="rect">
+            <a:avLst/>
+          </a:prstGeom>
+          <a:effectLst/>
+        </p:spPr>
+      </p:pic>
+    </p:spTree>
+    <p:extLst>
+      <p:ext uri="{BB962C8B-B14F-4D97-AF65-F5344CB8AC3E}">
+        <p14:creationId xmlns:p14="http://schemas.microsoft.com/office/powerpoint/2010/main" val="2447417796"/>
       </p:ext>
     </p:extLst>
   </p:cSld>

--- a/livrables/presentation_p7.pptx
+++ b/livrables/presentation_p7.pptx
@@ -3825,7 +3825,7 @@
           <a:p>
             <a:fld id="{3FA2BC0F-0EBE-C040-8125-390D1D6C3174}" type="datetimeFigureOut">
               <a:rPr lang="fr-FR" smtClean="0"/>
-              <a:t>24/05/2019</a:t>
+              <a:t>28/05/2019</a:t>
             </a:fld>
             <a:endParaRPr lang="fr-FR"/>
           </a:p>
@@ -4023,7 +4023,7 @@
           <a:p>
             <a:fld id="{3FA2BC0F-0EBE-C040-8125-390D1D6C3174}" type="datetimeFigureOut">
               <a:rPr lang="fr-FR" smtClean="0"/>
-              <a:t>24/05/2019</a:t>
+              <a:t>28/05/2019</a:t>
             </a:fld>
             <a:endParaRPr lang="fr-FR"/>
           </a:p>
@@ -4231,7 +4231,7 @@
           <a:p>
             <a:fld id="{3FA2BC0F-0EBE-C040-8125-390D1D6C3174}" type="datetimeFigureOut">
               <a:rPr lang="fr-FR" smtClean="0"/>
-              <a:t>24/05/2019</a:t>
+              <a:t>28/05/2019</a:t>
             </a:fld>
             <a:endParaRPr lang="fr-FR"/>
           </a:p>
@@ -4429,7 +4429,7 @@
           <a:p>
             <a:fld id="{3FA2BC0F-0EBE-C040-8125-390D1D6C3174}" type="datetimeFigureOut">
               <a:rPr lang="fr-FR" smtClean="0"/>
-              <a:t>24/05/2019</a:t>
+              <a:t>28/05/2019</a:t>
             </a:fld>
             <a:endParaRPr lang="fr-FR"/>
           </a:p>
@@ -4704,7 +4704,7 @@
           <a:p>
             <a:fld id="{3FA2BC0F-0EBE-C040-8125-390D1D6C3174}" type="datetimeFigureOut">
               <a:rPr lang="fr-FR" smtClean="0"/>
-              <a:t>24/05/2019</a:t>
+              <a:t>28/05/2019</a:t>
             </a:fld>
             <a:endParaRPr lang="fr-FR"/>
           </a:p>
@@ -4969,7 +4969,7 @@
           <a:p>
             <a:fld id="{3FA2BC0F-0EBE-C040-8125-390D1D6C3174}" type="datetimeFigureOut">
               <a:rPr lang="fr-FR" smtClean="0"/>
-              <a:t>24/05/2019</a:t>
+              <a:t>28/05/2019</a:t>
             </a:fld>
             <a:endParaRPr lang="fr-FR"/>
           </a:p>
@@ -5381,7 +5381,7 @@
           <a:p>
             <a:fld id="{3FA2BC0F-0EBE-C040-8125-390D1D6C3174}" type="datetimeFigureOut">
               <a:rPr lang="fr-FR" smtClean="0"/>
-              <a:t>24/05/2019</a:t>
+              <a:t>28/05/2019</a:t>
             </a:fld>
             <a:endParaRPr lang="fr-FR"/>
           </a:p>
@@ -5522,7 +5522,7 @@
           <a:p>
             <a:fld id="{3FA2BC0F-0EBE-C040-8125-390D1D6C3174}" type="datetimeFigureOut">
               <a:rPr lang="fr-FR" smtClean="0"/>
-              <a:t>24/05/2019</a:t>
+              <a:t>28/05/2019</a:t>
             </a:fld>
             <a:endParaRPr lang="fr-FR"/>
           </a:p>
@@ -5635,7 +5635,7 @@
           <a:p>
             <a:fld id="{3FA2BC0F-0EBE-C040-8125-390D1D6C3174}" type="datetimeFigureOut">
               <a:rPr lang="fr-FR" smtClean="0"/>
-              <a:t>24/05/2019</a:t>
+              <a:t>28/05/2019</a:t>
             </a:fld>
             <a:endParaRPr lang="fr-FR"/>
           </a:p>
@@ -5946,7 +5946,7 @@
           <a:p>
             <a:fld id="{3FA2BC0F-0EBE-C040-8125-390D1D6C3174}" type="datetimeFigureOut">
               <a:rPr lang="fr-FR" smtClean="0"/>
-              <a:t>24/05/2019</a:t>
+              <a:t>28/05/2019</a:t>
             </a:fld>
             <a:endParaRPr lang="fr-FR"/>
           </a:p>
@@ -6234,7 +6234,7 @@
           <a:p>
             <a:fld id="{3FA2BC0F-0EBE-C040-8125-390D1D6C3174}" type="datetimeFigureOut">
               <a:rPr lang="fr-FR" smtClean="0"/>
-              <a:t>24/05/2019</a:t>
+              <a:t>28/05/2019</a:t>
             </a:fld>
             <a:endParaRPr lang="fr-FR"/>
           </a:p>
@@ -6475,7 +6475,7 @@
           <a:p>
             <a:fld id="{3FA2BC0F-0EBE-C040-8125-390D1D6C3174}" type="datetimeFigureOut">
               <a:rPr lang="fr-FR" smtClean="0"/>
-              <a:t>24/05/2019</a:t>
+              <a:t>28/05/2019</a:t>
             </a:fld>
             <a:endParaRPr lang="fr-FR"/>
           </a:p>
